--- a/Python과제/Python_3강.pptx
+++ b/Python과제/Python_3강.pptx
@@ -9,10 +9,12 @@
     <p:sldId id="257" r:id="rId3"/>
     <p:sldId id="258" r:id="rId4"/>
     <p:sldId id="259" r:id="rId5"/>
-    <p:sldId id="260" r:id="rId6"/>
-    <p:sldId id="261" r:id="rId7"/>
-    <p:sldId id="262" r:id="rId8"/>
-    <p:sldId id="263" r:id="rId9"/>
+    <p:sldId id="261" r:id="rId6"/>
+    <p:sldId id="262" r:id="rId7"/>
+    <p:sldId id="263" r:id="rId8"/>
+    <p:sldId id="264" r:id="rId9"/>
+    <p:sldId id="265" r:id="rId10"/>
+    <p:sldId id="260" r:id="rId11"/>
   </p:sldIdLst>
   <p:sldSz cx="12192000" cy="6858000"/>
   <p:notesSz cx="6858000" cy="9144000"/>
@@ -315,7 +317,7 @@
           <a:p>
             <a:fld id="{96DFF08F-DC6B-4601-B491-B0F83F6DD2DA}" type="datetimeFigureOut">
               <a:rPr lang="en-US" smtClean="0"/>
-              <a:t>4/26/2023</a:t>
+              <a:t>4/28/2023</a:t>
             </a:fld>
             <a:endParaRPr lang="en-US" dirty="0"/>
           </a:p>
@@ -536,7 +538,7 @@
           <a:p>
             <a:fld id="{96DFF08F-DC6B-4601-B491-B0F83F6DD2DA}" type="datetimeFigureOut">
               <a:rPr lang="en-US" smtClean="0"/>
-              <a:t>4/26/2023</a:t>
+              <a:t>4/28/2023</a:t>
             </a:fld>
             <a:endParaRPr lang="en-US" dirty="0"/>
           </a:p>
@@ -716,7 +718,7 @@
           <a:p>
             <a:fld id="{96DFF08F-DC6B-4601-B491-B0F83F6DD2DA}" type="datetimeFigureOut">
               <a:rPr lang="en-US" smtClean="0"/>
-              <a:t>4/26/2023</a:t>
+              <a:t>4/28/2023</a:t>
             </a:fld>
             <a:endParaRPr lang="en-US" dirty="0"/>
           </a:p>
@@ -886,7 +888,7 @@
           <a:p>
             <a:fld id="{96DFF08F-DC6B-4601-B491-B0F83F6DD2DA}" type="datetimeFigureOut">
               <a:rPr lang="en-US" smtClean="0"/>
-              <a:t>4/26/2023</a:t>
+              <a:t>4/28/2023</a:t>
             </a:fld>
             <a:endParaRPr lang="en-US" dirty="0"/>
           </a:p>
@@ -1137,7 +1139,7 @@
           <a:p>
             <a:fld id="{96DFF08F-DC6B-4601-B491-B0F83F6DD2DA}" type="datetimeFigureOut">
               <a:rPr lang="en-US" smtClean="0"/>
-              <a:t>4/26/2023</a:t>
+              <a:t>4/28/2023</a:t>
             </a:fld>
             <a:endParaRPr lang="en-US" dirty="0"/>
           </a:p>
@@ -1460,7 +1462,7 @@
           <a:p>
             <a:fld id="{96DFF08F-DC6B-4601-B491-B0F83F6DD2DA}" type="datetimeFigureOut">
               <a:rPr lang="en-US" smtClean="0"/>
-              <a:t>4/26/2023</a:t>
+              <a:t>4/28/2023</a:t>
             </a:fld>
             <a:endParaRPr lang="en-US" dirty="0"/>
           </a:p>
@@ -1884,7 +1886,7 @@
           <a:p>
             <a:fld id="{96DFF08F-DC6B-4601-B491-B0F83F6DD2DA}" type="datetimeFigureOut">
               <a:rPr lang="en-US" smtClean="0"/>
-              <a:t>4/26/2023</a:t>
+              <a:t>4/28/2023</a:t>
             </a:fld>
             <a:endParaRPr lang="en-US" dirty="0"/>
           </a:p>
@@ -2002,7 +2004,7 @@
           <a:p>
             <a:fld id="{96DFF08F-DC6B-4601-B491-B0F83F6DD2DA}" type="datetimeFigureOut">
               <a:rPr lang="en-US" smtClean="0"/>
-              <a:t>4/26/2023</a:t>
+              <a:t>4/28/2023</a:t>
             </a:fld>
             <a:endParaRPr lang="en-US" dirty="0"/>
           </a:p>
@@ -2097,7 +2099,7 @@
           <a:p>
             <a:fld id="{96DFF08F-DC6B-4601-B491-B0F83F6DD2DA}" type="datetimeFigureOut">
               <a:rPr lang="en-US" smtClean="0"/>
-              <a:t>4/26/2023</a:t>
+              <a:t>4/28/2023</a:t>
             </a:fld>
             <a:endParaRPr lang="en-US" dirty="0"/>
           </a:p>
@@ -2387,7 +2389,7 @@
           <a:p>
             <a:fld id="{96DFF08F-DC6B-4601-B491-B0F83F6DD2DA}" type="datetimeFigureOut">
               <a:rPr lang="en-US" smtClean="0"/>
-              <a:t>4/26/2023</a:t>
+              <a:t>4/28/2023</a:t>
             </a:fld>
             <a:endParaRPr lang="en-US" dirty="0"/>
           </a:p>
@@ -2659,7 +2661,7 @@
           <a:p>
             <a:fld id="{96DFF08F-DC6B-4601-B491-B0F83F6DD2DA}" type="datetimeFigureOut">
               <a:rPr lang="en-US" smtClean="0"/>
-              <a:t>4/26/2023</a:t>
+              <a:t>4/28/2023</a:t>
             </a:fld>
             <a:endParaRPr lang="en-US" dirty="0"/>
           </a:p>
@@ -2914,7 +2916,7 @@
             <a:fld id="{96DFF08F-DC6B-4601-B491-B0F83F6DD2DA}" type="datetimeFigureOut">
               <a:rPr lang="en-US" smtClean="0"/>
               <a:pPr/>
-              <a:t>4/26/2023</a:t>
+              <a:t>4/28/2023</a:t>
             </a:fld>
             <a:endParaRPr lang="en-US" dirty="0"/>
           </a:p>
@@ -3517,6 +3519,66 @@
 </p:sld>
 </file>
 
+<file path=ppt/slides/slide10.xml><?xml version="1.0" encoding="utf-8"?>
+<p:sld xmlns:a="http://schemas.openxmlformats.org/drawingml/2006/main" xmlns:r="http://schemas.openxmlformats.org/officeDocument/2006/relationships" xmlns:p="http://schemas.openxmlformats.org/presentationml/2006/main">
+  <p:cSld>
+    <p:spTree>
+      <p:nvGrpSpPr>
+        <p:cNvPr id="1" name=""/>
+        <p:cNvGrpSpPr/>
+        <p:nvPr/>
+      </p:nvGrpSpPr>
+      <p:grpSpPr>
+        <a:xfrm>
+          <a:off x="0" y="0"/>
+          <a:ext cx="0" cy="0"/>
+          <a:chOff x="0" y="0"/>
+          <a:chExt cx="0" cy="0"/>
+        </a:xfrm>
+      </p:grpSpPr>
+      <p:pic>
+        <p:nvPicPr>
+          <p:cNvPr id="5" name="그림 4">
+            <a:extLst>
+              <a:ext uri="{FF2B5EF4-FFF2-40B4-BE49-F238E27FC236}">
+                <a16:creationId xmlns:a16="http://schemas.microsoft.com/office/drawing/2014/main" id="{E59372F0-283F-67BD-0423-B168EB332F37}"/>
+              </a:ext>
+            </a:extLst>
+          </p:cNvPr>
+          <p:cNvPicPr>
+            <a:picLocks noChangeAspect="1"/>
+          </p:cNvPicPr>
+          <p:nvPr/>
+        </p:nvPicPr>
+        <p:blipFill>
+          <a:blip r:embed="rId2"/>
+          <a:stretch>
+            <a:fillRect/>
+          </a:stretch>
+        </p:blipFill>
+        <p:spPr>
+          <a:xfrm>
+            <a:off x="377908" y="352983"/>
+            <a:ext cx="11429347" cy="3761817"/>
+          </a:xfrm>
+          <a:prstGeom prst="rect">
+            <a:avLst/>
+          </a:prstGeom>
+        </p:spPr>
+      </p:pic>
+    </p:spTree>
+    <p:extLst>
+      <p:ext uri="{BB962C8B-B14F-4D97-AF65-F5344CB8AC3E}">
+        <p14:creationId xmlns:p14="http://schemas.microsoft.com/office/powerpoint/2010/main" val="358680780"/>
+      </p:ext>
+    </p:extLst>
+  </p:cSld>
+  <p:clrMapOvr>
+    <a:masterClrMapping/>
+  </p:clrMapOvr>
+</p:sld>
+</file>
+
 <file path=ppt/slides/slide2.xml><?xml version="1.0" encoding="utf-8"?>
 <p:sld xmlns:a="http://schemas.openxmlformats.org/drawingml/2006/main" xmlns:r="http://schemas.openxmlformats.org/officeDocument/2006/relationships" xmlns:p="http://schemas.openxmlformats.org/presentationml/2006/main">
   <p:cSld>
@@ -3654,6 +3716,66 @@
           <a:chExt cx="0" cy="0"/>
         </a:xfrm>
       </p:grpSpPr>
+      <p:pic>
+        <p:nvPicPr>
+          <p:cNvPr id="5" name="그림 4">
+            <a:extLst>
+              <a:ext uri="{FF2B5EF4-FFF2-40B4-BE49-F238E27FC236}">
+                <a16:creationId xmlns:a16="http://schemas.microsoft.com/office/drawing/2014/main" id="{F361EBF3-0D73-684D-3672-4939925B0437}"/>
+              </a:ext>
+            </a:extLst>
+          </p:cNvPr>
+          <p:cNvPicPr>
+            <a:picLocks noChangeAspect="1"/>
+          </p:cNvPicPr>
+          <p:nvPr/>
+        </p:nvPicPr>
+        <p:blipFill>
+          <a:blip r:embed="rId2"/>
+          <a:stretch>
+            <a:fillRect/>
+          </a:stretch>
+        </p:blipFill>
+        <p:spPr>
+          <a:xfrm>
+            <a:off x="336537" y="373423"/>
+            <a:ext cx="7795092" cy="3061581"/>
+          </a:xfrm>
+          <a:prstGeom prst="rect">
+            <a:avLst/>
+          </a:prstGeom>
+        </p:spPr>
+      </p:pic>
+      <p:pic>
+        <p:nvPicPr>
+          <p:cNvPr id="7" name="그림 6">
+            <a:extLst>
+              <a:ext uri="{FF2B5EF4-FFF2-40B4-BE49-F238E27FC236}">
+                <a16:creationId xmlns:a16="http://schemas.microsoft.com/office/drawing/2014/main" id="{199EA4F1-2DE0-1B7C-5E67-28DA933FEACD}"/>
+              </a:ext>
+            </a:extLst>
+          </p:cNvPr>
+          <p:cNvPicPr>
+            <a:picLocks noChangeAspect="1"/>
+          </p:cNvPicPr>
+          <p:nvPr/>
+        </p:nvPicPr>
+        <p:blipFill>
+          <a:blip r:embed="rId3"/>
+          <a:stretch>
+            <a:fillRect/>
+          </a:stretch>
+        </p:blipFill>
+        <p:spPr>
+          <a:xfrm>
+            <a:off x="336536" y="3448274"/>
+            <a:ext cx="7795091" cy="3189991"/>
+          </a:xfrm>
+          <a:prstGeom prst="rect">
+            <a:avLst/>
+          </a:prstGeom>
+        </p:spPr>
+      </p:pic>
     </p:spTree>
     <p:extLst>
       <p:ext uri="{BB962C8B-B14F-4D97-AF65-F5344CB8AC3E}">
@@ -3684,6 +3806,96 @@
           <a:chExt cx="0" cy="0"/>
         </a:xfrm>
       </p:grpSpPr>
+      <p:pic>
+        <p:nvPicPr>
+          <p:cNvPr id="3" name="그림 2">
+            <a:extLst>
+              <a:ext uri="{FF2B5EF4-FFF2-40B4-BE49-F238E27FC236}">
+                <a16:creationId xmlns:a16="http://schemas.microsoft.com/office/drawing/2014/main" id="{A057B128-20C7-8B48-3837-954B8EF1E7AF}"/>
+              </a:ext>
+            </a:extLst>
+          </p:cNvPr>
+          <p:cNvPicPr>
+            <a:picLocks noChangeAspect="1"/>
+          </p:cNvPicPr>
+          <p:nvPr/>
+        </p:nvPicPr>
+        <p:blipFill>
+          <a:blip r:embed="rId2"/>
+          <a:stretch>
+            <a:fillRect/>
+          </a:stretch>
+        </p:blipFill>
+        <p:spPr>
+          <a:xfrm>
+            <a:off x="360088" y="412913"/>
+            <a:ext cx="8196083" cy="1612065"/>
+          </a:xfrm>
+          <a:prstGeom prst="rect">
+            <a:avLst/>
+          </a:prstGeom>
+        </p:spPr>
+      </p:pic>
+      <p:pic>
+        <p:nvPicPr>
+          <p:cNvPr id="7" name="그림 6">
+            <a:extLst>
+              <a:ext uri="{FF2B5EF4-FFF2-40B4-BE49-F238E27FC236}">
+                <a16:creationId xmlns:a16="http://schemas.microsoft.com/office/drawing/2014/main" id="{F8170DCD-19B5-6E54-5ACB-5C12AA321F25}"/>
+              </a:ext>
+            </a:extLst>
+          </p:cNvPr>
+          <p:cNvPicPr>
+            <a:picLocks noChangeAspect="1"/>
+          </p:cNvPicPr>
+          <p:nvPr/>
+        </p:nvPicPr>
+        <p:blipFill>
+          <a:blip r:embed="rId3"/>
+          <a:stretch>
+            <a:fillRect/>
+          </a:stretch>
+        </p:blipFill>
+        <p:spPr>
+          <a:xfrm>
+            <a:off x="360088" y="2171935"/>
+            <a:ext cx="5735912" cy="1878428"/>
+          </a:xfrm>
+          <a:prstGeom prst="rect">
+            <a:avLst/>
+          </a:prstGeom>
+        </p:spPr>
+      </p:pic>
+      <p:pic>
+        <p:nvPicPr>
+          <p:cNvPr id="8" name="그림 7">
+            <a:extLst>
+              <a:ext uri="{FF2B5EF4-FFF2-40B4-BE49-F238E27FC236}">
+                <a16:creationId xmlns:a16="http://schemas.microsoft.com/office/drawing/2014/main" id="{1B25B31F-D31B-94F8-A28C-9605D426FBB2}"/>
+              </a:ext>
+            </a:extLst>
+          </p:cNvPr>
+          <p:cNvPicPr>
+            <a:picLocks noChangeAspect="1"/>
+          </p:cNvPicPr>
+          <p:nvPr/>
+        </p:nvPicPr>
+        <p:blipFill>
+          <a:blip r:embed="rId4"/>
+          <a:stretch>
+            <a:fillRect/>
+          </a:stretch>
+        </p:blipFill>
+        <p:spPr>
+          <a:xfrm>
+            <a:off x="360088" y="4197321"/>
+            <a:ext cx="7183712" cy="2415392"/>
+          </a:xfrm>
+          <a:prstGeom prst="rect">
+            <a:avLst/>
+          </a:prstGeom>
+        </p:spPr>
+      </p:pic>
     </p:spTree>
     <p:extLst>
       <p:ext uri="{BB962C8B-B14F-4D97-AF65-F5344CB8AC3E}">
@@ -3714,10 +3926,40 @@
           <a:chExt cx="0" cy="0"/>
         </a:xfrm>
       </p:grpSpPr>
+      <p:pic>
+        <p:nvPicPr>
+          <p:cNvPr id="3" name="그림 2">
+            <a:extLst>
+              <a:ext uri="{FF2B5EF4-FFF2-40B4-BE49-F238E27FC236}">
+                <a16:creationId xmlns:a16="http://schemas.microsoft.com/office/drawing/2014/main" id="{9E5381E5-13C6-A31F-4890-9F95F6EB8B38}"/>
+              </a:ext>
+            </a:extLst>
+          </p:cNvPr>
+          <p:cNvPicPr>
+            <a:picLocks noChangeAspect="1"/>
+          </p:cNvPicPr>
+          <p:nvPr/>
+        </p:nvPicPr>
+        <p:blipFill>
+          <a:blip r:embed="rId2"/>
+          <a:stretch>
+            <a:fillRect/>
+          </a:stretch>
+        </p:blipFill>
+        <p:spPr>
+          <a:xfrm>
+            <a:off x="364385" y="344094"/>
+            <a:ext cx="10804358" cy="6252521"/>
+          </a:xfrm>
+          <a:prstGeom prst="rect">
+            <a:avLst/>
+          </a:prstGeom>
+        </p:spPr>
+      </p:pic>
     </p:spTree>
     <p:extLst>
       <p:ext uri="{BB962C8B-B14F-4D97-AF65-F5344CB8AC3E}">
-        <p14:creationId xmlns:p14="http://schemas.microsoft.com/office/powerpoint/2010/main" val="358680780"/>
+        <p14:creationId xmlns:p14="http://schemas.microsoft.com/office/powerpoint/2010/main" val="665428984"/>
       </p:ext>
     </p:extLst>
   </p:cSld>
@@ -3744,10 +3986,70 @@
           <a:chExt cx="0" cy="0"/>
         </a:xfrm>
       </p:grpSpPr>
+      <p:pic>
+        <p:nvPicPr>
+          <p:cNvPr id="3" name="그림 2">
+            <a:extLst>
+              <a:ext uri="{FF2B5EF4-FFF2-40B4-BE49-F238E27FC236}">
+                <a16:creationId xmlns:a16="http://schemas.microsoft.com/office/drawing/2014/main" id="{5972B39F-BBCE-E7AA-1BDA-319722BBEF71}"/>
+              </a:ext>
+            </a:extLst>
+          </p:cNvPr>
+          <p:cNvPicPr>
+            <a:picLocks noChangeAspect="1"/>
+          </p:cNvPicPr>
+          <p:nvPr/>
+        </p:nvPicPr>
+        <p:blipFill>
+          <a:blip r:embed="rId2"/>
+          <a:stretch>
+            <a:fillRect/>
+          </a:stretch>
+        </p:blipFill>
+        <p:spPr>
+          <a:xfrm>
+            <a:off x="360275" y="364547"/>
+            <a:ext cx="8130582" cy="3156176"/>
+          </a:xfrm>
+          <a:prstGeom prst="rect">
+            <a:avLst/>
+          </a:prstGeom>
+        </p:spPr>
+      </p:pic>
+      <p:pic>
+        <p:nvPicPr>
+          <p:cNvPr id="5" name="그림 4">
+            <a:extLst>
+              <a:ext uri="{FF2B5EF4-FFF2-40B4-BE49-F238E27FC236}">
+                <a16:creationId xmlns:a16="http://schemas.microsoft.com/office/drawing/2014/main" id="{7BEB91B7-CAEA-0589-1A3B-B99D408B86C7}"/>
+              </a:ext>
+            </a:extLst>
+          </p:cNvPr>
+          <p:cNvPicPr>
+            <a:picLocks noChangeAspect="1"/>
+          </p:cNvPicPr>
+          <p:nvPr/>
+        </p:nvPicPr>
+        <p:blipFill>
+          <a:blip r:embed="rId3"/>
+          <a:stretch>
+            <a:fillRect/>
+          </a:stretch>
+        </p:blipFill>
+        <p:spPr>
+          <a:xfrm>
+            <a:off x="360275" y="3520722"/>
+            <a:ext cx="8947011" cy="3082985"/>
+          </a:xfrm>
+          <a:prstGeom prst="rect">
+            <a:avLst/>
+          </a:prstGeom>
+        </p:spPr>
+      </p:pic>
     </p:spTree>
     <p:extLst>
       <p:ext uri="{BB962C8B-B14F-4D97-AF65-F5344CB8AC3E}">
-        <p14:creationId xmlns:p14="http://schemas.microsoft.com/office/powerpoint/2010/main" val="665428984"/>
+        <p14:creationId xmlns:p14="http://schemas.microsoft.com/office/powerpoint/2010/main" val="2694245248"/>
       </p:ext>
     </p:extLst>
   </p:cSld>
@@ -3774,10 +4076,40 @@
           <a:chExt cx="0" cy="0"/>
         </a:xfrm>
       </p:grpSpPr>
+      <p:pic>
+        <p:nvPicPr>
+          <p:cNvPr id="3" name="그림 2">
+            <a:extLst>
+              <a:ext uri="{FF2B5EF4-FFF2-40B4-BE49-F238E27FC236}">
+                <a16:creationId xmlns:a16="http://schemas.microsoft.com/office/drawing/2014/main" id="{70D520A3-DF90-C888-C18B-3D23ED133CD4}"/>
+              </a:ext>
+            </a:extLst>
+          </p:cNvPr>
+          <p:cNvPicPr>
+            <a:picLocks noChangeAspect="1"/>
+          </p:cNvPicPr>
+          <p:nvPr/>
+        </p:nvPicPr>
+        <p:blipFill>
+          <a:blip r:embed="rId2"/>
+          <a:stretch>
+            <a:fillRect/>
+          </a:stretch>
+        </p:blipFill>
+        <p:spPr>
+          <a:xfrm>
+            <a:off x="321456" y="560491"/>
+            <a:ext cx="11549088" cy="6019923"/>
+          </a:xfrm>
+          <a:prstGeom prst="rect">
+            <a:avLst/>
+          </a:prstGeom>
+        </p:spPr>
+      </p:pic>
     </p:spTree>
     <p:extLst>
       <p:ext uri="{BB962C8B-B14F-4D97-AF65-F5344CB8AC3E}">
-        <p14:creationId xmlns:p14="http://schemas.microsoft.com/office/powerpoint/2010/main" val="2694245248"/>
+        <p14:creationId xmlns:p14="http://schemas.microsoft.com/office/powerpoint/2010/main" val="3459190387"/>
       </p:ext>
     </p:extLst>
   </p:cSld>
@@ -3804,10 +4136,160 @@
           <a:chExt cx="0" cy="0"/>
         </a:xfrm>
       </p:grpSpPr>
+      <p:pic>
+        <p:nvPicPr>
+          <p:cNvPr id="3" name="그림 2">
+            <a:extLst>
+              <a:ext uri="{FF2B5EF4-FFF2-40B4-BE49-F238E27FC236}">
+                <a16:creationId xmlns:a16="http://schemas.microsoft.com/office/drawing/2014/main" id="{DD263407-2AF4-4B59-86E2-6E4695D93A0C}"/>
+              </a:ext>
+            </a:extLst>
+          </p:cNvPr>
+          <p:cNvPicPr>
+            <a:picLocks noChangeAspect="1"/>
+          </p:cNvPicPr>
+          <p:nvPr/>
+        </p:nvPicPr>
+        <p:blipFill>
+          <a:blip r:embed="rId2"/>
+          <a:stretch>
+            <a:fillRect/>
+          </a:stretch>
+        </p:blipFill>
+        <p:spPr>
+          <a:xfrm>
+            <a:off x="381461" y="438019"/>
+            <a:ext cx="6637685" cy="3954367"/>
+          </a:xfrm>
+          <a:prstGeom prst="rect">
+            <a:avLst/>
+          </a:prstGeom>
+        </p:spPr>
+      </p:pic>
+      <p:pic>
+        <p:nvPicPr>
+          <p:cNvPr id="6" name="그림 5">
+            <a:extLst>
+              <a:ext uri="{FF2B5EF4-FFF2-40B4-BE49-F238E27FC236}">
+                <a16:creationId xmlns:a16="http://schemas.microsoft.com/office/drawing/2014/main" id="{BC1CF76C-7DEF-A3AE-44A3-B7116453EEA1}"/>
+              </a:ext>
+            </a:extLst>
+          </p:cNvPr>
+          <p:cNvPicPr>
+            <a:picLocks noChangeAspect="1"/>
+          </p:cNvPicPr>
+          <p:nvPr/>
+        </p:nvPicPr>
+        <p:blipFill>
+          <a:blip r:embed="rId3"/>
+          <a:stretch>
+            <a:fillRect/>
+          </a:stretch>
+        </p:blipFill>
+        <p:spPr>
+          <a:xfrm>
+            <a:off x="6096000" y="438019"/>
+            <a:ext cx="5835865" cy="3709438"/>
+          </a:xfrm>
+          <a:prstGeom prst="rect">
+            <a:avLst/>
+          </a:prstGeom>
+        </p:spPr>
+      </p:pic>
     </p:spTree>
     <p:extLst>
       <p:ext uri="{BB962C8B-B14F-4D97-AF65-F5344CB8AC3E}">
-        <p14:creationId xmlns:p14="http://schemas.microsoft.com/office/powerpoint/2010/main" val="3459190387"/>
+        <p14:creationId xmlns:p14="http://schemas.microsoft.com/office/powerpoint/2010/main" val="3661059627"/>
+      </p:ext>
+    </p:extLst>
+  </p:cSld>
+  <p:clrMapOvr>
+    <a:masterClrMapping/>
+  </p:clrMapOvr>
+</p:sld>
+</file>
+
+<file path=ppt/slides/slide9.xml><?xml version="1.0" encoding="utf-8"?>
+<p:sld xmlns:a="http://schemas.openxmlformats.org/drawingml/2006/main" xmlns:r="http://schemas.openxmlformats.org/officeDocument/2006/relationships" xmlns:p="http://schemas.openxmlformats.org/presentationml/2006/main">
+  <p:cSld>
+    <p:spTree>
+      <p:nvGrpSpPr>
+        <p:cNvPr id="1" name=""/>
+        <p:cNvGrpSpPr/>
+        <p:nvPr/>
+      </p:nvGrpSpPr>
+      <p:grpSpPr>
+        <a:xfrm>
+          <a:off x="0" y="0"/>
+          <a:ext cx="0" cy="0"/>
+          <a:chOff x="0" y="0"/>
+          <a:chExt cx="0" cy="0"/>
+        </a:xfrm>
+      </p:grpSpPr>
+      <p:pic>
+        <p:nvPicPr>
+          <p:cNvPr id="5" name="그림 4">
+            <a:extLst>
+              <a:ext uri="{FF2B5EF4-FFF2-40B4-BE49-F238E27FC236}">
+                <a16:creationId xmlns:a16="http://schemas.microsoft.com/office/drawing/2014/main" id="{0009B89D-D3E3-049D-0EDB-3650F7AA736B}"/>
+              </a:ext>
+            </a:extLst>
+          </p:cNvPr>
+          <p:cNvPicPr>
+            <a:picLocks noChangeAspect="1"/>
+          </p:cNvPicPr>
+          <p:nvPr/>
+        </p:nvPicPr>
+        <p:blipFill>
+          <a:blip r:embed="rId2"/>
+          <a:stretch>
+            <a:fillRect/>
+          </a:stretch>
+        </p:blipFill>
+        <p:spPr>
+          <a:xfrm>
+            <a:off x="457985" y="479597"/>
+            <a:ext cx="11347343" cy="1626788"/>
+          </a:xfrm>
+          <a:prstGeom prst="rect">
+            <a:avLst/>
+          </a:prstGeom>
+        </p:spPr>
+      </p:pic>
+      <p:pic>
+        <p:nvPicPr>
+          <p:cNvPr id="7" name="그림 6">
+            <a:extLst>
+              <a:ext uri="{FF2B5EF4-FFF2-40B4-BE49-F238E27FC236}">
+                <a16:creationId xmlns:a16="http://schemas.microsoft.com/office/drawing/2014/main" id="{3A722964-8B83-9F43-B26F-012B25E446B3}"/>
+              </a:ext>
+            </a:extLst>
+          </p:cNvPr>
+          <p:cNvPicPr>
+            <a:picLocks noChangeAspect="1"/>
+          </p:cNvPicPr>
+          <p:nvPr/>
+        </p:nvPicPr>
+        <p:blipFill>
+          <a:blip r:embed="rId3"/>
+          <a:stretch>
+            <a:fillRect/>
+          </a:stretch>
+        </p:blipFill>
+        <p:spPr>
+          <a:xfrm>
+            <a:off x="433011" y="2430862"/>
+            <a:ext cx="11372317" cy="3804558"/>
+          </a:xfrm>
+          <a:prstGeom prst="rect">
+            <a:avLst/>
+          </a:prstGeom>
+        </p:spPr>
+      </p:pic>
+    </p:spTree>
+    <p:extLst>
+      <p:ext uri="{BB962C8B-B14F-4D97-AF65-F5344CB8AC3E}">
+        <p14:creationId xmlns:p14="http://schemas.microsoft.com/office/powerpoint/2010/main" val="3258045720"/>
       </p:ext>
     </p:extLst>
   </p:cSld>

--- a/Python과제/Python_3강.pptx
+++ b/Python과제/Python_3강.pptx
@@ -6,15 +6,25 @@
   </p:sldMasterIdLst>
   <p:sldIdLst>
     <p:sldId id="256" r:id="rId2"/>
-    <p:sldId id="257" r:id="rId3"/>
-    <p:sldId id="258" r:id="rId4"/>
-    <p:sldId id="259" r:id="rId5"/>
-    <p:sldId id="261" r:id="rId6"/>
-    <p:sldId id="262" r:id="rId7"/>
-    <p:sldId id="263" r:id="rId8"/>
-    <p:sldId id="264" r:id="rId9"/>
-    <p:sldId id="265" r:id="rId10"/>
-    <p:sldId id="260" r:id="rId11"/>
+    <p:sldId id="273" r:id="rId3"/>
+    <p:sldId id="271" r:id="rId4"/>
+    <p:sldId id="283" r:id="rId5"/>
+    <p:sldId id="257" r:id="rId6"/>
+    <p:sldId id="258" r:id="rId7"/>
+    <p:sldId id="284" r:id="rId8"/>
+    <p:sldId id="259" r:id="rId9"/>
+    <p:sldId id="274" r:id="rId10"/>
+    <p:sldId id="285" r:id="rId11"/>
+    <p:sldId id="261" r:id="rId12"/>
+    <p:sldId id="262" r:id="rId13"/>
+    <p:sldId id="263" r:id="rId14"/>
+    <p:sldId id="275" r:id="rId15"/>
+    <p:sldId id="286" r:id="rId16"/>
+    <p:sldId id="264" r:id="rId17"/>
+    <p:sldId id="265" r:id="rId18"/>
+    <p:sldId id="260" r:id="rId19"/>
+    <p:sldId id="281" r:id="rId20"/>
+    <p:sldId id="282" r:id="rId21"/>
   </p:sldIdLst>
   <p:sldSz cx="12192000" cy="6858000"/>
   <p:notesSz cx="6858000" cy="9144000"/>
@@ -121,6 +131,702 @@
 </p:presentation>
 </file>
 
+<file path=ppt/ink/ink1.xml><?xml version="1.0" encoding="utf-8"?>
+<inkml:ink xmlns:inkml="http://www.w3.org/2003/InkML">
+  <inkml:definitions>
+    <inkml:context xml:id="ctx0">
+      <inkml:inkSource xml:id="inkSrc0">
+        <inkml:traceFormat>
+          <inkml:channel name="X" type="integer" min="-2.14748E9" max="2.14748E9" units="cm"/>
+          <inkml:channel name="Y" type="integer" min="-2.14748E9" max="2.14748E9" units="cm"/>
+        </inkml:traceFormat>
+        <inkml:channelProperties>
+          <inkml:channelProperty channel="X" name="resolution" value="1000" units="1/cm"/>
+          <inkml:channelProperty channel="Y" name="resolution" value="1000" units="1/cm"/>
+        </inkml:channelProperties>
+      </inkml:inkSource>
+      <inkml:timestamp xml:id="ts0" timeString="2023-05-05T17:04:37.454"/>
+    </inkml:context>
+    <inkml:brush xml:id="br0">
+      <inkml:brushProperty name="width" value="0.4" units="cm"/>
+      <inkml:brushProperty name="height" value="0.8" units="cm"/>
+      <inkml:brushProperty name="color" value="#C0E494"/>
+      <inkml:brushProperty name="tip" value="rectangle"/>
+      <inkml:brushProperty name="rasterOp" value="maskPen"/>
+      <inkml:brushProperty name="ignorePressure" value="1"/>
+    </inkml:brush>
+  </inkml:definitions>
+  <inkml:trace contextRef="#ctx0" brushRef="#br0">1 1,'2813'0,"-2774"0</inkml:trace>
+</inkml:ink>
+</file>
+
+<file path=ppt/ink/ink10.xml><?xml version="1.0" encoding="utf-8"?>
+<inkml:ink xmlns:inkml="http://www.w3.org/2003/InkML">
+  <inkml:definitions>
+    <inkml:context xml:id="ctx0">
+      <inkml:inkSource xml:id="inkSrc0">
+        <inkml:traceFormat>
+          <inkml:channel name="X" type="integer" min="-2.14748E9" max="2.14748E9" units="cm"/>
+          <inkml:channel name="Y" type="integer" min="-2.14748E9" max="2.14748E9" units="cm"/>
+        </inkml:traceFormat>
+        <inkml:channelProperties>
+          <inkml:channelProperty channel="X" name="resolution" value="1000" units="1/cm"/>
+          <inkml:channelProperty channel="Y" name="resolution" value="1000" units="1/cm"/>
+        </inkml:channelProperties>
+      </inkml:inkSource>
+      <inkml:timestamp xml:id="ts0" timeString="2023-05-05T16:38:14.901"/>
+    </inkml:context>
+    <inkml:brush xml:id="br0">
+      <inkml:brushProperty name="width" value="0.3" units="cm"/>
+      <inkml:brushProperty name="height" value="0.6" units="cm"/>
+      <inkml:brushProperty name="color" value="#C0E494"/>
+      <inkml:brushProperty name="tip" value="rectangle"/>
+      <inkml:brushProperty name="rasterOp" value="maskPen"/>
+      <inkml:brushProperty name="ignorePressure" value="1"/>
+    </inkml:brush>
+  </inkml:definitions>
+  <inkml:trace contextRef="#ctx0" brushRef="#br0">1 1,'5094'0,"-5039"0</inkml:trace>
+</inkml:ink>
+</file>
+
+<file path=ppt/ink/ink11.xml><?xml version="1.0" encoding="utf-8"?>
+<inkml:ink xmlns:inkml="http://www.w3.org/2003/InkML">
+  <inkml:definitions>
+    <inkml:context xml:id="ctx0">
+      <inkml:inkSource xml:id="inkSrc0">
+        <inkml:traceFormat>
+          <inkml:channel name="X" type="integer" min="-2.14748E9" max="2.14748E9" units="cm"/>
+          <inkml:channel name="Y" type="integer" min="-2.14748E9" max="2.14748E9" units="cm"/>
+        </inkml:traceFormat>
+        <inkml:channelProperties>
+          <inkml:channelProperty channel="X" name="resolution" value="1000" units="1/cm"/>
+          <inkml:channelProperty channel="Y" name="resolution" value="1000" units="1/cm"/>
+        </inkml:channelProperties>
+      </inkml:inkSource>
+      <inkml:timestamp xml:id="ts0" timeString="2023-05-05T17:05:01.677"/>
+    </inkml:context>
+    <inkml:brush xml:id="br0">
+      <inkml:brushProperty name="width" value="0.4" units="cm"/>
+      <inkml:brushProperty name="height" value="0.8" units="cm"/>
+      <inkml:brushProperty name="color" value="#C0E494"/>
+      <inkml:brushProperty name="tip" value="rectangle"/>
+      <inkml:brushProperty name="rasterOp" value="maskPen"/>
+      <inkml:brushProperty name="ignorePressure" value="1"/>
+    </inkml:brush>
+  </inkml:definitions>
+  <inkml:trace contextRef="#ctx0" brushRef="#br0">1 1,'2721'0,"-2680"0</inkml:trace>
+</inkml:ink>
+</file>
+
+<file path=ppt/ink/ink12.xml><?xml version="1.0" encoding="utf-8"?>
+<inkml:ink xmlns:inkml="http://www.w3.org/2003/InkML">
+  <inkml:definitions>
+    <inkml:context xml:id="ctx0">
+      <inkml:inkSource xml:id="inkSrc0">
+        <inkml:traceFormat>
+          <inkml:channel name="X" type="integer" min="-2.14748E9" max="2.14748E9" units="cm"/>
+          <inkml:channel name="Y" type="integer" min="-2.14748E9" max="2.14748E9" units="cm"/>
+        </inkml:traceFormat>
+        <inkml:channelProperties>
+          <inkml:channelProperty channel="X" name="resolution" value="1000" units="1/cm"/>
+          <inkml:channelProperty channel="Y" name="resolution" value="1000" units="1/cm"/>
+        </inkml:channelProperties>
+      </inkml:inkSource>
+      <inkml:timestamp xml:id="ts0" timeString="2023-05-05T17:06:06.939"/>
+    </inkml:context>
+    <inkml:brush xml:id="br0">
+      <inkml:brushProperty name="width" value="0.4" units="cm"/>
+      <inkml:brushProperty name="height" value="0.8" units="cm"/>
+      <inkml:brushProperty name="color" value="#C0E494"/>
+      <inkml:brushProperty name="tip" value="rectangle"/>
+      <inkml:brushProperty name="rasterOp" value="maskPen"/>
+      <inkml:brushProperty name="ignorePressure" value="1"/>
+    </inkml:brush>
+  </inkml:definitions>
+  <inkml:trace contextRef="#ctx0" brushRef="#br0">1 0,'2218'0,"-2175"0</inkml:trace>
+</inkml:ink>
+</file>
+
+<file path=ppt/ink/ink13.xml><?xml version="1.0" encoding="utf-8"?>
+<inkml:ink xmlns:inkml="http://www.w3.org/2003/InkML">
+  <inkml:definitions>
+    <inkml:context xml:id="ctx0">
+      <inkml:inkSource xml:id="inkSrc0">
+        <inkml:traceFormat>
+          <inkml:channel name="X" type="integer" min="-2.14748E9" max="2.14748E9" units="cm"/>
+          <inkml:channel name="Y" type="integer" min="-2.14748E9" max="2.14748E9" units="cm"/>
+        </inkml:traceFormat>
+        <inkml:channelProperties>
+          <inkml:channelProperty channel="X" name="resolution" value="1000" units="1/cm"/>
+          <inkml:channelProperty channel="Y" name="resolution" value="1000" units="1/cm"/>
+        </inkml:channelProperties>
+      </inkml:inkSource>
+      <inkml:timestamp xml:id="ts0" timeString="2023-05-05T17:06:10.606"/>
+    </inkml:context>
+    <inkml:brush xml:id="br0">
+      <inkml:brushProperty name="width" value="0.4" units="cm"/>
+      <inkml:brushProperty name="height" value="0.8" units="cm"/>
+      <inkml:brushProperty name="color" value="#C0E494"/>
+      <inkml:brushProperty name="tip" value="rectangle"/>
+      <inkml:brushProperty name="rasterOp" value="maskPen"/>
+      <inkml:brushProperty name="ignorePressure" value="1"/>
+    </inkml:brush>
+  </inkml:definitions>
+  <inkml:trace contextRef="#ctx0" brushRef="#br0">0 1,'2396'0,"-2365"0</inkml:trace>
+</inkml:ink>
+</file>
+
+<file path=ppt/ink/ink14.xml><?xml version="1.0" encoding="utf-8"?>
+<inkml:ink xmlns:inkml="http://www.w3.org/2003/InkML">
+  <inkml:definitions>
+    <inkml:context xml:id="ctx0">
+      <inkml:inkSource xml:id="inkSrc0">
+        <inkml:traceFormat>
+          <inkml:channel name="X" type="integer" min="-2.14748E9" max="2.14748E9" units="cm"/>
+          <inkml:channel name="Y" type="integer" min="-2.14748E9" max="2.14748E9" units="cm"/>
+        </inkml:traceFormat>
+        <inkml:channelProperties>
+          <inkml:channelProperty channel="X" name="resolution" value="1000" units="1/cm"/>
+          <inkml:channelProperty channel="Y" name="resolution" value="1000" units="1/cm"/>
+        </inkml:channelProperties>
+      </inkml:inkSource>
+      <inkml:timestamp xml:id="ts0" timeString="2023-05-05T16:38:21.436"/>
+    </inkml:context>
+    <inkml:brush xml:id="br0">
+      <inkml:brushProperty name="width" value="0.5" units="cm"/>
+      <inkml:brushProperty name="height" value="1" units="cm"/>
+      <inkml:brushProperty name="color" value="#C0E494"/>
+      <inkml:brushProperty name="tip" value="rectangle"/>
+      <inkml:brushProperty name="rasterOp" value="maskPen"/>
+      <inkml:brushProperty name="ignorePressure" value="1"/>
+    </inkml:brush>
+  </inkml:definitions>
+  <inkml:trace contextRef="#ctx0" brushRef="#br0">0 1,'3622'0,"-3593"0</inkml:trace>
+</inkml:ink>
+</file>
+
+<file path=ppt/ink/ink15.xml><?xml version="1.0" encoding="utf-8"?>
+<inkml:ink xmlns:inkml="http://www.w3.org/2003/InkML">
+  <inkml:definitions>
+    <inkml:context xml:id="ctx0">
+      <inkml:inkSource xml:id="inkSrc0">
+        <inkml:traceFormat>
+          <inkml:channel name="X" type="integer" min="-2.14748E9" max="2.14748E9" units="cm"/>
+          <inkml:channel name="Y" type="integer" min="-2.14748E9" max="2.14748E9" units="cm"/>
+        </inkml:traceFormat>
+        <inkml:channelProperties>
+          <inkml:channelProperty channel="X" name="resolution" value="1000" units="1/cm"/>
+          <inkml:channelProperty channel="Y" name="resolution" value="1000" units="1/cm"/>
+        </inkml:channelProperties>
+      </inkml:inkSource>
+      <inkml:timestamp xml:id="ts0" timeString="2023-05-05T16:38:37.007"/>
+    </inkml:context>
+    <inkml:brush xml:id="br0">
+      <inkml:brushProperty name="width" value="0.4" units="cm"/>
+      <inkml:brushProperty name="height" value="0.8" units="cm"/>
+      <inkml:brushProperty name="color" value="#C0E494"/>
+      <inkml:brushProperty name="tip" value="rectangle"/>
+      <inkml:brushProperty name="rasterOp" value="maskPen"/>
+      <inkml:brushProperty name="ignorePressure" value="1"/>
+    </inkml:brush>
+  </inkml:definitions>
+  <inkml:trace contextRef="#ctx0" brushRef="#br0">1 0,'3037'0,"-3009"0</inkml:trace>
+</inkml:ink>
+</file>
+
+<file path=ppt/ink/ink16.xml><?xml version="1.0" encoding="utf-8"?>
+<inkml:ink xmlns:inkml="http://www.w3.org/2003/InkML">
+  <inkml:definitions>
+    <inkml:context xml:id="ctx0">
+      <inkml:inkSource xml:id="inkSrc0">
+        <inkml:traceFormat>
+          <inkml:channel name="X" type="integer" min="-2.14748E9" max="2.14748E9" units="cm"/>
+          <inkml:channel name="Y" type="integer" min="-2.14748E9" max="2.14748E9" units="cm"/>
+        </inkml:traceFormat>
+        <inkml:channelProperties>
+          <inkml:channelProperty channel="X" name="resolution" value="1000" units="1/cm"/>
+          <inkml:channelProperty channel="Y" name="resolution" value="1000" units="1/cm"/>
+        </inkml:channelProperties>
+      </inkml:inkSource>
+      <inkml:timestamp xml:id="ts0" timeString="2023-05-05T16:38:40.062"/>
+    </inkml:context>
+    <inkml:brush xml:id="br0">
+      <inkml:brushProperty name="width" value="0.4" units="cm"/>
+      <inkml:brushProperty name="height" value="0.8" units="cm"/>
+      <inkml:brushProperty name="color" value="#C0E494"/>
+      <inkml:brushProperty name="tip" value="rectangle"/>
+      <inkml:brushProperty name="rasterOp" value="maskPen"/>
+      <inkml:brushProperty name="ignorePressure" value="1"/>
+    </inkml:brush>
+  </inkml:definitions>
+  <inkml:trace contextRef="#ctx0" brushRef="#br0">1 1,'2975'0,"-2947"0</inkml:trace>
+</inkml:ink>
+</file>
+
+<file path=ppt/ink/ink17.xml><?xml version="1.0" encoding="utf-8"?>
+<inkml:ink xmlns:inkml="http://www.w3.org/2003/InkML">
+  <inkml:definitions>
+    <inkml:context xml:id="ctx0">
+      <inkml:inkSource xml:id="inkSrc0">
+        <inkml:traceFormat>
+          <inkml:channel name="X" type="integer" min="-2.14748E9" max="2.14748E9" units="cm"/>
+          <inkml:channel name="Y" type="integer" min="-2.14748E9" max="2.14748E9" units="cm"/>
+        </inkml:traceFormat>
+        <inkml:channelProperties>
+          <inkml:channelProperty channel="X" name="resolution" value="1000" units="1/cm"/>
+          <inkml:channelProperty channel="Y" name="resolution" value="1000" units="1/cm"/>
+        </inkml:channelProperties>
+      </inkml:inkSource>
+      <inkml:timestamp xml:id="ts0" timeString="2023-05-05T16:38:50.981"/>
+    </inkml:context>
+    <inkml:brush xml:id="br0">
+      <inkml:brushProperty name="width" value="0.4" units="cm"/>
+      <inkml:brushProperty name="height" value="0.8" units="cm"/>
+      <inkml:brushProperty name="color" value="#C0E494"/>
+      <inkml:brushProperty name="tip" value="rectangle"/>
+      <inkml:brushProperty name="rasterOp" value="maskPen"/>
+      <inkml:brushProperty name="ignorePressure" value="1"/>
+    </inkml:brush>
+  </inkml:definitions>
+  <inkml:trace contextRef="#ctx0" brushRef="#br0">0 1,'1325'0,"3824"0,-5094 0</inkml:trace>
+</inkml:ink>
+</file>
+
+<file path=ppt/ink/ink18.xml><?xml version="1.0" encoding="utf-8"?>
+<inkml:ink xmlns:inkml="http://www.w3.org/2003/InkML">
+  <inkml:definitions>
+    <inkml:context xml:id="ctx0">
+      <inkml:inkSource xml:id="inkSrc0">
+        <inkml:traceFormat>
+          <inkml:channel name="X" type="integer" min="-2.14748E9" max="2.14748E9" units="cm"/>
+          <inkml:channel name="Y" type="integer" min="-2.14748E9" max="2.14748E9" units="cm"/>
+        </inkml:traceFormat>
+        <inkml:channelProperties>
+          <inkml:channelProperty channel="X" name="resolution" value="1000" units="1/cm"/>
+          <inkml:channelProperty channel="Y" name="resolution" value="1000" units="1/cm"/>
+        </inkml:channelProperties>
+      </inkml:inkSource>
+      <inkml:timestamp xml:id="ts0" timeString="2023-05-05T16:39:02.241"/>
+    </inkml:context>
+    <inkml:brush xml:id="br0">
+      <inkml:brushProperty name="width" value="0.4" units="cm"/>
+      <inkml:brushProperty name="height" value="0.8" units="cm"/>
+      <inkml:brushProperty name="color" value="#C0E494"/>
+      <inkml:brushProperty name="tip" value="rectangle"/>
+      <inkml:brushProperty name="rasterOp" value="maskPen"/>
+      <inkml:brushProperty name="ignorePressure" value="1"/>
+    </inkml:brush>
+  </inkml:definitions>
+  <inkml:trace contextRef="#ctx0" brushRef="#br0">1 0,'6317'0,"-6284"0</inkml:trace>
+</inkml:ink>
+</file>
+
+<file path=ppt/ink/ink19.xml><?xml version="1.0" encoding="utf-8"?>
+<inkml:ink xmlns:inkml="http://www.w3.org/2003/InkML">
+  <inkml:definitions>
+    <inkml:context xml:id="ctx0">
+      <inkml:inkSource xml:id="inkSrc0">
+        <inkml:traceFormat>
+          <inkml:channel name="X" type="integer" min="-2.14748E9" max="2.14748E9" units="cm"/>
+          <inkml:channel name="Y" type="integer" min="-2.14748E9" max="2.14748E9" units="cm"/>
+        </inkml:traceFormat>
+        <inkml:channelProperties>
+          <inkml:channelProperty channel="X" name="resolution" value="1000" units="1/cm"/>
+          <inkml:channelProperty channel="Y" name="resolution" value="1000" units="1/cm"/>
+        </inkml:channelProperties>
+      </inkml:inkSource>
+      <inkml:timestamp xml:id="ts0" timeString="2023-05-05T16:39:03.882"/>
+    </inkml:context>
+    <inkml:brush xml:id="br0">
+      <inkml:brushProperty name="width" value="0.4" units="cm"/>
+      <inkml:brushProperty name="height" value="0.8" units="cm"/>
+      <inkml:brushProperty name="color" value="#C0E494"/>
+      <inkml:brushProperty name="tip" value="rectangle"/>
+      <inkml:brushProperty name="rasterOp" value="maskPen"/>
+      <inkml:brushProperty name="ignorePressure" value="1"/>
+    </inkml:brush>
+  </inkml:definitions>
+  <inkml:trace contextRef="#ctx0" brushRef="#br0">0 0,'0'0</inkml:trace>
+</inkml:ink>
+</file>
+
+<file path=ppt/ink/ink2.xml><?xml version="1.0" encoding="utf-8"?>
+<inkml:ink xmlns:inkml="http://www.w3.org/2003/InkML">
+  <inkml:definitions>
+    <inkml:context xml:id="ctx0">
+      <inkml:inkSource xml:id="inkSrc0">
+        <inkml:traceFormat>
+          <inkml:channel name="X" type="integer" min="-2.14748E9" max="2.14748E9" units="cm"/>
+          <inkml:channel name="Y" type="integer" min="-2.14748E9" max="2.14748E9" units="cm"/>
+        </inkml:traceFormat>
+        <inkml:channelProperties>
+          <inkml:channelProperty channel="X" name="resolution" value="1000" units="1/cm"/>
+          <inkml:channelProperty channel="Y" name="resolution" value="1000" units="1/cm"/>
+        </inkml:channelProperties>
+      </inkml:inkSource>
+      <inkml:timestamp xml:id="ts0" timeString="2023-05-05T16:37:35.363"/>
+    </inkml:context>
+    <inkml:brush xml:id="br0">
+      <inkml:brushProperty name="width" value="0.3" units="cm"/>
+      <inkml:brushProperty name="height" value="0.6" units="cm"/>
+      <inkml:brushProperty name="color" value="#C0E494"/>
+      <inkml:brushProperty name="tip" value="rectangle"/>
+      <inkml:brushProperty name="rasterOp" value="maskPen"/>
+      <inkml:brushProperty name="ignorePressure" value="1"/>
+    </inkml:brush>
+  </inkml:definitions>
+  <inkml:trace contextRef="#ctx0" brushRef="#br0">0 0,'3855'0,"-3809"0</inkml:trace>
+</inkml:ink>
+</file>
+
+<file path=ppt/ink/ink20.xml><?xml version="1.0" encoding="utf-8"?>
+<inkml:ink xmlns:inkml="http://www.w3.org/2003/InkML">
+  <inkml:definitions>
+    <inkml:context xml:id="ctx0">
+      <inkml:inkSource xml:id="inkSrc0">
+        <inkml:traceFormat>
+          <inkml:channel name="X" type="integer" min="-2.14748E9" max="2.14748E9" units="cm"/>
+          <inkml:channel name="Y" type="integer" min="-2.14748E9" max="2.14748E9" units="cm"/>
+        </inkml:traceFormat>
+        <inkml:channelProperties>
+          <inkml:channelProperty channel="X" name="resolution" value="1000" units="1/cm"/>
+          <inkml:channelProperty channel="Y" name="resolution" value="1000" units="1/cm"/>
+        </inkml:channelProperties>
+      </inkml:inkSource>
+      <inkml:timestamp xml:id="ts0" timeString="2023-05-05T17:06:36.614"/>
+    </inkml:context>
+    <inkml:brush xml:id="br0">
+      <inkml:brushProperty name="width" value="0.4" units="cm"/>
+      <inkml:brushProperty name="height" value="0.8" units="cm"/>
+      <inkml:brushProperty name="color" value="#C0E494"/>
+      <inkml:brushProperty name="tip" value="rectangle"/>
+      <inkml:brushProperty name="rasterOp" value="maskPen"/>
+      <inkml:brushProperty name="ignorePressure" value="1"/>
+    </inkml:brush>
+  </inkml:definitions>
+  <inkml:trace contextRef="#ctx0" brushRef="#br0">0 1,'2632'0,"-2593"0</inkml:trace>
+</inkml:ink>
+</file>
+
+<file path=ppt/ink/ink21.xml><?xml version="1.0" encoding="utf-8"?>
+<inkml:ink xmlns:inkml="http://www.w3.org/2003/InkML">
+  <inkml:definitions>
+    <inkml:context xml:id="ctx0">
+      <inkml:inkSource xml:id="inkSrc0">
+        <inkml:traceFormat>
+          <inkml:channel name="X" type="integer" min="-2.14748E9" max="2.14748E9" units="cm"/>
+          <inkml:channel name="Y" type="integer" min="-2.14748E9" max="2.14748E9" units="cm"/>
+        </inkml:traceFormat>
+        <inkml:channelProperties>
+          <inkml:channelProperty channel="X" name="resolution" value="1000" units="1/cm"/>
+          <inkml:channelProperty channel="Y" name="resolution" value="1000" units="1/cm"/>
+        </inkml:channelProperties>
+      </inkml:inkSource>
+      <inkml:timestamp xml:id="ts0" timeString="2023-05-05T17:06:42.011"/>
+    </inkml:context>
+    <inkml:brush xml:id="br0">
+      <inkml:brushProperty name="width" value="0.4" units="cm"/>
+      <inkml:brushProperty name="height" value="0.8" units="cm"/>
+      <inkml:brushProperty name="color" value="#C0E494"/>
+      <inkml:brushProperty name="tip" value="rectangle"/>
+      <inkml:brushProperty name="rasterOp" value="maskPen"/>
+      <inkml:brushProperty name="ignorePressure" value="1"/>
+    </inkml:brush>
+  </inkml:definitions>
+  <inkml:trace contextRef="#ctx0" brushRef="#br0">0 0,'2677'0,"-2638"0</inkml:trace>
+</inkml:ink>
+</file>
+
+<file path=ppt/ink/ink22.xml><?xml version="1.0" encoding="utf-8"?>
+<inkml:ink xmlns:inkml="http://www.w3.org/2003/InkML">
+  <inkml:definitions>
+    <inkml:context xml:id="ctx0">
+      <inkml:inkSource xml:id="inkSrc0">
+        <inkml:traceFormat>
+          <inkml:channel name="X" type="integer" min="-2.14748E9" max="2.14748E9" units="cm"/>
+          <inkml:channel name="Y" type="integer" min="-2.14748E9" max="2.14748E9" units="cm"/>
+        </inkml:traceFormat>
+        <inkml:channelProperties>
+          <inkml:channelProperty channel="X" name="resolution" value="1000" units="1/cm"/>
+          <inkml:channelProperty channel="Y" name="resolution" value="1000" units="1/cm"/>
+        </inkml:channelProperties>
+      </inkml:inkSource>
+      <inkml:timestamp xml:id="ts0" timeString="2023-05-05T16:39:15.223"/>
+    </inkml:context>
+    <inkml:brush xml:id="br0">
+      <inkml:brushProperty name="width" value="0.4" units="cm"/>
+      <inkml:brushProperty name="height" value="0.8" units="cm"/>
+      <inkml:brushProperty name="color" value="#C0E494"/>
+      <inkml:brushProperty name="tip" value="rectangle"/>
+      <inkml:brushProperty name="rasterOp" value="maskPen"/>
+      <inkml:brushProperty name="ignorePressure" value="1"/>
+    </inkml:brush>
+  </inkml:definitions>
+  <inkml:trace contextRef="#ctx0" brushRef="#br0">0 1,'2635'0,"-2597"0</inkml:trace>
+</inkml:ink>
+</file>
+
+<file path=ppt/ink/ink23.xml><?xml version="1.0" encoding="utf-8"?>
+<inkml:ink xmlns:inkml="http://www.w3.org/2003/InkML">
+  <inkml:definitions>
+    <inkml:context xml:id="ctx0">
+      <inkml:inkSource xml:id="inkSrc0">
+        <inkml:traceFormat>
+          <inkml:channel name="X" type="integer" min="-2.14748E9" max="2.14748E9" units="cm"/>
+          <inkml:channel name="Y" type="integer" min="-2.14748E9" max="2.14748E9" units="cm"/>
+        </inkml:traceFormat>
+        <inkml:channelProperties>
+          <inkml:channelProperty channel="X" name="resolution" value="1000" units="1/cm"/>
+          <inkml:channelProperty channel="Y" name="resolution" value="1000" units="1/cm"/>
+        </inkml:channelProperties>
+      </inkml:inkSource>
+      <inkml:timestamp xml:id="ts0" timeString="2023-05-05T16:39:17.001"/>
+    </inkml:context>
+    <inkml:brush xml:id="br0">
+      <inkml:brushProperty name="width" value="0.4" units="cm"/>
+      <inkml:brushProperty name="height" value="0.8" units="cm"/>
+      <inkml:brushProperty name="color" value="#C0E494"/>
+      <inkml:brushProperty name="tip" value="rectangle"/>
+      <inkml:brushProperty name="rasterOp" value="maskPen"/>
+      <inkml:brushProperty name="ignorePressure" value="1"/>
+    </inkml:brush>
+  </inkml:definitions>
+  <inkml:trace contextRef="#ctx0" brushRef="#br0">0 1,'2106'0,"-2058"0</inkml:trace>
+</inkml:ink>
+</file>
+
+<file path=ppt/ink/ink24.xml><?xml version="1.0" encoding="utf-8"?>
+<inkml:ink xmlns:inkml="http://www.w3.org/2003/InkML">
+  <inkml:definitions>
+    <inkml:context xml:id="ctx0">
+      <inkml:inkSource xml:id="inkSrc0">
+        <inkml:traceFormat>
+          <inkml:channel name="X" type="integer" min="-2.14748E9" max="2.14748E9" units="cm"/>
+          <inkml:channel name="Y" type="integer" min="-2.14748E9" max="2.14748E9" units="cm"/>
+        </inkml:traceFormat>
+        <inkml:channelProperties>
+          <inkml:channelProperty channel="X" name="resolution" value="1000" units="1/cm"/>
+          <inkml:channelProperty channel="Y" name="resolution" value="1000" units="1/cm"/>
+        </inkml:channelProperties>
+      </inkml:inkSource>
+      <inkml:timestamp xml:id="ts0" timeString="2023-05-05T16:39:23.144"/>
+    </inkml:context>
+    <inkml:brush xml:id="br0">
+      <inkml:brushProperty name="width" value="0.4" units="cm"/>
+      <inkml:brushProperty name="height" value="0.8" units="cm"/>
+      <inkml:brushProperty name="color" value="#C0E494"/>
+      <inkml:brushProperty name="tip" value="rectangle"/>
+      <inkml:brushProperty name="rasterOp" value="maskPen"/>
+      <inkml:brushProperty name="ignorePressure" value="1"/>
+    </inkml:brush>
+  </inkml:definitions>
+  <inkml:trace contextRef="#ctx0" brushRef="#br0">1 1,'2723'0,"-2685"0</inkml:trace>
+</inkml:ink>
+</file>
+
+<file path=ppt/ink/ink3.xml><?xml version="1.0" encoding="utf-8"?>
+<inkml:ink xmlns:inkml="http://www.w3.org/2003/InkML">
+  <inkml:definitions>
+    <inkml:context xml:id="ctx0">
+      <inkml:inkSource xml:id="inkSrc0">
+        <inkml:traceFormat>
+          <inkml:channel name="X" type="integer" min="-2.14748E9" max="2.14748E9" units="cm"/>
+          <inkml:channel name="Y" type="integer" min="-2.14748E9" max="2.14748E9" units="cm"/>
+        </inkml:traceFormat>
+        <inkml:channelProperties>
+          <inkml:channelProperty channel="X" name="resolution" value="1000" units="1/cm"/>
+          <inkml:channelProperty channel="Y" name="resolution" value="1000" units="1/cm"/>
+        </inkml:channelProperties>
+      </inkml:inkSource>
+      <inkml:timestamp xml:id="ts0" timeString="2023-05-05T16:37:54.298"/>
+    </inkml:context>
+    <inkml:brush xml:id="br0">
+      <inkml:brushProperty name="width" value="0.5" units="cm"/>
+      <inkml:brushProperty name="height" value="1" units="cm"/>
+      <inkml:brushProperty name="color" value="#C0E494"/>
+      <inkml:brushProperty name="tip" value="rectangle"/>
+      <inkml:brushProperty name="rasterOp" value="maskPen"/>
+      <inkml:brushProperty name="ignorePressure" value="1"/>
+    </inkml:brush>
+  </inkml:definitions>
+  <inkml:trace contextRef="#ctx0" brushRef="#br0">1 0,'3405'0,"-3367"0</inkml:trace>
+</inkml:ink>
+</file>
+
+<file path=ppt/ink/ink4.xml><?xml version="1.0" encoding="utf-8"?>
+<inkml:ink xmlns:inkml="http://www.w3.org/2003/InkML">
+  <inkml:definitions>
+    <inkml:context xml:id="ctx0">
+      <inkml:inkSource xml:id="inkSrc0">
+        <inkml:traceFormat>
+          <inkml:channel name="X" type="integer" min="-2.14748E9" max="2.14748E9" units="cm"/>
+          <inkml:channel name="Y" type="integer" min="-2.14748E9" max="2.14748E9" units="cm"/>
+        </inkml:traceFormat>
+        <inkml:channelProperties>
+          <inkml:channelProperty channel="X" name="resolution" value="1000" units="1/cm"/>
+          <inkml:channelProperty channel="Y" name="resolution" value="1000" units="1/cm"/>
+        </inkml:channelProperties>
+      </inkml:inkSource>
+      <inkml:timestamp xml:id="ts0" timeString="2023-05-05T16:37:57.276"/>
+    </inkml:context>
+    <inkml:brush xml:id="br0">
+      <inkml:brushProperty name="width" value="0.5" units="cm"/>
+      <inkml:brushProperty name="height" value="1" units="cm"/>
+      <inkml:brushProperty name="color" value="#C0E494"/>
+      <inkml:brushProperty name="tip" value="rectangle"/>
+      <inkml:brushProperty name="rasterOp" value="maskPen"/>
+      <inkml:brushProperty name="ignorePressure" value="1"/>
+    </inkml:brush>
+  </inkml:definitions>
+  <inkml:trace contextRef="#ctx0" brushRef="#br0">1 0,'5283'0,"-5210"0</inkml:trace>
+</inkml:ink>
+</file>
+
+<file path=ppt/ink/ink5.xml><?xml version="1.0" encoding="utf-8"?>
+<inkml:ink xmlns:inkml="http://www.w3.org/2003/InkML">
+  <inkml:definitions>
+    <inkml:context xml:id="ctx0">
+      <inkml:inkSource xml:id="inkSrc0">
+        <inkml:traceFormat>
+          <inkml:channel name="X" type="integer" min="-2.14748E9" max="2.14748E9" units="cm"/>
+          <inkml:channel name="Y" type="integer" min="-2.14748E9" max="2.14748E9" units="cm"/>
+        </inkml:traceFormat>
+        <inkml:channelProperties>
+          <inkml:channelProperty channel="X" name="resolution" value="1000" units="1/cm"/>
+          <inkml:channelProperty channel="Y" name="resolution" value="1000" units="1/cm"/>
+        </inkml:channelProperties>
+      </inkml:inkSource>
+      <inkml:timestamp xml:id="ts0" timeString="2023-05-05T17:04:46.701"/>
+    </inkml:context>
+    <inkml:brush xml:id="br0">
+      <inkml:brushProperty name="width" value="0.4" units="cm"/>
+      <inkml:brushProperty name="height" value="0.8" units="cm"/>
+      <inkml:brushProperty name="color" value="#C0E494"/>
+      <inkml:brushProperty name="tip" value="rectangle"/>
+      <inkml:brushProperty name="rasterOp" value="maskPen"/>
+      <inkml:brushProperty name="ignorePressure" value="1"/>
+    </inkml:brush>
+  </inkml:definitions>
+  <inkml:trace contextRef="#ctx0" brushRef="#br0">0 0,'3123'0,"-3077"0</inkml:trace>
+</inkml:ink>
+</file>
+
+<file path=ppt/ink/ink6.xml><?xml version="1.0" encoding="utf-8"?>
+<inkml:ink xmlns:inkml="http://www.w3.org/2003/InkML">
+  <inkml:definitions>
+    <inkml:context xml:id="ctx0">
+      <inkml:inkSource xml:id="inkSrc0">
+        <inkml:traceFormat>
+          <inkml:channel name="X" type="integer" min="-2.14748E9" max="2.14748E9" units="cm"/>
+          <inkml:channel name="Y" type="integer" min="-2.14748E9" max="2.14748E9" units="cm"/>
+        </inkml:traceFormat>
+        <inkml:channelProperties>
+          <inkml:channelProperty channel="X" name="resolution" value="1000" units="1/cm"/>
+          <inkml:channelProperty channel="Y" name="resolution" value="1000" units="1/cm"/>
+        </inkml:channelProperties>
+      </inkml:inkSource>
+      <inkml:timestamp xml:id="ts0" timeString="2023-05-05T17:04:50.570"/>
+    </inkml:context>
+    <inkml:brush xml:id="br0">
+      <inkml:brushProperty name="width" value="0.4" units="cm"/>
+      <inkml:brushProperty name="height" value="0.8" units="cm"/>
+      <inkml:brushProperty name="color" value="#C0E494"/>
+      <inkml:brushProperty name="tip" value="rectangle"/>
+      <inkml:brushProperty name="rasterOp" value="maskPen"/>
+      <inkml:brushProperty name="ignorePressure" value="1"/>
+    </inkml:brush>
+  </inkml:definitions>
+  <inkml:trace contextRef="#ctx0" brushRef="#br0">1 0,'3583'0,"-3543"0</inkml:trace>
+</inkml:ink>
+</file>
+
+<file path=ppt/ink/ink7.xml><?xml version="1.0" encoding="utf-8"?>
+<inkml:ink xmlns:inkml="http://www.w3.org/2003/InkML">
+  <inkml:definitions>
+    <inkml:context xml:id="ctx0">
+      <inkml:inkSource xml:id="inkSrc0">
+        <inkml:traceFormat>
+          <inkml:channel name="X" type="integer" min="-2.14748E9" max="2.14748E9" units="cm"/>
+          <inkml:channel name="Y" type="integer" min="-2.14748E9" max="2.14748E9" units="cm"/>
+        </inkml:traceFormat>
+        <inkml:channelProperties>
+          <inkml:channelProperty channel="X" name="resolution" value="1000" units="1/cm"/>
+          <inkml:channelProperty channel="Y" name="resolution" value="1000" units="1/cm"/>
+        </inkml:channelProperties>
+      </inkml:inkSource>
+      <inkml:timestamp xml:id="ts0" timeString="2023-05-05T17:04:54.791"/>
+    </inkml:context>
+    <inkml:brush xml:id="br0">
+      <inkml:brushProperty name="width" value="0.4" units="cm"/>
+      <inkml:brushProperty name="height" value="0.8" units="cm"/>
+      <inkml:brushProperty name="color" value="#C0E494"/>
+      <inkml:brushProperty name="tip" value="rectangle"/>
+      <inkml:brushProperty name="rasterOp" value="maskPen"/>
+      <inkml:brushProperty name="ignorePressure" value="1"/>
+    </inkml:brush>
+  </inkml:definitions>
+  <inkml:trace contextRef="#ctx0" brushRef="#br0">0 0,'3133'0,"-3094"0</inkml:trace>
+</inkml:ink>
+</file>
+
+<file path=ppt/ink/ink8.xml><?xml version="1.0" encoding="utf-8"?>
+<inkml:ink xmlns:inkml="http://www.w3.org/2003/InkML">
+  <inkml:definitions>
+    <inkml:context xml:id="ctx0">
+      <inkml:inkSource xml:id="inkSrc0">
+        <inkml:traceFormat>
+          <inkml:channel name="X" type="integer" min="-2.14748E9" max="2.14748E9" units="cm"/>
+          <inkml:channel name="Y" type="integer" min="-2.14748E9" max="2.14748E9" units="cm"/>
+        </inkml:traceFormat>
+        <inkml:channelProperties>
+          <inkml:channelProperty channel="X" name="resolution" value="1000" units="1/cm"/>
+          <inkml:channelProperty channel="Y" name="resolution" value="1000" units="1/cm"/>
+        </inkml:channelProperties>
+      </inkml:inkSource>
+      <inkml:timestamp xml:id="ts0" timeString="2023-05-05T16:38:07.632"/>
+    </inkml:context>
+    <inkml:brush xml:id="br0">
+      <inkml:brushProperty name="width" value="0.3" units="cm"/>
+      <inkml:brushProperty name="height" value="0.6" units="cm"/>
+      <inkml:brushProperty name="color" value="#C0E494"/>
+      <inkml:brushProperty name="tip" value="rectangle"/>
+      <inkml:brushProperty name="rasterOp" value="maskPen"/>
+      <inkml:brushProperty name="ignorePressure" value="1"/>
+    </inkml:brush>
+  </inkml:definitions>
+  <inkml:trace contextRef="#ctx0" brushRef="#br0">0 1,'8124'0,"3450"0,-11160 0,-373 0</inkml:trace>
+</inkml:ink>
+</file>
+
+<file path=ppt/ink/ink9.xml><?xml version="1.0" encoding="utf-8"?>
+<inkml:ink xmlns:inkml="http://www.w3.org/2003/InkML">
+  <inkml:definitions>
+    <inkml:context xml:id="ctx0">
+      <inkml:inkSource xml:id="inkSrc0">
+        <inkml:traceFormat>
+          <inkml:channel name="X" type="integer" min="-2.14748E9" max="2.14748E9" units="cm"/>
+          <inkml:channel name="Y" type="integer" min="-2.14748E9" max="2.14748E9" units="cm"/>
+        </inkml:traceFormat>
+        <inkml:channelProperties>
+          <inkml:channelProperty channel="X" name="resolution" value="1000" units="1/cm"/>
+          <inkml:channelProperty channel="Y" name="resolution" value="1000" units="1/cm"/>
+        </inkml:channelProperties>
+      </inkml:inkSource>
+      <inkml:timestamp xml:id="ts0" timeString="2023-05-05T16:38:11.648"/>
+    </inkml:context>
+    <inkml:brush xml:id="br0">
+      <inkml:brushProperty name="width" value="0.3" units="cm"/>
+      <inkml:brushProperty name="height" value="0.6" units="cm"/>
+      <inkml:brushProperty name="color" value="#C0E494"/>
+      <inkml:brushProperty name="tip" value="rectangle"/>
+      <inkml:brushProperty name="rasterOp" value="maskPen"/>
+      <inkml:brushProperty name="ignorePressure" value="1"/>
+    </inkml:brush>
+  </inkml:definitions>
+  <inkml:trace contextRef="#ctx0" brushRef="#br0">1 1,'7'0,"11"0,56 0,31 0,36 0,87 0,58 0,19 0,20 0,-15 0,-45 0,-51 0,-56 0,-53 0</inkml:trace>
+</inkml:ink>
+</file>
+
 <file path=ppt/slideLayouts/slideLayout1.xml><?xml version="1.0" encoding="utf-8"?>
 <p:sldLayout xmlns:a="http://schemas.openxmlformats.org/drawingml/2006/main" xmlns:r="http://schemas.openxmlformats.org/officeDocument/2006/relationships" xmlns:p="http://schemas.openxmlformats.org/presentationml/2006/main" type="title" preserve="1">
   <p:cSld name="제목 슬라이드">
@@ -317,7 +1023,7 @@
           <a:p>
             <a:fld id="{96DFF08F-DC6B-4601-B491-B0F83F6DD2DA}" type="datetimeFigureOut">
               <a:rPr lang="en-US" smtClean="0"/>
-              <a:t>4/28/2023</a:t>
+              <a:t>5/6/2023</a:t>
             </a:fld>
             <a:endParaRPr lang="en-US" dirty="0"/>
           </a:p>
@@ -538,7 +1244,7 @@
           <a:p>
             <a:fld id="{96DFF08F-DC6B-4601-B491-B0F83F6DD2DA}" type="datetimeFigureOut">
               <a:rPr lang="en-US" smtClean="0"/>
-              <a:t>4/28/2023</a:t>
+              <a:t>5/6/2023</a:t>
             </a:fld>
             <a:endParaRPr lang="en-US" dirty="0"/>
           </a:p>
@@ -718,7 +1424,7 @@
           <a:p>
             <a:fld id="{96DFF08F-DC6B-4601-B491-B0F83F6DD2DA}" type="datetimeFigureOut">
               <a:rPr lang="en-US" smtClean="0"/>
-              <a:t>4/28/2023</a:t>
+              <a:t>5/6/2023</a:t>
             </a:fld>
             <a:endParaRPr lang="en-US" dirty="0"/>
           </a:p>
@@ -888,7 +1594,7 @@
           <a:p>
             <a:fld id="{96DFF08F-DC6B-4601-B491-B0F83F6DD2DA}" type="datetimeFigureOut">
               <a:rPr lang="en-US" smtClean="0"/>
-              <a:t>4/28/2023</a:t>
+              <a:t>5/6/2023</a:t>
             </a:fld>
             <a:endParaRPr lang="en-US" dirty="0"/>
           </a:p>
@@ -1139,7 +1845,7 @@
           <a:p>
             <a:fld id="{96DFF08F-DC6B-4601-B491-B0F83F6DD2DA}" type="datetimeFigureOut">
               <a:rPr lang="en-US" smtClean="0"/>
-              <a:t>4/28/2023</a:t>
+              <a:t>5/6/2023</a:t>
             </a:fld>
             <a:endParaRPr lang="en-US" dirty="0"/>
           </a:p>
@@ -1462,7 +2168,7 @@
           <a:p>
             <a:fld id="{96DFF08F-DC6B-4601-B491-B0F83F6DD2DA}" type="datetimeFigureOut">
               <a:rPr lang="en-US" smtClean="0"/>
-              <a:t>4/28/2023</a:t>
+              <a:t>5/6/2023</a:t>
             </a:fld>
             <a:endParaRPr lang="en-US" dirty="0"/>
           </a:p>
@@ -1886,7 +2592,7 @@
           <a:p>
             <a:fld id="{96DFF08F-DC6B-4601-B491-B0F83F6DD2DA}" type="datetimeFigureOut">
               <a:rPr lang="en-US" smtClean="0"/>
-              <a:t>4/28/2023</a:t>
+              <a:t>5/6/2023</a:t>
             </a:fld>
             <a:endParaRPr lang="en-US" dirty="0"/>
           </a:p>
@@ -2004,7 +2710,7 @@
           <a:p>
             <a:fld id="{96DFF08F-DC6B-4601-B491-B0F83F6DD2DA}" type="datetimeFigureOut">
               <a:rPr lang="en-US" smtClean="0"/>
-              <a:t>4/28/2023</a:t>
+              <a:t>5/6/2023</a:t>
             </a:fld>
             <a:endParaRPr lang="en-US" dirty="0"/>
           </a:p>
@@ -2099,7 +2805,7 @@
           <a:p>
             <a:fld id="{96DFF08F-DC6B-4601-B491-B0F83F6DD2DA}" type="datetimeFigureOut">
               <a:rPr lang="en-US" smtClean="0"/>
-              <a:t>4/28/2023</a:t>
+              <a:t>5/6/2023</a:t>
             </a:fld>
             <a:endParaRPr lang="en-US" dirty="0"/>
           </a:p>
@@ -2389,7 +3095,7 @@
           <a:p>
             <a:fld id="{96DFF08F-DC6B-4601-B491-B0F83F6DD2DA}" type="datetimeFigureOut">
               <a:rPr lang="en-US" smtClean="0"/>
-              <a:t>4/28/2023</a:t>
+              <a:t>5/6/2023</a:t>
             </a:fld>
             <a:endParaRPr lang="en-US" dirty="0"/>
           </a:p>
@@ -2661,7 +3367,7 @@
           <a:p>
             <a:fld id="{96DFF08F-DC6B-4601-B491-B0F83F6DD2DA}" type="datetimeFigureOut">
               <a:rPr lang="en-US" smtClean="0"/>
-              <a:t>4/28/2023</a:t>
+              <a:t>5/6/2023</a:t>
             </a:fld>
             <a:endParaRPr lang="en-US" dirty="0"/>
           </a:p>
@@ -2916,7 +3622,7 @@
             <a:fld id="{96DFF08F-DC6B-4601-B491-B0F83F6DD2DA}" type="datetimeFigureOut">
               <a:rPr lang="en-US" smtClean="0"/>
               <a:pPr/>
-              <a:t>4/28/2023</a:t>
+              <a:t>5/6/2023</a:t>
             </a:fld>
             <a:endParaRPr lang="en-US" dirty="0"/>
           </a:p>
@@ -3541,6 +4247,1325 @@
           <p:cNvPr id="5" name="그림 4">
             <a:extLst>
               <a:ext uri="{FF2B5EF4-FFF2-40B4-BE49-F238E27FC236}">
+                <a16:creationId xmlns:a16="http://schemas.microsoft.com/office/drawing/2014/main" id="{A1B65983-B363-7883-1C3A-65CF4E91EB84}"/>
+              </a:ext>
+            </a:extLst>
+          </p:cNvPr>
+          <p:cNvPicPr>
+            <a:picLocks noChangeAspect="1"/>
+          </p:cNvPicPr>
+          <p:nvPr/>
+        </p:nvPicPr>
+        <p:blipFill>
+          <a:blip r:embed="rId2"/>
+          <a:stretch>
+            <a:fillRect/>
+          </a:stretch>
+        </p:blipFill>
+        <p:spPr>
+          <a:xfrm>
+            <a:off x="429635" y="409966"/>
+            <a:ext cx="7359094" cy="6062889"/>
+          </a:xfrm>
+          <a:prstGeom prst="rect">
+            <a:avLst/>
+          </a:prstGeom>
+        </p:spPr>
+      </p:pic>
+      <mc:AlternateContent xmlns:mc="http://schemas.openxmlformats.org/markup-compatibility/2006">
+        <mc:Choice xmlns:p14="http://schemas.microsoft.com/office/powerpoint/2010/main" Requires="p14">
+          <p:contentPart p14:bwMode="auto" r:id="rId3">
+            <p14:nvContentPartPr>
+              <p14:cNvPr id="6" name="잉크 5">
+                <a:extLst>
+                  <a:ext uri="{FF2B5EF4-FFF2-40B4-BE49-F238E27FC236}">
+                    <a16:creationId xmlns:a16="http://schemas.microsoft.com/office/drawing/2014/main" id="{943E1E6B-E495-4E20-8341-58637C111957}"/>
+                  </a:ext>
+                </a:extLst>
+              </p14:cNvPr>
+              <p14:cNvContentPartPr/>
+              <p14:nvPr/>
+            </p14:nvContentPartPr>
+            <p14:xfrm>
+              <a:off x="734374" y="1046726"/>
+              <a:ext cx="994680" cy="360"/>
+            </p14:xfrm>
+          </p:contentPart>
+        </mc:Choice>
+        <mc:Fallback>
+          <p:pic>
+            <p:nvPicPr>
+              <p:cNvPr id="6" name="잉크 5">
+                <a:extLst>
+                  <a:ext uri="{FF2B5EF4-FFF2-40B4-BE49-F238E27FC236}">
+                    <a16:creationId xmlns:a16="http://schemas.microsoft.com/office/drawing/2014/main" id="{943E1E6B-E495-4E20-8341-58637C111957}"/>
+                  </a:ext>
+                </a:extLst>
+              </p:cNvPr>
+              <p:cNvPicPr/>
+              <p:nvPr/>
+            </p:nvPicPr>
+            <p:blipFill>
+              <a:blip r:embed="rId4"/>
+              <a:stretch>
+                <a:fillRect/>
+              </a:stretch>
+            </p:blipFill>
+            <p:spPr>
+              <a:xfrm>
+                <a:off x="662734" y="903086"/>
+                <a:ext cx="1138320" cy="288000"/>
+              </a:xfrm>
+              <a:prstGeom prst="rect">
+                <a:avLst/>
+              </a:prstGeom>
+            </p:spPr>
+          </p:pic>
+        </mc:Fallback>
+      </mc:AlternateContent>
+      <mc:AlternateContent xmlns:mc="http://schemas.openxmlformats.org/markup-compatibility/2006">
+        <mc:Choice xmlns:p14="http://schemas.microsoft.com/office/powerpoint/2010/main" Requires="p14">
+          <p:contentPart p14:bwMode="auto" r:id="rId5">
+            <p14:nvContentPartPr>
+              <p14:cNvPr id="7" name="잉크 6">
+                <a:extLst>
+                  <a:ext uri="{FF2B5EF4-FFF2-40B4-BE49-F238E27FC236}">
+                    <a16:creationId xmlns:a16="http://schemas.microsoft.com/office/drawing/2014/main" id="{5474D4E0-E938-254A-B0A1-FFDDF5C792EC}"/>
+                  </a:ext>
+                </a:extLst>
+              </p14:cNvPr>
+              <p14:cNvContentPartPr/>
+              <p14:nvPr/>
+            </p14:nvContentPartPr>
+            <p14:xfrm>
+              <a:off x="767134" y="2565566"/>
+              <a:ext cx="814680" cy="360"/>
+            </p14:xfrm>
+          </p:contentPart>
+        </mc:Choice>
+        <mc:Fallback>
+          <p:pic>
+            <p:nvPicPr>
+              <p:cNvPr id="7" name="잉크 6">
+                <a:extLst>
+                  <a:ext uri="{FF2B5EF4-FFF2-40B4-BE49-F238E27FC236}">
+                    <a16:creationId xmlns:a16="http://schemas.microsoft.com/office/drawing/2014/main" id="{5474D4E0-E938-254A-B0A1-FFDDF5C792EC}"/>
+                  </a:ext>
+                </a:extLst>
+              </p:cNvPr>
+              <p:cNvPicPr/>
+              <p:nvPr/>
+            </p:nvPicPr>
+            <p:blipFill>
+              <a:blip r:embed="rId6"/>
+              <a:stretch>
+                <a:fillRect/>
+              </a:stretch>
+            </p:blipFill>
+            <p:spPr>
+              <a:xfrm>
+                <a:off x="695494" y="2421566"/>
+                <a:ext cx="958320" cy="288000"/>
+              </a:xfrm>
+              <a:prstGeom prst="rect">
+                <a:avLst/>
+              </a:prstGeom>
+            </p:spPr>
+          </p:pic>
+        </mc:Fallback>
+      </mc:AlternateContent>
+      <mc:AlternateContent xmlns:mc="http://schemas.openxmlformats.org/markup-compatibility/2006">
+        <mc:Choice xmlns:p14="http://schemas.microsoft.com/office/powerpoint/2010/main" Requires="p14">
+          <p:contentPart p14:bwMode="auto" r:id="rId7">
+            <p14:nvContentPartPr>
+              <p14:cNvPr id="8" name="잉크 7">
+                <a:extLst>
+                  <a:ext uri="{FF2B5EF4-FFF2-40B4-BE49-F238E27FC236}">
+                    <a16:creationId xmlns:a16="http://schemas.microsoft.com/office/drawing/2014/main" id="{024D9256-E941-CA2A-4886-5E4401C67572}"/>
+                  </a:ext>
+                </a:extLst>
+              </p14:cNvPr>
+              <p14:cNvContentPartPr/>
+              <p14:nvPr/>
+            </p14:nvContentPartPr>
+            <p14:xfrm>
+              <a:off x="783334" y="4557446"/>
+              <a:ext cx="874080" cy="360"/>
+            </p14:xfrm>
+          </p:contentPart>
+        </mc:Choice>
+        <mc:Fallback>
+          <p:pic>
+            <p:nvPicPr>
+              <p:cNvPr id="8" name="잉크 7">
+                <a:extLst>
+                  <a:ext uri="{FF2B5EF4-FFF2-40B4-BE49-F238E27FC236}">
+                    <a16:creationId xmlns:a16="http://schemas.microsoft.com/office/drawing/2014/main" id="{024D9256-E941-CA2A-4886-5E4401C67572}"/>
+                  </a:ext>
+                </a:extLst>
+              </p:cNvPr>
+              <p:cNvPicPr/>
+              <p:nvPr/>
+            </p:nvPicPr>
+            <p:blipFill>
+              <a:blip r:embed="rId8"/>
+              <a:stretch>
+                <a:fillRect/>
+              </a:stretch>
+            </p:blipFill>
+            <p:spPr>
+              <a:xfrm>
+                <a:off x="711334" y="4413806"/>
+                <a:ext cx="1017720" cy="288000"/>
+              </a:xfrm>
+              <a:prstGeom prst="rect">
+                <a:avLst/>
+              </a:prstGeom>
+            </p:spPr>
+          </p:pic>
+        </mc:Fallback>
+      </mc:AlternateContent>
+    </p:spTree>
+    <p:extLst>
+      <p:ext uri="{BB962C8B-B14F-4D97-AF65-F5344CB8AC3E}">
+        <p14:creationId xmlns:p14="http://schemas.microsoft.com/office/powerpoint/2010/main" val="2789768463"/>
+      </p:ext>
+    </p:extLst>
+  </p:cSld>
+  <p:clrMapOvr>
+    <a:masterClrMapping/>
+  </p:clrMapOvr>
+</p:sld>
+</file>
+
+<file path=ppt/slides/slide11.xml><?xml version="1.0" encoding="utf-8"?>
+<p:sld xmlns:a="http://schemas.openxmlformats.org/drawingml/2006/main" xmlns:r="http://schemas.openxmlformats.org/officeDocument/2006/relationships" xmlns:p="http://schemas.openxmlformats.org/presentationml/2006/main">
+  <p:cSld>
+    <p:spTree>
+      <p:nvGrpSpPr>
+        <p:cNvPr id="1" name=""/>
+        <p:cNvGrpSpPr/>
+        <p:nvPr/>
+      </p:nvGrpSpPr>
+      <p:grpSpPr>
+        <a:xfrm>
+          <a:off x="0" y="0"/>
+          <a:ext cx="0" cy="0"/>
+          <a:chOff x="0" y="0"/>
+          <a:chExt cx="0" cy="0"/>
+        </a:xfrm>
+      </p:grpSpPr>
+      <p:pic>
+        <p:nvPicPr>
+          <p:cNvPr id="3" name="그림 2">
+            <a:extLst>
+              <a:ext uri="{FF2B5EF4-FFF2-40B4-BE49-F238E27FC236}">
+                <a16:creationId xmlns:a16="http://schemas.microsoft.com/office/drawing/2014/main" id="{9E5381E5-13C6-A31F-4890-9F95F6EB8B38}"/>
+              </a:ext>
+            </a:extLst>
+          </p:cNvPr>
+          <p:cNvPicPr>
+            <a:picLocks noChangeAspect="1"/>
+          </p:cNvPicPr>
+          <p:nvPr/>
+        </p:nvPicPr>
+        <p:blipFill>
+          <a:blip r:embed="rId2"/>
+          <a:stretch>
+            <a:fillRect/>
+          </a:stretch>
+        </p:blipFill>
+        <p:spPr>
+          <a:xfrm>
+            <a:off x="364385" y="344094"/>
+            <a:ext cx="10804358" cy="6252521"/>
+          </a:xfrm>
+          <a:prstGeom prst="rect">
+            <a:avLst/>
+          </a:prstGeom>
+        </p:spPr>
+      </p:pic>
+      <mc:AlternateContent xmlns:mc="http://schemas.openxmlformats.org/markup-compatibility/2006">
+        <mc:Choice xmlns:p14="http://schemas.microsoft.com/office/powerpoint/2010/main" Requires="p14">
+          <p:contentPart p14:bwMode="auto" r:id="rId3">
+            <p14:nvContentPartPr>
+              <p14:cNvPr id="2" name="잉크 1">
+                <a:extLst>
+                  <a:ext uri="{FF2B5EF4-FFF2-40B4-BE49-F238E27FC236}">
+                    <a16:creationId xmlns:a16="http://schemas.microsoft.com/office/drawing/2014/main" id="{C21BE240-1108-A9E9-E490-1C0987C3EA30}"/>
+                  </a:ext>
+                </a:extLst>
+              </p14:cNvPr>
+              <p14:cNvContentPartPr/>
+              <p14:nvPr/>
+            </p14:nvContentPartPr>
+            <p14:xfrm>
+              <a:off x="456814" y="587006"/>
+              <a:ext cx="1314720" cy="360"/>
+            </p14:xfrm>
+          </p:contentPart>
+        </mc:Choice>
+        <mc:Fallback>
+          <p:pic>
+            <p:nvPicPr>
+              <p:cNvPr id="2" name="잉크 1">
+                <a:extLst>
+                  <a:ext uri="{FF2B5EF4-FFF2-40B4-BE49-F238E27FC236}">
+                    <a16:creationId xmlns:a16="http://schemas.microsoft.com/office/drawing/2014/main" id="{C21BE240-1108-A9E9-E490-1C0987C3EA30}"/>
+                  </a:ext>
+                </a:extLst>
+              </p:cNvPr>
+              <p:cNvPicPr/>
+              <p:nvPr/>
+            </p:nvPicPr>
+            <p:blipFill>
+              <a:blip r:embed="rId4"/>
+              <a:stretch>
+                <a:fillRect/>
+              </a:stretch>
+            </p:blipFill>
+            <p:spPr>
+              <a:xfrm>
+                <a:off x="366814" y="407366"/>
+                <a:ext cx="1494360" cy="360000"/>
+              </a:xfrm>
+              <a:prstGeom prst="rect">
+                <a:avLst/>
+              </a:prstGeom>
+            </p:spPr>
+          </p:pic>
+        </mc:Fallback>
+      </mc:AlternateContent>
+    </p:spTree>
+    <p:extLst>
+      <p:ext uri="{BB962C8B-B14F-4D97-AF65-F5344CB8AC3E}">
+        <p14:creationId xmlns:p14="http://schemas.microsoft.com/office/powerpoint/2010/main" val="665428984"/>
+      </p:ext>
+    </p:extLst>
+  </p:cSld>
+  <p:clrMapOvr>
+    <a:masterClrMapping/>
+  </p:clrMapOvr>
+</p:sld>
+</file>
+
+<file path=ppt/slides/slide12.xml><?xml version="1.0" encoding="utf-8"?>
+<p:sld xmlns:a="http://schemas.openxmlformats.org/drawingml/2006/main" xmlns:r="http://schemas.openxmlformats.org/officeDocument/2006/relationships" xmlns:p="http://schemas.openxmlformats.org/presentationml/2006/main">
+  <p:cSld>
+    <p:spTree>
+      <p:nvGrpSpPr>
+        <p:cNvPr id="1" name=""/>
+        <p:cNvGrpSpPr/>
+        <p:nvPr/>
+      </p:nvGrpSpPr>
+      <p:grpSpPr>
+        <a:xfrm>
+          <a:off x="0" y="0"/>
+          <a:ext cx="0" cy="0"/>
+          <a:chOff x="0" y="0"/>
+          <a:chExt cx="0" cy="0"/>
+        </a:xfrm>
+      </p:grpSpPr>
+      <p:pic>
+        <p:nvPicPr>
+          <p:cNvPr id="3" name="그림 2">
+            <a:extLst>
+              <a:ext uri="{FF2B5EF4-FFF2-40B4-BE49-F238E27FC236}">
+                <a16:creationId xmlns:a16="http://schemas.microsoft.com/office/drawing/2014/main" id="{5972B39F-BBCE-E7AA-1BDA-319722BBEF71}"/>
+              </a:ext>
+            </a:extLst>
+          </p:cNvPr>
+          <p:cNvPicPr>
+            <a:picLocks noChangeAspect="1"/>
+          </p:cNvPicPr>
+          <p:nvPr/>
+        </p:nvPicPr>
+        <p:blipFill>
+          <a:blip r:embed="rId2"/>
+          <a:stretch>
+            <a:fillRect/>
+          </a:stretch>
+        </p:blipFill>
+        <p:spPr>
+          <a:xfrm>
+            <a:off x="360275" y="364547"/>
+            <a:ext cx="8130582" cy="3156176"/>
+          </a:xfrm>
+          <a:prstGeom prst="rect">
+            <a:avLst/>
+          </a:prstGeom>
+        </p:spPr>
+      </p:pic>
+      <p:pic>
+        <p:nvPicPr>
+          <p:cNvPr id="5" name="그림 4">
+            <a:extLst>
+              <a:ext uri="{FF2B5EF4-FFF2-40B4-BE49-F238E27FC236}">
+                <a16:creationId xmlns:a16="http://schemas.microsoft.com/office/drawing/2014/main" id="{7BEB91B7-CAEA-0589-1A3B-B99D408B86C7}"/>
+              </a:ext>
+            </a:extLst>
+          </p:cNvPr>
+          <p:cNvPicPr>
+            <a:picLocks noChangeAspect="1"/>
+          </p:cNvPicPr>
+          <p:nvPr/>
+        </p:nvPicPr>
+        <p:blipFill>
+          <a:blip r:embed="rId3"/>
+          <a:stretch>
+            <a:fillRect/>
+          </a:stretch>
+        </p:blipFill>
+        <p:spPr>
+          <a:xfrm>
+            <a:off x="360275" y="3520722"/>
+            <a:ext cx="8947011" cy="3082985"/>
+          </a:xfrm>
+          <a:prstGeom prst="rect">
+            <a:avLst/>
+          </a:prstGeom>
+        </p:spPr>
+      </p:pic>
+      <mc:AlternateContent xmlns:mc="http://schemas.openxmlformats.org/markup-compatibility/2006">
+        <mc:Choice xmlns:p14="http://schemas.microsoft.com/office/powerpoint/2010/main" Requires="p14">
+          <p:contentPart p14:bwMode="auto" r:id="rId4">
+            <p14:nvContentPartPr>
+              <p14:cNvPr id="6" name="잉크 5">
+                <a:extLst>
+                  <a:ext uri="{FF2B5EF4-FFF2-40B4-BE49-F238E27FC236}">
+                    <a16:creationId xmlns:a16="http://schemas.microsoft.com/office/drawing/2014/main" id="{2E1F3164-B471-855D-4EBF-8CB40086BC75}"/>
+                  </a:ext>
+                </a:extLst>
+              </p14:cNvPr>
+              <p14:cNvContentPartPr/>
+              <p14:nvPr/>
+            </p14:nvContentPartPr>
+            <p14:xfrm>
+              <a:off x="505414" y="541646"/>
+              <a:ext cx="1104120" cy="360"/>
+            </p14:xfrm>
+          </p:contentPart>
+        </mc:Choice>
+        <mc:Fallback>
+          <p:pic>
+            <p:nvPicPr>
+              <p:cNvPr id="6" name="잉크 5">
+                <a:extLst>
+                  <a:ext uri="{FF2B5EF4-FFF2-40B4-BE49-F238E27FC236}">
+                    <a16:creationId xmlns:a16="http://schemas.microsoft.com/office/drawing/2014/main" id="{2E1F3164-B471-855D-4EBF-8CB40086BC75}"/>
+                  </a:ext>
+                </a:extLst>
+              </p:cNvPr>
+              <p:cNvPicPr/>
+              <p:nvPr/>
+            </p:nvPicPr>
+            <p:blipFill>
+              <a:blip r:embed="rId5"/>
+              <a:stretch>
+                <a:fillRect/>
+              </a:stretch>
+            </p:blipFill>
+            <p:spPr>
+              <a:xfrm>
+                <a:off x="433774" y="397646"/>
+                <a:ext cx="1247760" cy="288000"/>
+              </a:xfrm>
+              <a:prstGeom prst="rect">
+                <a:avLst/>
+              </a:prstGeom>
+            </p:spPr>
+          </p:pic>
+        </mc:Fallback>
+      </mc:AlternateContent>
+      <mc:AlternateContent xmlns:mc="http://schemas.openxmlformats.org/markup-compatibility/2006">
+        <mc:Choice xmlns:p14="http://schemas.microsoft.com/office/powerpoint/2010/main" Requires="p14">
+          <p:contentPart p14:bwMode="auto" r:id="rId6">
+            <p14:nvContentPartPr>
+              <p14:cNvPr id="7" name="잉크 6">
+                <a:extLst>
+                  <a:ext uri="{FF2B5EF4-FFF2-40B4-BE49-F238E27FC236}">
+                    <a16:creationId xmlns:a16="http://schemas.microsoft.com/office/drawing/2014/main" id="{C49FA54D-8385-88B7-D39B-FBDF46B03DEE}"/>
+                  </a:ext>
+                </a:extLst>
+              </p14:cNvPr>
+              <p14:cNvContentPartPr/>
+              <p14:nvPr/>
+            </p14:nvContentPartPr>
+            <p14:xfrm>
+              <a:off x="472654" y="3725486"/>
+              <a:ext cx="1081440" cy="360"/>
+            </p14:xfrm>
+          </p:contentPart>
+        </mc:Choice>
+        <mc:Fallback>
+          <p:pic>
+            <p:nvPicPr>
+              <p:cNvPr id="7" name="잉크 6">
+                <a:extLst>
+                  <a:ext uri="{FF2B5EF4-FFF2-40B4-BE49-F238E27FC236}">
+                    <a16:creationId xmlns:a16="http://schemas.microsoft.com/office/drawing/2014/main" id="{C49FA54D-8385-88B7-D39B-FBDF46B03DEE}"/>
+                  </a:ext>
+                </a:extLst>
+              </p:cNvPr>
+              <p:cNvPicPr/>
+              <p:nvPr/>
+            </p:nvPicPr>
+            <p:blipFill>
+              <a:blip r:embed="rId7"/>
+              <a:stretch>
+                <a:fillRect/>
+              </a:stretch>
+            </p:blipFill>
+            <p:spPr>
+              <a:xfrm>
+                <a:off x="401014" y="3581846"/>
+                <a:ext cx="1225080" cy="288000"/>
+              </a:xfrm>
+              <a:prstGeom prst="rect">
+                <a:avLst/>
+              </a:prstGeom>
+            </p:spPr>
+          </p:pic>
+        </mc:Fallback>
+      </mc:AlternateContent>
+    </p:spTree>
+    <p:extLst>
+      <p:ext uri="{BB962C8B-B14F-4D97-AF65-F5344CB8AC3E}">
+        <p14:creationId xmlns:p14="http://schemas.microsoft.com/office/powerpoint/2010/main" val="2694245248"/>
+      </p:ext>
+    </p:extLst>
+  </p:cSld>
+  <p:clrMapOvr>
+    <a:masterClrMapping/>
+  </p:clrMapOvr>
+</p:sld>
+</file>
+
+<file path=ppt/slides/slide13.xml><?xml version="1.0" encoding="utf-8"?>
+<p:sld xmlns:a="http://schemas.openxmlformats.org/drawingml/2006/main" xmlns:r="http://schemas.openxmlformats.org/officeDocument/2006/relationships" xmlns:p="http://schemas.openxmlformats.org/presentationml/2006/main">
+  <p:cSld>
+    <p:spTree>
+      <p:nvGrpSpPr>
+        <p:cNvPr id="1" name=""/>
+        <p:cNvGrpSpPr/>
+        <p:nvPr/>
+      </p:nvGrpSpPr>
+      <p:grpSpPr>
+        <a:xfrm>
+          <a:off x="0" y="0"/>
+          <a:ext cx="0" cy="0"/>
+          <a:chOff x="0" y="0"/>
+          <a:chExt cx="0" cy="0"/>
+        </a:xfrm>
+      </p:grpSpPr>
+      <p:pic>
+        <p:nvPicPr>
+          <p:cNvPr id="3" name="그림 2">
+            <a:extLst>
+              <a:ext uri="{FF2B5EF4-FFF2-40B4-BE49-F238E27FC236}">
+                <a16:creationId xmlns:a16="http://schemas.microsoft.com/office/drawing/2014/main" id="{70D520A3-DF90-C888-C18B-3D23ED133CD4}"/>
+              </a:ext>
+            </a:extLst>
+          </p:cNvPr>
+          <p:cNvPicPr>
+            <a:picLocks noChangeAspect="1"/>
+          </p:cNvPicPr>
+          <p:nvPr/>
+        </p:nvPicPr>
+        <p:blipFill>
+          <a:blip r:embed="rId2"/>
+          <a:stretch>
+            <a:fillRect/>
+          </a:stretch>
+        </p:blipFill>
+        <p:spPr>
+          <a:xfrm>
+            <a:off x="321456" y="560491"/>
+            <a:ext cx="11549088" cy="6019923"/>
+          </a:xfrm>
+          <a:prstGeom prst="rect">
+            <a:avLst/>
+          </a:prstGeom>
+        </p:spPr>
+      </p:pic>
+      <mc:AlternateContent xmlns:mc="http://schemas.openxmlformats.org/markup-compatibility/2006">
+        <mc:Choice xmlns:p14="http://schemas.microsoft.com/office/powerpoint/2010/main" Requires="p14">
+          <p:contentPart p14:bwMode="auto" r:id="rId3">
+            <p14:nvContentPartPr>
+              <p14:cNvPr id="2" name="잉크 1">
+                <a:extLst>
+                  <a:ext uri="{FF2B5EF4-FFF2-40B4-BE49-F238E27FC236}">
+                    <a16:creationId xmlns:a16="http://schemas.microsoft.com/office/drawing/2014/main" id="{F17279F5-7E68-43AB-4AF2-70DBAB504BAA}"/>
+                  </a:ext>
+                </a:extLst>
+              </p14:cNvPr>
+              <p14:cNvContentPartPr/>
+              <p14:nvPr/>
+            </p14:nvContentPartPr>
+            <p14:xfrm>
+              <a:off x="669214" y="933326"/>
+              <a:ext cx="2350800" cy="360"/>
+            </p14:xfrm>
+          </p:contentPart>
+        </mc:Choice>
+        <mc:Fallback>
+          <p:pic>
+            <p:nvPicPr>
+              <p:cNvPr id="2" name="잉크 1">
+                <a:extLst>
+                  <a:ext uri="{FF2B5EF4-FFF2-40B4-BE49-F238E27FC236}">
+                    <a16:creationId xmlns:a16="http://schemas.microsoft.com/office/drawing/2014/main" id="{F17279F5-7E68-43AB-4AF2-70DBAB504BAA}"/>
+                  </a:ext>
+                </a:extLst>
+              </p:cNvPr>
+              <p:cNvPicPr/>
+              <p:nvPr/>
+            </p:nvPicPr>
+            <p:blipFill>
+              <a:blip r:embed="rId4"/>
+              <a:stretch>
+                <a:fillRect/>
+              </a:stretch>
+            </p:blipFill>
+            <p:spPr>
+              <a:xfrm>
+                <a:off x="597214" y="789686"/>
+                <a:ext cx="2494440" cy="288000"/>
+              </a:xfrm>
+              <a:prstGeom prst="rect">
+                <a:avLst/>
+              </a:prstGeom>
+            </p:spPr>
+          </p:pic>
+        </mc:Fallback>
+      </mc:AlternateContent>
+      <mc:AlternateContent xmlns:mc="http://schemas.openxmlformats.org/markup-compatibility/2006">
+        <mc:Choice xmlns:p14="http://schemas.microsoft.com/office/powerpoint/2010/main" Requires="p14">
+          <p:contentPart p14:bwMode="auto" r:id="rId5">
+            <p14:nvContentPartPr>
+              <p14:cNvPr id="5" name="잉크 4">
+                <a:extLst>
+                  <a:ext uri="{FF2B5EF4-FFF2-40B4-BE49-F238E27FC236}">
+                    <a16:creationId xmlns:a16="http://schemas.microsoft.com/office/drawing/2014/main" id="{6FF35AF1-3864-0840-6A43-9EDEFDA30D8D}"/>
+                  </a:ext>
+                </a:extLst>
+              </p14:cNvPr>
+              <p14:cNvContentPartPr/>
+              <p14:nvPr/>
+            </p14:nvContentPartPr>
+            <p14:xfrm>
+              <a:off x="685054" y="770246"/>
+              <a:ext cx="2286360" cy="360"/>
+            </p14:xfrm>
+          </p:contentPart>
+        </mc:Choice>
+        <mc:Fallback>
+          <p:pic>
+            <p:nvPicPr>
+              <p:cNvPr id="5" name="잉크 4">
+                <a:extLst>
+                  <a:ext uri="{FF2B5EF4-FFF2-40B4-BE49-F238E27FC236}">
+                    <a16:creationId xmlns:a16="http://schemas.microsoft.com/office/drawing/2014/main" id="{6FF35AF1-3864-0840-6A43-9EDEFDA30D8D}"/>
+                  </a:ext>
+                </a:extLst>
+              </p:cNvPr>
+              <p:cNvPicPr/>
+              <p:nvPr/>
+            </p:nvPicPr>
+            <p:blipFill>
+              <a:blip r:embed="rId6"/>
+              <a:stretch>
+                <a:fillRect/>
+              </a:stretch>
+            </p:blipFill>
+            <p:spPr>
+              <a:xfrm>
+                <a:off x="613414" y="626246"/>
+                <a:ext cx="2430000" cy="288000"/>
+              </a:xfrm>
+              <a:prstGeom prst="rect">
+                <a:avLst/>
+              </a:prstGeom>
+            </p:spPr>
+          </p:pic>
+        </mc:Fallback>
+      </mc:AlternateContent>
+      <mc:AlternateContent xmlns:mc="http://schemas.openxmlformats.org/markup-compatibility/2006">
+        <mc:Choice xmlns:p14="http://schemas.microsoft.com/office/powerpoint/2010/main" Requires="p14">
+          <p:contentPart p14:bwMode="auto" r:id="rId7">
+            <p14:nvContentPartPr>
+              <p14:cNvPr id="6" name="잉크 5">
+                <a:extLst>
+                  <a:ext uri="{FF2B5EF4-FFF2-40B4-BE49-F238E27FC236}">
+                    <a16:creationId xmlns:a16="http://schemas.microsoft.com/office/drawing/2014/main" id="{F3882B88-75B1-95F5-8888-A96E848C7DF9}"/>
+                  </a:ext>
+                </a:extLst>
+              </p14:cNvPr>
+              <p14:cNvContentPartPr/>
+              <p14:nvPr/>
+            </p14:nvContentPartPr>
+            <p14:xfrm>
+              <a:off x="3003814" y="770246"/>
+              <a:ext cx="360" cy="360"/>
+            </p14:xfrm>
+          </p:contentPart>
+        </mc:Choice>
+        <mc:Fallback>
+          <p:pic>
+            <p:nvPicPr>
+              <p:cNvPr id="6" name="잉크 5">
+                <a:extLst>
+                  <a:ext uri="{FF2B5EF4-FFF2-40B4-BE49-F238E27FC236}">
+                    <a16:creationId xmlns:a16="http://schemas.microsoft.com/office/drawing/2014/main" id="{F3882B88-75B1-95F5-8888-A96E848C7DF9}"/>
+                  </a:ext>
+                </a:extLst>
+              </p:cNvPr>
+              <p:cNvPicPr/>
+              <p:nvPr/>
+            </p:nvPicPr>
+            <p:blipFill>
+              <a:blip r:embed="rId8"/>
+              <a:stretch>
+                <a:fillRect/>
+              </a:stretch>
+            </p:blipFill>
+            <p:spPr>
+              <a:xfrm>
+                <a:off x="2931814" y="626246"/>
+                <a:ext cx="144000" cy="288000"/>
+              </a:xfrm>
+              <a:prstGeom prst="rect">
+                <a:avLst/>
+              </a:prstGeom>
+            </p:spPr>
+          </p:pic>
+        </mc:Fallback>
+      </mc:AlternateContent>
+    </p:spTree>
+    <p:extLst>
+      <p:ext uri="{BB962C8B-B14F-4D97-AF65-F5344CB8AC3E}">
+        <p14:creationId xmlns:p14="http://schemas.microsoft.com/office/powerpoint/2010/main" val="3459190387"/>
+      </p:ext>
+    </p:extLst>
+  </p:cSld>
+  <p:clrMapOvr>
+    <a:masterClrMapping/>
+  </p:clrMapOvr>
+</p:sld>
+</file>
+
+<file path=ppt/slides/slide14.xml><?xml version="1.0" encoding="utf-8"?>
+<p:sld xmlns:a="http://schemas.openxmlformats.org/drawingml/2006/main" xmlns:r="http://schemas.openxmlformats.org/officeDocument/2006/relationships" xmlns:p="http://schemas.openxmlformats.org/presentationml/2006/main">
+  <p:cSld>
+    <p:spTree>
+      <p:nvGrpSpPr>
+        <p:cNvPr id="1" name=""/>
+        <p:cNvGrpSpPr/>
+        <p:nvPr/>
+      </p:nvGrpSpPr>
+      <p:grpSpPr>
+        <a:xfrm>
+          <a:off x="0" y="0"/>
+          <a:ext cx="0" cy="0"/>
+          <a:chOff x="0" y="0"/>
+          <a:chExt cx="0" cy="0"/>
+        </a:xfrm>
+      </p:grpSpPr>
+      <p:sp>
+        <p:nvSpPr>
+          <p:cNvPr id="2" name="TextBox 1">
+            <a:extLst>
+              <a:ext uri="{FF2B5EF4-FFF2-40B4-BE49-F238E27FC236}">
+                <a16:creationId xmlns:a16="http://schemas.microsoft.com/office/drawing/2014/main" id="{6D5E47BA-144B-6E25-E282-8F211ABD5221}"/>
+              </a:ext>
+            </a:extLst>
+          </p:cNvPr>
+          <p:cNvSpPr txBox="1"/>
+          <p:nvPr/>
+        </p:nvSpPr>
+        <p:spPr>
+          <a:xfrm>
+            <a:off x="1139371" y="2610838"/>
+            <a:ext cx="9913258" cy="830997"/>
+          </a:xfrm>
+          <a:prstGeom prst="rect">
+            <a:avLst/>
+          </a:prstGeom>
+          <a:noFill/>
+        </p:spPr>
+        <p:txBody>
+          <a:bodyPr wrap="square" rtlCol="0">
+            <a:spAutoFit/>
+          </a:bodyPr>
+          <a:lstStyle/>
+          <a:p>
+            <a:pPr algn="ctr"/>
+            <a:r>
+              <a:rPr lang="en-US" altLang="ko-KR" sz="4800" b="1" dirty="0">
+                <a:solidFill>
+                  <a:schemeClr val="accent1"/>
+                </a:solidFill>
+                <a:latin typeface="+mn-ea"/>
+              </a:rPr>
+              <a:t>&lt; </a:t>
+            </a:r>
+            <a:r>
+              <a:rPr lang="ko-KR" altLang="en-US" sz="4800" b="1" dirty="0">
+                <a:solidFill>
+                  <a:schemeClr val="accent1"/>
+                </a:solidFill>
+                <a:latin typeface="+mn-ea"/>
+              </a:rPr>
+              <a:t>기타 자료형 </a:t>
+            </a:r>
+            <a:r>
+              <a:rPr lang="en-US" altLang="ko-KR" sz="4800" b="1" dirty="0">
+                <a:solidFill>
+                  <a:schemeClr val="accent1"/>
+                </a:solidFill>
+                <a:latin typeface="+mn-ea"/>
+              </a:rPr>
+              <a:t>&gt;</a:t>
+            </a:r>
+            <a:endParaRPr lang="ko-KR" altLang="en-US" sz="4800" b="1" dirty="0">
+              <a:solidFill>
+                <a:schemeClr val="accent1"/>
+              </a:solidFill>
+              <a:latin typeface="+mn-ea"/>
+            </a:endParaRPr>
+          </a:p>
+        </p:txBody>
+      </p:sp>
+    </p:spTree>
+    <p:extLst>
+      <p:ext uri="{BB962C8B-B14F-4D97-AF65-F5344CB8AC3E}">
+        <p14:creationId xmlns:p14="http://schemas.microsoft.com/office/powerpoint/2010/main" val="1251252308"/>
+      </p:ext>
+    </p:extLst>
+  </p:cSld>
+  <p:clrMapOvr>
+    <a:masterClrMapping/>
+  </p:clrMapOvr>
+</p:sld>
+</file>
+
+<file path=ppt/slides/slide15.xml><?xml version="1.0" encoding="utf-8"?>
+<p:sld xmlns:a="http://schemas.openxmlformats.org/drawingml/2006/main" xmlns:r="http://schemas.openxmlformats.org/officeDocument/2006/relationships" xmlns:p="http://schemas.openxmlformats.org/presentationml/2006/main">
+  <p:cSld>
+    <p:spTree>
+      <p:nvGrpSpPr>
+        <p:cNvPr id="1" name=""/>
+        <p:cNvGrpSpPr/>
+        <p:nvPr/>
+      </p:nvGrpSpPr>
+      <p:grpSpPr>
+        <a:xfrm>
+          <a:off x="0" y="0"/>
+          <a:ext cx="0" cy="0"/>
+          <a:chOff x="0" y="0"/>
+          <a:chExt cx="0" cy="0"/>
+        </a:xfrm>
+      </p:grpSpPr>
+      <p:pic>
+        <p:nvPicPr>
+          <p:cNvPr id="3" name="그림 2">
+            <a:extLst>
+              <a:ext uri="{FF2B5EF4-FFF2-40B4-BE49-F238E27FC236}">
+                <a16:creationId xmlns:a16="http://schemas.microsoft.com/office/drawing/2014/main" id="{FB95B68D-A662-8FC7-1E64-24A21AE91E73}"/>
+              </a:ext>
+            </a:extLst>
+          </p:cNvPr>
+          <p:cNvPicPr>
+            <a:picLocks noChangeAspect="1"/>
+          </p:cNvPicPr>
+          <p:nvPr/>
+        </p:nvPicPr>
+        <p:blipFill>
+          <a:blip r:embed="rId2"/>
+          <a:stretch>
+            <a:fillRect/>
+          </a:stretch>
+        </p:blipFill>
+        <p:spPr>
+          <a:xfrm>
+            <a:off x="436930" y="446813"/>
+            <a:ext cx="11478561" cy="3863930"/>
+          </a:xfrm>
+          <a:prstGeom prst="rect">
+            <a:avLst/>
+          </a:prstGeom>
+        </p:spPr>
+      </p:pic>
+      <mc:AlternateContent xmlns:mc="http://schemas.openxmlformats.org/markup-compatibility/2006">
+        <mc:Choice xmlns:p14="http://schemas.microsoft.com/office/powerpoint/2010/main" Requires="p14">
+          <p:contentPart p14:bwMode="auto" r:id="rId3">
+            <p14:nvContentPartPr>
+              <p14:cNvPr id="4" name="잉크 3">
+                <a:extLst>
+                  <a:ext uri="{FF2B5EF4-FFF2-40B4-BE49-F238E27FC236}">
+                    <a16:creationId xmlns:a16="http://schemas.microsoft.com/office/drawing/2014/main" id="{24F4C8D3-1847-9753-B935-61E0B97240D1}"/>
+                  </a:ext>
+                </a:extLst>
+              </p14:cNvPr>
+              <p14:cNvContentPartPr/>
+              <p14:nvPr/>
+            </p14:nvContentPartPr>
+            <p14:xfrm>
+              <a:off x="799894" y="1079486"/>
+              <a:ext cx="961560" cy="360"/>
+            </p14:xfrm>
+          </p:contentPart>
+        </mc:Choice>
+        <mc:Fallback>
+          <p:pic>
+            <p:nvPicPr>
+              <p:cNvPr id="4" name="잉크 3">
+                <a:extLst>
+                  <a:ext uri="{FF2B5EF4-FFF2-40B4-BE49-F238E27FC236}">
+                    <a16:creationId xmlns:a16="http://schemas.microsoft.com/office/drawing/2014/main" id="{24F4C8D3-1847-9753-B935-61E0B97240D1}"/>
+                  </a:ext>
+                </a:extLst>
+              </p:cNvPr>
+              <p:cNvPicPr/>
+              <p:nvPr/>
+            </p:nvPicPr>
+            <p:blipFill>
+              <a:blip r:embed="rId4"/>
+              <a:stretch>
+                <a:fillRect/>
+              </a:stretch>
+            </p:blipFill>
+            <p:spPr>
+              <a:xfrm>
+                <a:off x="727894" y="935846"/>
+                <a:ext cx="1105200" cy="288000"/>
+              </a:xfrm>
+              <a:prstGeom prst="rect">
+                <a:avLst/>
+              </a:prstGeom>
+            </p:spPr>
+          </p:pic>
+        </mc:Fallback>
+      </mc:AlternateContent>
+      <mc:AlternateContent xmlns:mc="http://schemas.openxmlformats.org/markup-compatibility/2006">
+        <mc:Choice xmlns:p14="http://schemas.microsoft.com/office/powerpoint/2010/main" Requires="p14">
+          <p:contentPart p14:bwMode="auto" r:id="rId5">
+            <p14:nvContentPartPr>
+              <p14:cNvPr id="5" name="잉크 4">
+                <a:extLst>
+                  <a:ext uri="{FF2B5EF4-FFF2-40B4-BE49-F238E27FC236}">
+                    <a16:creationId xmlns:a16="http://schemas.microsoft.com/office/drawing/2014/main" id="{A025EAA2-68EC-03A3-E66D-79002F3F7C2C}"/>
+                  </a:ext>
+                </a:extLst>
+              </p14:cNvPr>
+              <p14:cNvContentPartPr/>
+              <p14:nvPr/>
+            </p14:nvContentPartPr>
+            <p14:xfrm>
+              <a:off x="799894" y="2075606"/>
+              <a:ext cx="978120" cy="360"/>
+            </p14:xfrm>
+          </p:contentPart>
+        </mc:Choice>
+        <mc:Fallback>
+          <p:pic>
+            <p:nvPicPr>
+              <p:cNvPr id="5" name="잉크 4">
+                <a:extLst>
+                  <a:ext uri="{FF2B5EF4-FFF2-40B4-BE49-F238E27FC236}">
+                    <a16:creationId xmlns:a16="http://schemas.microsoft.com/office/drawing/2014/main" id="{A025EAA2-68EC-03A3-E66D-79002F3F7C2C}"/>
+                  </a:ext>
+                </a:extLst>
+              </p:cNvPr>
+              <p:cNvPicPr/>
+              <p:nvPr/>
+            </p:nvPicPr>
+            <p:blipFill>
+              <a:blip r:embed="rId6"/>
+              <a:stretch>
+                <a:fillRect/>
+              </a:stretch>
+            </p:blipFill>
+            <p:spPr>
+              <a:xfrm>
+                <a:off x="727894" y="1931606"/>
+                <a:ext cx="1121760" cy="288000"/>
+              </a:xfrm>
+              <a:prstGeom prst="rect">
+                <a:avLst/>
+              </a:prstGeom>
+            </p:spPr>
+          </p:pic>
+        </mc:Fallback>
+      </mc:AlternateContent>
+    </p:spTree>
+    <p:extLst>
+      <p:ext uri="{BB962C8B-B14F-4D97-AF65-F5344CB8AC3E}">
+        <p14:creationId xmlns:p14="http://schemas.microsoft.com/office/powerpoint/2010/main" val="2076735321"/>
+      </p:ext>
+    </p:extLst>
+  </p:cSld>
+  <p:clrMapOvr>
+    <a:masterClrMapping/>
+  </p:clrMapOvr>
+</p:sld>
+</file>
+
+<file path=ppt/slides/slide16.xml><?xml version="1.0" encoding="utf-8"?>
+<p:sld xmlns:a="http://schemas.openxmlformats.org/drawingml/2006/main" xmlns:r="http://schemas.openxmlformats.org/officeDocument/2006/relationships" xmlns:p="http://schemas.openxmlformats.org/presentationml/2006/main">
+  <p:cSld>
+    <p:spTree>
+      <p:nvGrpSpPr>
+        <p:cNvPr id="1" name=""/>
+        <p:cNvGrpSpPr/>
+        <p:nvPr/>
+      </p:nvGrpSpPr>
+      <p:grpSpPr>
+        <a:xfrm>
+          <a:off x="0" y="0"/>
+          <a:ext cx="0" cy="0"/>
+          <a:chOff x="0" y="0"/>
+          <a:chExt cx="0" cy="0"/>
+        </a:xfrm>
+      </p:grpSpPr>
+      <p:pic>
+        <p:nvPicPr>
+          <p:cNvPr id="3" name="그림 2">
+            <a:extLst>
+              <a:ext uri="{FF2B5EF4-FFF2-40B4-BE49-F238E27FC236}">
+                <a16:creationId xmlns:a16="http://schemas.microsoft.com/office/drawing/2014/main" id="{DD263407-2AF4-4B59-86E2-6E4695D93A0C}"/>
+              </a:ext>
+            </a:extLst>
+          </p:cNvPr>
+          <p:cNvPicPr>
+            <a:picLocks noChangeAspect="1"/>
+          </p:cNvPicPr>
+          <p:nvPr/>
+        </p:nvPicPr>
+        <p:blipFill>
+          <a:blip r:embed="rId2"/>
+          <a:stretch>
+            <a:fillRect/>
+          </a:stretch>
+        </p:blipFill>
+        <p:spPr>
+          <a:xfrm>
+            <a:off x="381461" y="438019"/>
+            <a:ext cx="6637685" cy="3954367"/>
+          </a:xfrm>
+          <a:prstGeom prst="rect">
+            <a:avLst/>
+          </a:prstGeom>
+        </p:spPr>
+      </p:pic>
+      <p:pic>
+        <p:nvPicPr>
+          <p:cNvPr id="6" name="그림 5">
+            <a:extLst>
+              <a:ext uri="{FF2B5EF4-FFF2-40B4-BE49-F238E27FC236}">
+                <a16:creationId xmlns:a16="http://schemas.microsoft.com/office/drawing/2014/main" id="{BC1CF76C-7DEF-A3AE-44A3-B7116453EEA1}"/>
+              </a:ext>
+            </a:extLst>
+          </p:cNvPr>
+          <p:cNvPicPr>
+            <a:picLocks noChangeAspect="1"/>
+          </p:cNvPicPr>
+          <p:nvPr/>
+        </p:nvPicPr>
+        <p:blipFill>
+          <a:blip r:embed="rId3"/>
+          <a:stretch>
+            <a:fillRect/>
+          </a:stretch>
+        </p:blipFill>
+        <p:spPr>
+          <a:xfrm>
+            <a:off x="6096000" y="438019"/>
+            <a:ext cx="5835865" cy="3709438"/>
+          </a:xfrm>
+          <a:prstGeom prst="rect">
+            <a:avLst/>
+          </a:prstGeom>
+        </p:spPr>
+      </p:pic>
+      <mc:AlternateContent xmlns:mc="http://schemas.openxmlformats.org/markup-compatibility/2006">
+        <mc:Choice xmlns:p14="http://schemas.microsoft.com/office/powerpoint/2010/main" Requires="p14">
+          <p:contentPart p14:bwMode="auto" r:id="rId4">
+            <p14:nvContentPartPr>
+              <p14:cNvPr id="4" name="잉크 3">
+                <a:extLst>
+                  <a:ext uri="{FF2B5EF4-FFF2-40B4-BE49-F238E27FC236}">
+                    <a16:creationId xmlns:a16="http://schemas.microsoft.com/office/drawing/2014/main" id="{F4C517D2-A0D4-547F-23E3-DA13EFDAA086}"/>
+                  </a:ext>
+                </a:extLst>
+              </p14:cNvPr>
+              <p14:cNvContentPartPr/>
+              <p14:nvPr/>
+            </p14:nvContentPartPr>
+            <p14:xfrm>
+              <a:off x="603694" y="753686"/>
+              <a:ext cx="962640" cy="360"/>
+            </p14:xfrm>
+          </p:contentPart>
+        </mc:Choice>
+        <mc:Fallback>
+          <p:pic>
+            <p:nvPicPr>
+              <p:cNvPr id="4" name="잉크 3">
+                <a:extLst>
+                  <a:ext uri="{FF2B5EF4-FFF2-40B4-BE49-F238E27FC236}">
+                    <a16:creationId xmlns:a16="http://schemas.microsoft.com/office/drawing/2014/main" id="{F4C517D2-A0D4-547F-23E3-DA13EFDAA086}"/>
+                  </a:ext>
+                </a:extLst>
+              </p:cNvPr>
+              <p:cNvPicPr/>
+              <p:nvPr/>
+            </p:nvPicPr>
+            <p:blipFill>
+              <a:blip r:embed="rId5"/>
+              <a:stretch>
+                <a:fillRect/>
+              </a:stretch>
+            </p:blipFill>
+            <p:spPr>
+              <a:xfrm>
+                <a:off x="531694" y="610046"/>
+                <a:ext cx="1106280" cy="288000"/>
+              </a:xfrm>
+              <a:prstGeom prst="rect">
+                <a:avLst/>
+              </a:prstGeom>
+            </p:spPr>
+          </p:pic>
+        </mc:Fallback>
+      </mc:AlternateContent>
+      <mc:AlternateContent xmlns:mc="http://schemas.openxmlformats.org/markup-compatibility/2006">
+        <mc:Choice xmlns:p14="http://schemas.microsoft.com/office/powerpoint/2010/main" Requires="p14">
+          <p:contentPart p14:bwMode="auto" r:id="rId6">
+            <p14:nvContentPartPr>
+              <p14:cNvPr id="5" name="잉크 4">
+                <a:extLst>
+                  <a:ext uri="{FF2B5EF4-FFF2-40B4-BE49-F238E27FC236}">
+                    <a16:creationId xmlns:a16="http://schemas.microsoft.com/office/drawing/2014/main" id="{A7153164-4616-E80A-D8F1-21CE0B0BF264}"/>
+                  </a:ext>
+                </a:extLst>
+              </p14:cNvPr>
+              <p14:cNvContentPartPr/>
+              <p14:nvPr/>
+            </p14:nvContentPartPr>
+            <p14:xfrm>
+              <a:off x="6269734" y="753686"/>
+              <a:ext cx="775800" cy="360"/>
+            </p14:xfrm>
+          </p:contentPart>
+        </mc:Choice>
+        <mc:Fallback>
+          <p:pic>
+            <p:nvPicPr>
+              <p:cNvPr id="5" name="잉크 4">
+                <a:extLst>
+                  <a:ext uri="{FF2B5EF4-FFF2-40B4-BE49-F238E27FC236}">
+                    <a16:creationId xmlns:a16="http://schemas.microsoft.com/office/drawing/2014/main" id="{A7153164-4616-E80A-D8F1-21CE0B0BF264}"/>
+                  </a:ext>
+                </a:extLst>
+              </p:cNvPr>
+              <p:cNvPicPr/>
+              <p:nvPr/>
+            </p:nvPicPr>
+            <p:blipFill>
+              <a:blip r:embed="rId7"/>
+              <a:stretch>
+                <a:fillRect/>
+              </a:stretch>
+            </p:blipFill>
+            <p:spPr>
+              <a:xfrm>
+                <a:off x="6197734" y="610046"/>
+                <a:ext cx="919440" cy="288000"/>
+              </a:xfrm>
+              <a:prstGeom prst="rect">
+                <a:avLst/>
+              </a:prstGeom>
+            </p:spPr>
+          </p:pic>
+        </mc:Fallback>
+      </mc:AlternateContent>
+    </p:spTree>
+    <p:extLst>
+      <p:ext uri="{BB962C8B-B14F-4D97-AF65-F5344CB8AC3E}">
+        <p14:creationId xmlns:p14="http://schemas.microsoft.com/office/powerpoint/2010/main" val="3661059627"/>
+      </p:ext>
+    </p:extLst>
+  </p:cSld>
+  <p:clrMapOvr>
+    <a:masterClrMapping/>
+  </p:clrMapOvr>
+</p:sld>
+</file>
+
+<file path=ppt/slides/slide17.xml><?xml version="1.0" encoding="utf-8"?>
+<p:sld xmlns:a="http://schemas.openxmlformats.org/drawingml/2006/main" xmlns:r="http://schemas.openxmlformats.org/officeDocument/2006/relationships" xmlns:p="http://schemas.openxmlformats.org/presentationml/2006/main">
+  <p:cSld>
+    <p:spTree>
+      <p:nvGrpSpPr>
+        <p:cNvPr id="1" name=""/>
+        <p:cNvGrpSpPr/>
+        <p:nvPr/>
+      </p:nvGrpSpPr>
+      <p:grpSpPr>
+        <a:xfrm>
+          <a:off x="0" y="0"/>
+          <a:ext cx="0" cy="0"/>
+          <a:chOff x="0" y="0"/>
+          <a:chExt cx="0" cy="0"/>
+        </a:xfrm>
+      </p:grpSpPr>
+      <p:pic>
+        <p:nvPicPr>
+          <p:cNvPr id="5" name="그림 4">
+            <a:extLst>
+              <a:ext uri="{FF2B5EF4-FFF2-40B4-BE49-F238E27FC236}">
+                <a16:creationId xmlns:a16="http://schemas.microsoft.com/office/drawing/2014/main" id="{0009B89D-D3E3-049D-0EDB-3650F7AA736B}"/>
+              </a:ext>
+            </a:extLst>
+          </p:cNvPr>
+          <p:cNvPicPr>
+            <a:picLocks noChangeAspect="1"/>
+          </p:cNvPicPr>
+          <p:nvPr/>
+        </p:nvPicPr>
+        <p:blipFill>
+          <a:blip r:embed="rId2"/>
+          <a:stretch>
+            <a:fillRect/>
+          </a:stretch>
+        </p:blipFill>
+        <p:spPr>
+          <a:xfrm>
+            <a:off x="457985" y="479597"/>
+            <a:ext cx="11347343" cy="1626788"/>
+          </a:xfrm>
+          <a:prstGeom prst="rect">
+            <a:avLst/>
+          </a:prstGeom>
+        </p:spPr>
+      </p:pic>
+      <p:pic>
+        <p:nvPicPr>
+          <p:cNvPr id="7" name="그림 6">
+            <a:extLst>
+              <a:ext uri="{FF2B5EF4-FFF2-40B4-BE49-F238E27FC236}">
+                <a16:creationId xmlns:a16="http://schemas.microsoft.com/office/drawing/2014/main" id="{3A722964-8B83-9F43-B26F-012B25E446B3}"/>
+              </a:ext>
+            </a:extLst>
+          </p:cNvPr>
+          <p:cNvPicPr>
+            <a:picLocks noChangeAspect="1"/>
+          </p:cNvPicPr>
+          <p:nvPr/>
+        </p:nvPicPr>
+        <p:blipFill>
+          <a:blip r:embed="rId3"/>
+          <a:stretch>
+            <a:fillRect/>
+          </a:stretch>
+        </p:blipFill>
+        <p:spPr>
+          <a:xfrm>
+            <a:off x="433011" y="2430862"/>
+            <a:ext cx="11372317" cy="3804558"/>
+          </a:xfrm>
+          <a:prstGeom prst="rect">
+            <a:avLst/>
+          </a:prstGeom>
+        </p:spPr>
+      </p:pic>
+      <mc:AlternateContent xmlns:mc="http://schemas.openxmlformats.org/markup-compatibility/2006">
+        <mc:Choice xmlns:p14="http://schemas.microsoft.com/office/powerpoint/2010/main" Requires="p14">
+          <p:contentPart p14:bwMode="auto" r:id="rId4">
+            <p14:nvContentPartPr>
+              <p14:cNvPr id="2" name="잉크 1">
+                <a:extLst>
+                  <a:ext uri="{FF2B5EF4-FFF2-40B4-BE49-F238E27FC236}">
+                    <a16:creationId xmlns:a16="http://schemas.microsoft.com/office/drawing/2014/main" id="{0B8D3D49-09C3-AB23-8AD0-0818B334F602}"/>
+                  </a:ext>
+                </a:extLst>
+              </p14:cNvPr>
+              <p14:cNvContentPartPr/>
+              <p14:nvPr/>
+            </p14:nvContentPartPr>
+            <p14:xfrm>
+              <a:off x="554734" y="704726"/>
+              <a:ext cx="994320" cy="360"/>
+            </p14:xfrm>
+          </p:contentPart>
+        </mc:Choice>
+        <mc:Fallback>
+          <p:pic>
+            <p:nvPicPr>
+              <p:cNvPr id="2" name="잉크 1">
+                <a:extLst>
+                  <a:ext uri="{FF2B5EF4-FFF2-40B4-BE49-F238E27FC236}">
+                    <a16:creationId xmlns:a16="http://schemas.microsoft.com/office/drawing/2014/main" id="{0B8D3D49-09C3-AB23-8AD0-0818B334F602}"/>
+                  </a:ext>
+                </a:extLst>
+              </p:cNvPr>
+              <p:cNvPicPr/>
+              <p:nvPr/>
+            </p:nvPicPr>
+            <p:blipFill>
+              <a:blip r:embed="rId5"/>
+              <a:stretch>
+                <a:fillRect/>
+              </a:stretch>
+            </p:blipFill>
+            <p:spPr>
+              <a:xfrm>
+                <a:off x="483094" y="561086"/>
+                <a:ext cx="1137960" cy="288000"/>
+              </a:xfrm>
+              <a:prstGeom prst="rect">
+                <a:avLst/>
+              </a:prstGeom>
+            </p:spPr>
+          </p:pic>
+        </mc:Fallback>
+      </mc:AlternateContent>
+    </p:spTree>
+    <p:extLst>
+      <p:ext uri="{BB962C8B-B14F-4D97-AF65-F5344CB8AC3E}">
+        <p14:creationId xmlns:p14="http://schemas.microsoft.com/office/powerpoint/2010/main" val="3258045720"/>
+      </p:ext>
+    </p:extLst>
+  </p:cSld>
+  <p:clrMapOvr>
+    <a:masterClrMapping/>
+  </p:clrMapOvr>
+</p:sld>
+</file>
+
+<file path=ppt/slides/slide18.xml><?xml version="1.0" encoding="utf-8"?>
+<p:sld xmlns:a="http://schemas.openxmlformats.org/drawingml/2006/main" xmlns:r="http://schemas.openxmlformats.org/officeDocument/2006/relationships" xmlns:p="http://schemas.openxmlformats.org/presentationml/2006/main">
+  <p:cSld>
+    <p:spTree>
+      <p:nvGrpSpPr>
+        <p:cNvPr id="1" name=""/>
+        <p:cNvGrpSpPr/>
+        <p:nvPr/>
+      </p:nvGrpSpPr>
+      <p:grpSpPr>
+        <a:xfrm>
+          <a:off x="0" y="0"/>
+          <a:ext cx="0" cy="0"/>
+          <a:chOff x="0" y="0"/>
+          <a:chExt cx="0" cy="0"/>
+        </a:xfrm>
+      </p:grpSpPr>
+      <p:pic>
+        <p:nvPicPr>
+          <p:cNvPr id="5" name="그림 4">
+            <a:extLst>
+              <a:ext uri="{FF2B5EF4-FFF2-40B4-BE49-F238E27FC236}">
                 <a16:creationId xmlns:a16="http://schemas.microsoft.com/office/drawing/2014/main" id="{E59372F0-283F-67BD-0423-B168EB332F37}"/>
               </a:ext>
             </a:extLst>
@@ -3579,7 +5604,489 @@
 </p:sld>
 </file>
 
+<file path=ppt/slides/slide19.xml><?xml version="1.0" encoding="utf-8"?>
+<p:sld xmlns:a="http://schemas.openxmlformats.org/drawingml/2006/main" xmlns:r="http://schemas.openxmlformats.org/officeDocument/2006/relationships" xmlns:p="http://schemas.openxmlformats.org/presentationml/2006/main">
+  <p:cSld>
+    <p:spTree>
+      <p:nvGrpSpPr>
+        <p:cNvPr id="1" name=""/>
+        <p:cNvGrpSpPr/>
+        <p:nvPr/>
+      </p:nvGrpSpPr>
+      <p:grpSpPr>
+        <a:xfrm>
+          <a:off x="0" y="0"/>
+          <a:ext cx="0" cy="0"/>
+          <a:chOff x="0" y="0"/>
+          <a:chExt cx="0" cy="0"/>
+        </a:xfrm>
+      </p:grpSpPr>
+      <p:sp>
+        <p:nvSpPr>
+          <p:cNvPr id="2" name="TextBox 1">
+            <a:extLst>
+              <a:ext uri="{FF2B5EF4-FFF2-40B4-BE49-F238E27FC236}">
+                <a16:creationId xmlns:a16="http://schemas.microsoft.com/office/drawing/2014/main" id="{6D5E47BA-144B-6E25-E282-8F211ABD5221}"/>
+              </a:ext>
+            </a:extLst>
+          </p:cNvPr>
+          <p:cNvSpPr txBox="1"/>
+          <p:nvPr/>
+        </p:nvSpPr>
+        <p:spPr>
+          <a:xfrm>
+            <a:off x="1139371" y="2610838"/>
+            <a:ext cx="9913258" cy="830997"/>
+          </a:xfrm>
+          <a:prstGeom prst="rect">
+            <a:avLst/>
+          </a:prstGeom>
+          <a:noFill/>
+        </p:spPr>
+        <p:txBody>
+          <a:bodyPr wrap="square" rtlCol="0">
+            <a:spAutoFit/>
+          </a:bodyPr>
+          <a:lstStyle/>
+          <a:p>
+            <a:pPr algn="ctr"/>
+            <a:r>
+              <a:rPr lang="en-US" altLang="ko-KR" sz="4800" b="1" dirty="0">
+                <a:solidFill>
+                  <a:schemeClr val="accent1"/>
+                </a:solidFill>
+                <a:latin typeface="+mn-ea"/>
+              </a:rPr>
+              <a:t>&lt; </a:t>
+            </a:r>
+            <a:r>
+              <a:rPr lang="ko-KR" altLang="en-US" sz="4800" b="1" dirty="0">
+                <a:solidFill>
+                  <a:schemeClr val="accent1"/>
+                </a:solidFill>
+                <a:latin typeface="+mn-ea"/>
+              </a:rPr>
+              <a:t>정리하기 </a:t>
+            </a:r>
+            <a:r>
+              <a:rPr lang="en-US" altLang="ko-KR" sz="4800" b="1" dirty="0">
+                <a:solidFill>
+                  <a:schemeClr val="accent1"/>
+                </a:solidFill>
+                <a:latin typeface="+mn-ea"/>
+              </a:rPr>
+              <a:t>&gt;</a:t>
+            </a:r>
+            <a:endParaRPr lang="ko-KR" altLang="en-US" sz="4800" b="1" dirty="0">
+              <a:solidFill>
+                <a:schemeClr val="accent1"/>
+              </a:solidFill>
+              <a:latin typeface="+mn-ea"/>
+            </a:endParaRPr>
+          </a:p>
+        </p:txBody>
+      </p:sp>
+    </p:spTree>
+    <p:extLst>
+      <p:ext uri="{BB962C8B-B14F-4D97-AF65-F5344CB8AC3E}">
+        <p14:creationId xmlns:p14="http://schemas.microsoft.com/office/powerpoint/2010/main" val="3896227482"/>
+      </p:ext>
+    </p:extLst>
+  </p:cSld>
+  <p:clrMapOvr>
+    <a:masterClrMapping/>
+  </p:clrMapOvr>
+</p:sld>
+</file>
+
 <file path=ppt/slides/slide2.xml><?xml version="1.0" encoding="utf-8"?>
+<p:sld xmlns:a="http://schemas.openxmlformats.org/drawingml/2006/main" xmlns:r="http://schemas.openxmlformats.org/officeDocument/2006/relationships" xmlns:p="http://schemas.openxmlformats.org/presentationml/2006/main">
+  <p:cSld>
+    <p:spTree>
+      <p:nvGrpSpPr>
+        <p:cNvPr id="1" name=""/>
+        <p:cNvGrpSpPr/>
+        <p:nvPr/>
+      </p:nvGrpSpPr>
+      <p:grpSpPr>
+        <a:xfrm>
+          <a:off x="0" y="0"/>
+          <a:ext cx="0" cy="0"/>
+          <a:chOff x="0" y="0"/>
+          <a:chExt cx="0" cy="0"/>
+        </a:xfrm>
+      </p:grpSpPr>
+      <p:sp>
+        <p:nvSpPr>
+          <p:cNvPr id="2" name="제목 1">
+            <a:extLst>
+              <a:ext uri="{FF2B5EF4-FFF2-40B4-BE49-F238E27FC236}">
+                <a16:creationId xmlns:a16="http://schemas.microsoft.com/office/drawing/2014/main" id="{0E0D856F-4106-A50C-D169-B97267D7C681}"/>
+              </a:ext>
+            </a:extLst>
+          </p:cNvPr>
+          <p:cNvSpPr>
+            <a:spLocks noGrp="1"/>
+          </p:cNvSpPr>
+          <p:nvPr>
+            <p:ph type="title"/>
+          </p:nvPr>
+        </p:nvSpPr>
+        <p:spPr/>
+        <p:txBody>
+          <a:bodyPr/>
+          <a:lstStyle/>
+          <a:p>
+            <a:r>
+              <a:rPr lang="en-US" altLang="ko-KR" b="1" dirty="0"/>
+              <a:t>&lt; </a:t>
+            </a:r>
+            <a:r>
+              <a:rPr lang="ko-KR" altLang="en-US" b="1" dirty="0"/>
+              <a:t>학습 내용 </a:t>
+            </a:r>
+            <a:r>
+              <a:rPr lang="en-US" altLang="ko-KR" b="1" dirty="0"/>
+              <a:t>&gt;</a:t>
+            </a:r>
+            <a:endParaRPr lang="ko-KR" altLang="en-US" b="1" dirty="0"/>
+          </a:p>
+        </p:txBody>
+      </p:sp>
+      <p:sp>
+        <p:nvSpPr>
+          <p:cNvPr id="3" name="세로 텍스트 개체 틀 2">
+            <a:extLst>
+              <a:ext uri="{FF2B5EF4-FFF2-40B4-BE49-F238E27FC236}">
+                <a16:creationId xmlns:a16="http://schemas.microsoft.com/office/drawing/2014/main" id="{29490A46-00F2-4D62-ABCC-029E4074B162}"/>
+              </a:ext>
+            </a:extLst>
+          </p:cNvPr>
+          <p:cNvSpPr>
+            <a:spLocks noGrp="1"/>
+          </p:cNvSpPr>
+          <p:nvPr>
+            <p:ph type="body" orient="vert" idx="1"/>
+          </p:nvPr>
+        </p:nvSpPr>
+        <p:spPr/>
+        <p:txBody>
+          <a:bodyPr vert="horz">
+            <a:normAutofit/>
+          </a:bodyPr>
+          <a:lstStyle/>
+          <a:p>
+            <a:r>
+              <a:rPr lang="en-US" altLang="ko-KR" sz="4000" dirty="0"/>
+              <a:t>  </a:t>
+            </a:r>
+            <a:r>
+              <a:rPr lang="ko-KR" altLang="en-US" sz="4000" dirty="0"/>
+              <a:t>수치형</a:t>
+            </a:r>
+            <a:endParaRPr lang="en-US" altLang="ko-KR" sz="4000" dirty="0"/>
+          </a:p>
+          <a:p>
+            <a:endParaRPr lang="en-US" altLang="ko-KR" sz="4000" dirty="0"/>
+          </a:p>
+          <a:p>
+            <a:r>
+              <a:rPr lang="ko-KR" altLang="en-US" sz="4000" dirty="0"/>
+              <a:t> 문자형 </a:t>
+            </a:r>
+            <a:endParaRPr lang="en-US" altLang="ko-KR" sz="4000" dirty="0"/>
+          </a:p>
+          <a:p>
+            <a:endParaRPr lang="en-US" altLang="ko-KR" sz="4000" dirty="0"/>
+          </a:p>
+          <a:p>
+            <a:r>
+              <a:rPr lang="ko-KR" altLang="en-US" sz="4000" dirty="0"/>
+              <a:t> 기타 자료형 </a:t>
+            </a:r>
+          </a:p>
+        </p:txBody>
+      </p:sp>
+    </p:spTree>
+    <p:extLst>
+      <p:ext uri="{BB962C8B-B14F-4D97-AF65-F5344CB8AC3E}">
+        <p14:creationId xmlns:p14="http://schemas.microsoft.com/office/powerpoint/2010/main" val="618819181"/>
+      </p:ext>
+    </p:extLst>
+  </p:cSld>
+  <p:clrMapOvr>
+    <a:masterClrMapping/>
+  </p:clrMapOvr>
+</p:sld>
+</file>
+
+<file path=ppt/slides/slide20.xml><?xml version="1.0" encoding="utf-8"?>
+<p:sld xmlns:a="http://schemas.openxmlformats.org/drawingml/2006/main" xmlns:r="http://schemas.openxmlformats.org/officeDocument/2006/relationships" xmlns:p="http://schemas.openxmlformats.org/presentationml/2006/main">
+  <p:cSld>
+    <p:spTree>
+      <p:nvGrpSpPr>
+        <p:cNvPr id="1" name=""/>
+        <p:cNvGrpSpPr/>
+        <p:nvPr/>
+      </p:nvGrpSpPr>
+      <p:grpSpPr>
+        <a:xfrm>
+          <a:off x="0" y="0"/>
+          <a:ext cx="0" cy="0"/>
+          <a:chOff x="0" y="0"/>
+          <a:chExt cx="0" cy="0"/>
+        </a:xfrm>
+      </p:grpSpPr>
+      <p:pic>
+        <p:nvPicPr>
+          <p:cNvPr id="4" name="그림 3">
+            <a:extLst>
+              <a:ext uri="{FF2B5EF4-FFF2-40B4-BE49-F238E27FC236}">
+                <a16:creationId xmlns:a16="http://schemas.microsoft.com/office/drawing/2014/main" id="{D33FE25E-A423-5A5E-46F6-AA3F2832A5B4}"/>
+              </a:ext>
+            </a:extLst>
+          </p:cNvPr>
+          <p:cNvPicPr>
+            <a:picLocks noChangeAspect="1"/>
+          </p:cNvPicPr>
+          <p:nvPr/>
+        </p:nvPicPr>
+        <p:blipFill>
+          <a:blip r:embed="rId2"/>
+          <a:stretch>
+            <a:fillRect/>
+          </a:stretch>
+        </p:blipFill>
+        <p:spPr>
+          <a:xfrm>
+            <a:off x="398857" y="441937"/>
+            <a:ext cx="10536717" cy="6040505"/>
+          </a:xfrm>
+          <a:prstGeom prst="rect">
+            <a:avLst/>
+          </a:prstGeom>
+        </p:spPr>
+      </p:pic>
+    </p:spTree>
+    <p:extLst>
+      <p:ext uri="{BB962C8B-B14F-4D97-AF65-F5344CB8AC3E}">
+        <p14:creationId xmlns:p14="http://schemas.microsoft.com/office/powerpoint/2010/main" val="1294086395"/>
+      </p:ext>
+    </p:extLst>
+  </p:cSld>
+  <p:clrMapOvr>
+    <a:masterClrMapping/>
+  </p:clrMapOvr>
+</p:sld>
+</file>
+
+<file path=ppt/slides/slide3.xml><?xml version="1.0" encoding="utf-8"?>
+<p:sld xmlns:a="http://schemas.openxmlformats.org/drawingml/2006/main" xmlns:r="http://schemas.openxmlformats.org/officeDocument/2006/relationships" xmlns:p="http://schemas.openxmlformats.org/presentationml/2006/main">
+  <p:cSld>
+    <p:spTree>
+      <p:nvGrpSpPr>
+        <p:cNvPr id="1" name=""/>
+        <p:cNvGrpSpPr/>
+        <p:nvPr/>
+      </p:nvGrpSpPr>
+      <p:grpSpPr>
+        <a:xfrm>
+          <a:off x="0" y="0"/>
+          <a:ext cx="0" cy="0"/>
+          <a:chOff x="0" y="0"/>
+          <a:chExt cx="0" cy="0"/>
+        </a:xfrm>
+      </p:grpSpPr>
+      <p:sp>
+        <p:nvSpPr>
+          <p:cNvPr id="2" name="TextBox 1">
+            <a:extLst>
+              <a:ext uri="{FF2B5EF4-FFF2-40B4-BE49-F238E27FC236}">
+                <a16:creationId xmlns:a16="http://schemas.microsoft.com/office/drawing/2014/main" id="{6D5E47BA-144B-6E25-E282-8F211ABD5221}"/>
+              </a:ext>
+            </a:extLst>
+          </p:cNvPr>
+          <p:cNvSpPr txBox="1"/>
+          <p:nvPr/>
+        </p:nvSpPr>
+        <p:spPr>
+          <a:xfrm>
+            <a:off x="1139371" y="2610838"/>
+            <a:ext cx="9913258" cy="830997"/>
+          </a:xfrm>
+          <a:prstGeom prst="rect">
+            <a:avLst/>
+          </a:prstGeom>
+          <a:noFill/>
+        </p:spPr>
+        <p:txBody>
+          <a:bodyPr wrap="square" rtlCol="0">
+            <a:spAutoFit/>
+          </a:bodyPr>
+          <a:lstStyle/>
+          <a:p>
+            <a:pPr algn="ctr"/>
+            <a:r>
+              <a:rPr lang="en-US" altLang="ko-KR" sz="4800" b="1" dirty="0">
+                <a:solidFill>
+                  <a:schemeClr val="accent1"/>
+                </a:solidFill>
+                <a:latin typeface="+mn-ea"/>
+              </a:rPr>
+              <a:t>&lt; </a:t>
+            </a:r>
+            <a:r>
+              <a:rPr lang="ko-KR" altLang="en-US" sz="4800" b="1" dirty="0">
+                <a:solidFill>
+                  <a:schemeClr val="accent1"/>
+                </a:solidFill>
+                <a:latin typeface="+mn-ea"/>
+              </a:rPr>
+              <a:t>수치형 </a:t>
+            </a:r>
+            <a:r>
+              <a:rPr lang="en-US" altLang="ko-KR" sz="4800" b="1" dirty="0">
+                <a:solidFill>
+                  <a:schemeClr val="accent1"/>
+                </a:solidFill>
+                <a:latin typeface="+mn-ea"/>
+              </a:rPr>
+              <a:t>&gt;</a:t>
+            </a:r>
+            <a:endParaRPr lang="ko-KR" altLang="en-US" sz="4800" b="1" dirty="0">
+              <a:solidFill>
+                <a:schemeClr val="accent1"/>
+              </a:solidFill>
+              <a:latin typeface="+mn-ea"/>
+            </a:endParaRPr>
+          </a:p>
+        </p:txBody>
+      </p:sp>
+    </p:spTree>
+    <p:extLst>
+      <p:ext uri="{BB962C8B-B14F-4D97-AF65-F5344CB8AC3E}">
+        <p14:creationId xmlns:p14="http://schemas.microsoft.com/office/powerpoint/2010/main" val="2450836371"/>
+      </p:ext>
+    </p:extLst>
+  </p:cSld>
+  <p:clrMapOvr>
+    <a:masterClrMapping/>
+  </p:clrMapOvr>
+</p:sld>
+</file>
+
+<file path=ppt/slides/slide4.xml><?xml version="1.0" encoding="utf-8"?>
+<p:sld xmlns:a="http://schemas.openxmlformats.org/drawingml/2006/main" xmlns:r="http://schemas.openxmlformats.org/officeDocument/2006/relationships" xmlns:p="http://schemas.openxmlformats.org/presentationml/2006/main">
+  <p:cSld>
+    <p:spTree>
+      <p:nvGrpSpPr>
+        <p:cNvPr id="1" name=""/>
+        <p:cNvGrpSpPr/>
+        <p:nvPr/>
+      </p:nvGrpSpPr>
+      <p:grpSpPr>
+        <a:xfrm>
+          <a:off x="0" y="0"/>
+          <a:ext cx="0" cy="0"/>
+          <a:chOff x="0" y="0"/>
+          <a:chExt cx="0" cy="0"/>
+        </a:xfrm>
+      </p:grpSpPr>
+      <p:pic>
+        <p:nvPicPr>
+          <p:cNvPr id="3" name="그림 2">
+            <a:extLst>
+              <a:ext uri="{FF2B5EF4-FFF2-40B4-BE49-F238E27FC236}">
+                <a16:creationId xmlns:a16="http://schemas.microsoft.com/office/drawing/2014/main" id="{3E001A98-35BC-3846-EC9C-46CACF3AFB66}"/>
+              </a:ext>
+            </a:extLst>
+          </p:cNvPr>
+          <p:cNvPicPr>
+            <a:picLocks noChangeAspect="1"/>
+          </p:cNvPicPr>
+          <p:nvPr/>
+        </p:nvPicPr>
+        <p:blipFill>
+          <a:blip r:embed="rId2"/>
+          <a:stretch>
+            <a:fillRect/>
+          </a:stretch>
+        </p:blipFill>
+        <p:spPr>
+          <a:xfrm>
+            <a:off x="381890" y="446717"/>
+            <a:ext cx="10199024" cy="6024068"/>
+          </a:xfrm>
+          <a:prstGeom prst="rect">
+            <a:avLst/>
+          </a:prstGeom>
+        </p:spPr>
+      </p:pic>
+      <mc:AlternateContent xmlns:mc="http://schemas.openxmlformats.org/markup-compatibility/2006">
+        <mc:Choice xmlns:p14="http://schemas.microsoft.com/office/powerpoint/2010/main" Requires="p14">
+          <p:contentPart p14:bwMode="auto" r:id="rId3">
+            <p14:nvContentPartPr>
+              <p14:cNvPr id="4" name="잉크 3">
+                <a:extLst>
+                  <a:ext uri="{FF2B5EF4-FFF2-40B4-BE49-F238E27FC236}">
+                    <a16:creationId xmlns:a16="http://schemas.microsoft.com/office/drawing/2014/main" id="{EFB34FCD-77E7-1324-119A-E44A675F469B}"/>
+                  </a:ext>
+                </a:extLst>
+              </p14:cNvPr>
+              <p14:cNvContentPartPr/>
+              <p14:nvPr/>
+            </p14:nvContentPartPr>
+            <p14:xfrm>
+              <a:off x="734374" y="2418326"/>
+              <a:ext cx="1027080" cy="360"/>
+            </p14:xfrm>
+          </p:contentPart>
+        </mc:Choice>
+        <mc:Fallback>
+          <p:pic>
+            <p:nvPicPr>
+              <p:cNvPr id="4" name="잉크 3">
+                <a:extLst>
+                  <a:ext uri="{FF2B5EF4-FFF2-40B4-BE49-F238E27FC236}">
+                    <a16:creationId xmlns:a16="http://schemas.microsoft.com/office/drawing/2014/main" id="{EFB34FCD-77E7-1324-119A-E44A675F469B}"/>
+                  </a:ext>
+                </a:extLst>
+              </p:cNvPr>
+              <p:cNvPicPr/>
+              <p:nvPr/>
+            </p:nvPicPr>
+            <p:blipFill>
+              <a:blip r:embed="rId4"/>
+              <a:stretch>
+                <a:fillRect/>
+              </a:stretch>
+            </p:blipFill>
+            <p:spPr>
+              <a:xfrm>
+                <a:off x="662734" y="2274686"/>
+                <a:ext cx="1170720" cy="288000"/>
+              </a:xfrm>
+              <a:prstGeom prst="rect">
+                <a:avLst/>
+              </a:prstGeom>
+            </p:spPr>
+          </p:pic>
+        </mc:Fallback>
+      </mc:AlternateContent>
+    </p:spTree>
+    <p:extLst>
+      <p:ext uri="{BB962C8B-B14F-4D97-AF65-F5344CB8AC3E}">
+        <p14:creationId xmlns:p14="http://schemas.microsoft.com/office/powerpoint/2010/main" val="3941907"/>
+      </p:ext>
+    </p:extLst>
+  </p:cSld>
+  <p:clrMapOvr>
+    <a:masterClrMapping/>
+  </p:clrMapOvr>
+</p:sld>
+</file>
+
+<file path=ppt/slides/slide5.xml><?xml version="1.0" encoding="utf-8"?>
 <p:sld xmlns:a="http://schemas.openxmlformats.org/drawingml/2006/main" xmlns:r="http://schemas.openxmlformats.org/officeDocument/2006/relationships" xmlns:p="http://schemas.openxmlformats.org/presentationml/2006/main">
   <p:cSld>
     <p:spTree>
@@ -3686,6 +6193,57 @@
           </a:prstGeom>
         </p:spPr>
       </p:pic>
+      <mc:AlternateContent xmlns:mc="http://schemas.openxmlformats.org/markup-compatibility/2006">
+        <mc:Choice xmlns:p14="http://schemas.microsoft.com/office/powerpoint/2010/main" Requires="p14">
+          <p:contentPart p14:bwMode="auto" r:id="rId5">
+            <p14:nvContentPartPr>
+              <p14:cNvPr id="4" name="잉크 3">
+                <a:extLst>
+                  <a:ext uri="{FF2B5EF4-FFF2-40B4-BE49-F238E27FC236}">
+                    <a16:creationId xmlns:a16="http://schemas.microsoft.com/office/drawing/2014/main" id="{7B3428EF-D472-4E43-0850-6155D5F68EEA}"/>
+                  </a:ext>
+                </a:extLst>
+              </p14:cNvPr>
+              <p14:cNvContentPartPr/>
+              <p14:nvPr/>
+            </p14:nvContentPartPr>
+            <p14:xfrm>
+              <a:off x="1306054" y="904166"/>
+              <a:ext cx="1404720" cy="360"/>
+            </p14:xfrm>
+          </p:contentPart>
+        </mc:Choice>
+        <mc:Fallback>
+          <p:pic>
+            <p:nvPicPr>
+              <p:cNvPr id="4" name="잉크 3">
+                <a:extLst>
+                  <a:ext uri="{FF2B5EF4-FFF2-40B4-BE49-F238E27FC236}">
+                    <a16:creationId xmlns:a16="http://schemas.microsoft.com/office/drawing/2014/main" id="{7B3428EF-D472-4E43-0850-6155D5F68EEA}"/>
+                  </a:ext>
+                </a:extLst>
+              </p:cNvPr>
+              <p:cNvPicPr/>
+              <p:nvPr/>
+            </p:nvPicPr>
+            <p:blipFill>
+              <a:blip r:embed="rId6"/>
+              <a:stretch>
+                <a:fillRect/>
+              </a:stretch>
+            </p:blipFill>
+            <p:spPr>
+              <a:xfrm>
+                <a:off x="1252054" y="796166"/>
+                <a:ext cx="1512360" cy="216000"/>
+              </a:xfrm>
+              <a:prstGeom prst="rect">
+                <a:avLst/>
+              </a:prstGeom>
+            </p:spPr>
+          </p:pic>
+        </mc:Fallback>
+      </mc:AlternateContent>
     </p:spTree>
     <p:extLst>
       <p:ext uri="{BB962C8B-B14F-4D97-AF65-F5344CB8AC3E}">
@@ -3699,7 +6257,7 @@
 </p:sld>
 </file>
 
-<file path=ppt/slides/slide3.xml><?xml version="1.0" encoding="utf-8"?>
+<file path=ppt/slides/slide6.xml><?xml version="1.0" encoding="utf-8"?>
 <p:sld xmlns:a="http://schemas.openxmlformats.org/drawingml/2006/main" xmlns:r="http://schemas.openxmlformats.org/officeDocument/2006/relationships" xmlns:p="http://schemas.openxmlformats.org/presentationml/2006/main">
   <p:cSld>
     <p:spTree>
@@ -3776,6 +6334,108 @@
           </a:prstGeom>
         </p:spPr>
       </p:pic>
+      <mc:AlternateContent xmlns:mc="http://schemas.openxmlformats.org/markup-compatibility/2006">
+        <mc:Choice xmlns:p14="http://schemas.microsoft.com/office/powerpoint/2010/main" Requires="p14">
+          <p:contentPart p14:bwMode="auto" r:id="rId4">
+            <p14:nvContentPartPr>
+              <p14:cNvPr id="4" name="잉크 3">
+                <a:extLst>
+                  <a:ext uri="{FF2B5EF4-FFF2-40B4-BE49-F238E27FC236}">
+                    <a16:creationId xmlns:a16="http://schemas.microsoft.com/office/drawing/2014/main" id="{5C67C22C-E8AB-49B3-2306-92FF25284B83}"/>
+                  </a:ext>
+                </a:extLst>
+              </p14:cNvPr>
+              <p14:cNvContentPartPr/>
+              <p14:nvPr/>
+            </p14:nvContentPartPr>
+            <p14:xfrm>
+              <a:off x="652294" y="3722246"/>
+              <a:ext cx="1239840" cy="360"/>
+            </p14:xfrm>
+          </p:contentPart>
+        </mc:Choice>
+        <mc:Fallback>
+          <p:pic>
+            <p:nvPicPr>
+              <p:cNvPr id="4" name="잉크 3">
+                <a:extLst>
+                  <a:ext uri="{FF2B5EF4-FFF2-40B4-BE49-F238E27FC236}">
+                    <a16:creationId xmlns:a16="http://schemas.microsoft.com/office/drawing/2014/main" id="{5C67C22C-E8AB-49B3-2306-92FF25284B83}"/>
+                  </a:ext>
+                </a:extLst>
+              </p:cNvPr>
+              <p:cNvPicPr/>
+              <p:nvPr/>
+            </p:nvPicPr>
+            <p:blipFill>
+              <a:blip r:embed="rId5"/>
+              <a:stretch>
+                <a:fillRect/>
+              </a:stretch>
+            </p:blipFill>
+            <p:spPr>
+              <a:xfrm>
+                <a:off x="562654" y="3542246"/>
+                <a:ext cx="1419480" cy="360000"/>
+              </a:xfrm>
+              <a:prstGeom prst="rect">
+                <a:avLst/>
+              </a:prstGeom>
+            </p:spPr>
+          </p:pic>
+        </mc:Fallback>
+      </mc:AlternateContent>
+      <mc:AlternateContent xmlns:mc="http://schemas.openxmlformats.org/markup-compatibility/2006">
+        <mc:Choice xmlns:p14="http://schemas.microsoft.com/office/powerpoint/2010/main" Requires="p14">
+          <p:contentPart p14:bwMode="auto" r:id="rId6">
+            <p14:nvContentPartPr>
+              <p14:cNvPr id="6" name="잉크 5">
+                <a:extLst>
+                  <a:ext uri="{FF2B5EF4-FFF2-40B4-BE49-F238E27FC236}">
+                    <a16:creationId xmlns:a16="http://schemas.microsoft.com/office/drawing/2014/main" id="{1AB6C5EA-7BEA-36D5-29C8-FCE24BDF65D1}"/>
+                  </a:ext>
+                </a:extLst>
+              </p14:cNvPr>
+              <p14:cNvContentPartPr/>
+              <p14:nvPr/>
+            </p14:nvContentPartPr>
+            <p14:xfrm>
+              <a:off x="538174" y="603566"/>
+              <a:ext cx="1928880" cy="360"/>
+            </p14:xfrm>
+          </p:contentPart>
+        </mc:Choice>
+        <mc:Fallback>
+          <p:pic>
+            <p:nvPicPr>
+              <p:cNvPr id="6" name="잉크 5">
+                <a:extLst>
+                  <a:ext uri="{FF2B5EF4-FFF2-40B4-BE49-F238E27FC236}">
+                    <a16:creationId xmlns:a16="http://schemas.microsoft.com/office/drawing/2014/main" id="{1AB6C5EA-7BEA-36D5-29C8-FCE24BDF65D1}"/>
+                  </a:ext>
+                </a:extLst>
+              </p:cNvPr>
+              <p:cNvPicPr/>
+              <p:nvPr/>
+            </p:nvPicPr>
+            <p:blipFill>
+              <a:blip r:embed="rId7"/>
+              <a:stretch>
+                <a:fillRect/>
+              </a:stretch>
+            </p:blipFill>
+            <p:spPr>
+              <a:xfrm>
+                <a:off x="448534" y="423566"/>
+                <a:ext cx="2108520" cy="360000"/>
+              </a:xfrm>
+              <a:prstGeom prst="rect">
+                <a:avLst/>
+              </a:prstGeom>
+            </p:spPr>
+          </p:pic>
+        </mc:Fallback>
+      </mc:AlternateContent>
     </p:spTree>
     <p:extLst>
       <p:ext uri="{BB962C8B-B14F-4D97-AF65-F5344CB8AC3E}">
@@ -3789,7 +6449,220 @@
 </p:sld>
 </file>
 
-<file path=ppt/slides/slide4.xml><?xml version="1.0" encoding="utf-8"?>
+<file path=ppt/slides/slide7.xml><?xml version="1.0" encoding="utf-8"?>
+<p:sld xmlns:a="http://schemas.openxmlformats.org/drawingml/2006/main" xmlns:r="http://schemas.openxmlformats.org/officeDocument/2006/relationships" xmlns:p="http://schemas.openxmlformats.org/presentationml/2006/main">
+  <p:cSld>
+    <p:spTree>
+      <p:nvGrpSpPr>
+        <p:cNvPr id="1" name=""/>
+        <p:cNvGrpSpPr/>
+        <p:nvPr/>
+      </p:nvGrpSpPr>
+      <p:grpSpPr>
+        <a:xfrm>
+          <a:off x="0" y="0"/>
+          <a:ext cx="0" cy="0"/>
+          <a:chOff x="0" y="0"/>
+          <a:chExt cx="0" cy="0"/>
+        </a:xfrm>
+      </p:grpSpPr>
+      <p:pic>
+        <p:nvPicPr>
+          <p:cNvPr id="3" name="그림 2">
+            <a:extLst>
+              <a:ext uri="{FF2B5EF4-FFF2-40B4-BE49-F238E27FC236}">
+                <a16:creationId xmlns:a16="http://schemas.microsoft.com/office/drawing/2014/main" id="{AD03E13F-40A6-8FD1-0B94-80997FF39387}"/>
+              </a:ext>
+            </a:extLst>
+          </p:cNvPr>
+          <p:cNvPicPr>
+            <a:picLocks noChangeAspect="1"/>
+          </p:cNvPicPr>
+          <p:nvPr/>
+        </p:nvPicPr>
+        <p:blipFill>
+          <a:blip r:embed="rId2"/>
+          <a:stretch>
+            <a:fillRect/>
+          </a:stretch>
+        </p:blipFill>
+        <p:spPr>
+          <a:xfrm>
+            <a:off x="447842" y="444088"/>
+            <a:ext cx="11398707" cy="4095255"/>
+          </a:xfrm>
+          <a:prstGeom prst="rect">
+            <a:avLst/>
+          </a:prstGeom>
+        </p:spPr>
+      </p:pic>
+      <mc:AlternateContent xmlns:mc="http://schemas.openxmlformats.org/markup-compatibility/2006">
+        <mc:Choice xmlns:p14="http://schemas.microsoft.com/office/powerpoint/2010/main" Requires="p14">
+          <p:contentPart p14:bwMode="auto" r:id="rId3">
+            <p14:nvContentPartPr>
+              <p14:cNvPr id="4" name="잉크 3">
+                <a:extLst>
+                  <a:ext uri="{FF2B5EF4-FFF2-40B4-BE49-F238E27FC236}">
+                    <a16:creationId xmlns:a16="http://schemas.microsoft.com/office/drawing/2014/main" id="{049E4AB0-7097-77F1-BF46-63425DC3E86B}"/>
+                  </a:ext>
+                </a:extLst>
+              </p14:cNvPr>
+              <p14:cNvContentPartPr/>
+              <p14:nvPr/>
+            </p14:nvContentPartPr>
+            <p14:xfrm>
+              <a:off x="750574" y="606086"/>
+              <a:ext cx="1141200" cy="360"/>
+            </p14:xfrm>
+          </p:contentPart>
+        </mc:Choice>
+        <mc:Fallback>
+          <p:pic>
+            <p:nvPicPr>
+              <p:cNvPr id="4" name="잉크 3">
+                <a:extLst>
+                  <a:ext uri="{FF2B5EF4-FFF2-40B4-BE49-F238E27FC236}">
+                    <a16:creationId xmlns:a16="http://schemas.microsoft.com/office/drawing/2014/main" id="{049E4AB0-7097-77F1-BF46-63425DC3E86B}"/>
+                  </a:ext>
+                </a:extLst>
+              </p:cNvPr>
+              <p:cNvPicPr/>
+              <p:nvPr/>
+            </p:nvPicPr>
+            <p:blipFill>
+              <a:blip r:embed="rId4"/>
+              <a:stretch>
+                <a:fillRect/>
+              </a:stretch>
+            </p:blipFill>
+            <p:spPr>
+              <a:xfrm>
+                <a:off x="678574" y="462086"/>
+                <a:ext cx="1284840" cy="288000"/>
+              </a:xfrm>
+              <a:prstGeom prst="rect">
+                <a:avLst/>
+              </a:prstGeom>
+            </p:spPr>
+          </p:pic>
+        </mc:Fallback>
+      </mc:AlternateContent>
+      <mc:AlternateContent xmlns:mc="http://schemas.openxmlformats.org/markup-compatibility/2006">
+        <mc:Choice xmlns:p14="http://schemas.microsoft.com/office/powerpoint/2010/main" Requires="p14">
+          <p:contentPart p14:bwMode="auto" r:id="rId5">
+            <p14:nvContentPartPr>
+              <p14:cNvPr id="5" name="잉크 4">
+                <a:extLst>
+                  <a:ext uri="{FF2B5EF4-FFF2-40B4-BE49-F238E27FC236}">
+                    <a16:creationId xmlns:a16="http://schemas.microsoft.com/office/drawing/2014/main" id="{1A0CEA7F-B84D-9412-8AFB-B6AA445C9795}"/>
+                  </a:ext>
+                </a:extLst>
+              </p14:cNvPr>
+              <p14:cNvContentPartPr/>
+              <p14:nvPr/>
+            </p14:nvContentPartPr>
+            <p14:xfrm>
+              <a:off x="767134" y="2239046"/>
+              <a:ext cx="1304640" cy="360"/>
+            </p14:xfrm>
+          </p:contentPart>
+        </mc:Choice>
+        <mc:Fallback>
+          <p:pic>
+            <p:nvPicPr>
+              <p:cNvPr id="5" name="잉크 4">
+                <a:extLst>
+                  <a:ext uri="{FF2B5EF4-FFF2-40B4-BE49-F238E27FC236}">
+                    <a16:creationId xmlns:a16="http://schemas.microsoft.com/office/drawing/2014/main" id="{1A0CEA7F-B84D-9412-8AFB-B6AA445C9795}"/>
+                  </a:ext>
+                </a:extLst>
+              </p:cNvPr>
+              <p:cNvPicPr/>
+              <p:nvPr/>
+            </p:nvPicPr>
+            <p:blipFill>
+              <a:blip r:embed="rId6"/>
+              <a:stretch>
+                <a:fillRect/>
+              </a:stretch>
+            </p:blipFill>
+            <p:spPr>
+              <a:xfrm>
+                <a:off x="695494" y="2095046"/>
+                <a:ext cx="1448280" cy="288000"/>
+              </a:xfrm>
+              <a:prstGeom prst="rect">
+                <a:avLst/>
+              </a:prstGeom>
+            </p:spPr>
+          </p:pic>
+        </mc:Fallback>
+      </mc:AlternateContent>
+      <mc:AlternateContent xmlns:mc="http://schemas.openxmlformats.org/markup-compatibility/2006">
+        <mc:Choice xmlns:p14="http://schemas.microsoft.com/office/powerpoint/2010/main" Requires="p14">
+          <p:contentPart p14:bwMode="auto" r:id="rId7">
+            <p14:nvContentPartPr>
+              <p14:cNvPr id="6" name="잉크 5">
+                <a:extLst>
+                  <a:ext uri="{FF2B5EF4-FFF2-40B4-BE49-F238E27FC236}">
+                    <a16:creationId xmlns:a16="http://schemas.microsoft.com/office/drawing/2014/main" id="{DD4FC49E-15A5-5689-067E-B952AC7CABC8}"/>
+                  </a:ext>
+                </a:extLst>
+              </p14:cNvPr>
+              <p14:cNvContentPartPr/>
+              <p14:nvPr/>
+            </p14:nvContentPartPr>
+            <p14:xfrm>
+              <a:off x="816094" y="3839246"/>
+              <a:ext cx="1142280" cy="360"/>
+            </p14:xfrm>
+          </p:contentPart>
+        </mc:Choice>
+        <mc:Fallback>
+          <p:pic>
+            <p:nvPicPr>
+              <p:cNvPr id="6" name="잉크 5">
+                <a:extLst>
+                  <a:ext uri="{FF2B5EF4-FFF2-40B4-BE49-F238E27FC236}">
+                    <a16:creationId xmlns:a16="http://schemas.microsoft.com/office/drawing/2014/main" id="{DD4FC49E-15A5-5689-067E-B952AC7CABC8}"/>
+                  </a:ext>
+                </a:extLst>
+              </p:cNvPr>
+              <p:cNvPicPr/>
+              <p:nvPr/>
+            </p:nvPicPr>
+            <p:blipFill>
+              <a:blip r:embed="rId8"/>
+              <a:stretch>
+                <a:fillRect/>
+              </a:stretch>
+            </p:blipFill>
+            <p:spPr>
+              <a:xfrm>
+                <a:off x="744094" y="3695246"/>
+                <a:ext cx="1285920" cy="288000"/>
+              </a:xfrm>
+              <a:prstGeom prst="rect">
+                <a:avLst/>
+              </a:prstGeom>
+            </p:spPr>
+          </p:pic>
+        </mc:Fallback>
+      </mc:AlternateContent>
+    </p:spTree>
+    <p:extLst>
+      <p:ext uri="{BB962C8B-B14F-4D97-AF65-F5344CB8AC3E}">
+        <p14:creationId xmlns:p14="http://schemas.microsoft.com/office/powerpoint/2010/main" val="3358202824"/>
+      </p:ext>
+    </p:extLst>
+  </p:cSld>
+  <p:clrMapOvr>
+    <a:masterClrMapping/>
+  </p:clrMapOvr>
+</p:sld>
+</file>
+
+<file path=ppt/slides/slide8.xml><?xml version="1.0" encoding="utf-8"?>
 <p:sld xmlns:a="http://schemas.openxmlformats.org/drawingml/2006/main" xmlns:r="http://schemas.openxmlformats.org/officeDocument/2006/relationships" xmlns:p="http://schemas.openxmlformats.org/presentationml/2006/main">
   <p:cSld>
     <p:spTree>
@@ -3896,310 +6769,163 @@
           </a:prstGeom>
         </p:spPr>
       </p:pic>
+      <mc:AlternateContent xmlns:mc="http://schemas.openxmlformats.org/markup-compatibility/2006">
+        <mc:Choice xmlns:p14="http://schemas.microsoft.com/office/powerpoint/2010/main" Requires="p14">
+          <p:contentPart p14:bwMode="auto" r:id="rId5">
+            <p14:nvContentPartPr>
+              <p14:cNvPr id="2" name="잉크 1">
+                <a:extLst>
+                  <a:ext uri="{FF2B5EF4-FFF2-40B4-BE49-F238E27FC236}">
+                    <a16:creationId xmlns:a16="http://schemas.microsoft.com/office/drawing/2014/main" id="{BBF2DF4F-FD88-031B-02B5-DFD091394CC9}"/>
+                  </a:ext>
+                </a:extLst>
+              </p14:cNvPr>
+              <p14:cNvContentPartPr/>
+              <p14:nvPr/>
+            </p14:nvContentPartPr>
+            <p14:xfrm>
+              <a:off x="603694" y="691766"/>
+              <a:ext cx="7255080" cy="360"/>
+            </p14:xfrm>
+          </p:contentPart>
+        </mc:Choice>
+        <mc:Fallback>
+          <p:pic>
+            <p:nvPicPr>
+              <p:cNvPr id="2" name="잉크 1">
+                <a:extLst>
+                  <a:ext uri="{FF2B5EF4-FFF2-40B4-BE49-F238E27FC236}">
+                    <a16:creationId xmlns:a16="http://schemas.microsoft.com/office/drawing/2014/main" id="{BBF2DF4F-FD88-031B-02B5-DFD091394CC9}"/>
+                  </a:ext>
+                </a:extLst>
+              </p:cNvPr>
+              <p:cNvPicPr/>
+              <p:nvPr/>
+            </p:nvPicPr>
+            <p:blipFill>
+              <a:blip r:embed="rId6"/>
+              <a:stretch>
+                <a:fillRect/>
+              </a:stretch>
+            </p:blipFill>
+            <p:spPr>
+              <a:xfrm>
+                <a:off x="549694" y="584126"/>
+                <a:ext cx="7362720" cy="216000"/>
+              </a:xfrm>
+              <a:prstGeom prst="rect">
+                <a:avLst/>
+              </a:prstGeom>
+            </p:spPr>
+          </p:pic>
+        </mc:Fallback>
+      </mc:AlternateContent>
+      <mc:AlternateContent xmlns:mc="http://schemas.openxmlformats.org/markup-compatibility/2006">
+        <mc:Choice xmlns:p14="http://schemas.microsoft.com/office/powerpoint/2010/main" Requires="p14">
+          <p:contentPart p14:bwMode="auto" r:id="rId7">
+            <p14:nvContentPartPr>
+              <p14:cNvPr id="4" name="잉크 3">
+                <a:extLst>
+                  <a:ext uri="{FF2B5EF4-FFF2-40B4-BE49-F238E27FC236}">
+                    <a16:creationId xmlns:a16="http://schemas.microsoft.com/office/drawing/2014/main" id="{746505EC-1D8B-A1ED-5DAE-5F18149CC12D}"/>
+                  </a:ext>
+                </a:extLst>
+              </p14:cNvPr>
+              <p14:cNvContentPartPr/>
+              <p14:nvPr/>
+            </p14:nvContentPartPr>
+            <p14:xfrm>
+              <a:off x="587494" y="2340926"/>
+              <a:ext cx="915120" cy="360"/>
+            </p14:xfrm>
+          </p:contentPart>
+        </mc:Choice>
+        <mc:Fallback>
+          <p:pic>
+            <p:nvPicPr>
+              <p:cNvPr id="4" name="잉크 3">
+                <a:extLst>
+                  <a:ext uri="{FF2B5EF4-FFF2-40B4-BE49-F238E27FC236}">
+                    <a16:creationId xmlns:a16="http://schemas.microsoft.com/office/drawing/2014/main" id="{746505EC-1D8B-A1ED-5DAE-5F18149CC12D}"/>
+                  </a:ext>
+                </a:extLst>
+              </p:cNvPr>
+              <p:cNvPicPr/>
+              <p:nvPr/>
+            </p:nvPicPr>
+            <p:blipFill>
+              <a:blip r:embed="rId8"/>
+              <a:stretch>
+                <a:fillRect/>
+              </a:stretch>
+            </p:blipFill>
+            <p:spPr>
+              <a:xfrm>
+                <a:off x="533854" y="2233286"/>
+                <a:ext cx="1022760" cy="216000"/>
+              </a:xfrm>
+              <a:prstGeom prst="rect">
+                <a:avLst/>
+              </a:prstGeom>
+            </p:spPr>
+          </p:pic>
+        </mc:Fallback>
+      </mc:AlternateContent>
+      <mc:AlternateContent xmlns:mc="http://schemas.openxmlformats.org/markup-compatibility/2006">
+        <mc:Choice xmlns:p14="http://schemas.microsoft.com/office/powerpoint/2010/main" Requires="p14">
+          <p:contentPart p14:bwMode="auto" r:id="rId9">
+            <p14:nvContentPartPr>
+              <p14:cNvPr id="5" name="잉크 4">
+                <a:extLst>
+                  <a:ext uri="{FF2B5EF4-FFF2-40B4-BE49-F238E27FC236}">
+                    <a16:creationId xmlns:a16="http://schemas.microsoft.com/office/drawing/2014/main" id="{E10C4D78-C59B-402A-5A9B-733F91DBA397}"/>
+                  </a:ext>
+                </a:extLst>
+              </p14:cNvPr>
+              <p14:cNvContentPartPr/>
+              <p14:nvPr/>
+            </p14:nvContentPartPr>
+            <p14:xfrm>
+              <a:off x="538174" y="4398326"/>
+              <a:ext cx="1854000" cy="360"/>
+            </p14:xfrm>
+          </p:contentPart>
+        </mc:Choice>
+        <mc:Fallback>
+          <p:pic>
+            <p:nvPicPr>
+              <p:cNvPr id="5" name="잉크 4">
+                <a:extLst>
+                  <a:ext uri="{FF2B5EF4-FFF2-40B4-BE49-F238E27FC236}">
+                    <a16:creationId xmlns:a16="http://schemas.microsoft.com/office/drawing/2014/main" id="{E10C4D78-C59B-402A-5A9B-733F91DBA397}"/>
+                  </a:ext>
+                </a:extLst>
+              </p:cNvPr>
+              <p:cNvPicPr/>
+              <p:nvPr/>
+            </p:nvPicPr>
+            <p:blipFill>
+              <a:blip r:embed="rId10"/>
+              <a:stretch>
+                <a:fillRect/>
+              </a:stretch>
+            </p:blipFill>
+            <p:spPr>
+              <a:xfrm>
+                <a:off x="484534" y="4290686"/>
+                <a:ext cx="1961640" cy="216000"/>
+              </a:xfrm>
+              <a:prstGeom prst="rect">
+                <a:avLst/>
+              </a:prstGeom>
+            </p:spPr>
+          </p:pic>
+        </mc:Fallback>
+      </mc:AlternateContent>
     </p:spTree>
     <p:extLst>
       <p:ext uri="{BB962C8B-B14F-4D97-AF65-F5344CB8AC3E}">
         <p14:creationId xmlns:p14="http://schemas.microsoft.com/office/powerpoint/2010/main" val="3314493247"/>
-      </p:ext>
-    </p:extLst>
-  </p:cSld>
-  <p:clrMapOvr>
-    <a:masterClrMapping/>
-  </p:clrMapOvr>
-</p:sld>
-</file>
-
-<file path=ppt/slides/slide5.xml><?xml version="1.0" encoding="utf-8"?>
-<p:sld xmlns:a="http://schemas.openxmlformats.org/drawingml/2006/main" xmlns:r="http://schemas.openxmlformats.org/officeDocument/2006/relationships" xmlns:p="http://schemas.openxmlformats.org/presentationml/2006/main">
-  <p:cSld>
-    <p:spTree>
-      <p:nvGrpSpPr>
-        <p:cNvPr id="1" name=""/>
-        <p:cNvGrpSpPr/>
-        <p:nvPr/>
-      </p:nvGrpSpPr>
-      <p:grpSpPr>
-        <a:xfrm>
-          <a:off x="0" y="0"/>
-          <a:ext cx="0" cy="0"/>
-          <a:chOff x="0" y="0"/>
-          <a:chExt cx="0" cy="0"/>
-        </a:xfrm>
-      </p:grpSpPr>
-      <p:pic>
-        <p:nvPicPr>
-          <p:cNvPr id="3" name="그림 2">
-            <a:extLst>
-              <a:ext uri="{FF2B5EF4-FFF2-40B4-BE49-F238E27FC236}">
-                <a16:creationId xmlns:a16="http://schemas.microsoft.com/office/drawing/2014/main" id="{9E5381E5-13C6-A31F-4890-9F95F6EB8B38}"/>
-              </a:ext>
-            </a:extLst>
-          </p:cNvPr>
-          <p:cNvPicPr>
-            <a:picLocks noChangeAspect="1"/>
-          </p:cNvPicPr>
-          <p:nvPr/>
-        </p:nvPicPr>
-        <p:blipFill>
-          <a:blip r:embed="rId2"/>
-          <a:stretch>
-            <a:fillRect/>
-          </a:stretch>
-        </p:blipFill>
-        <p:spPr>
-          <a:xfrm>
-            <a:off x="364385" y="344094"/>
-            <a:ext cx="10804358" cy="6252521"/>
-          </a:xfrm>
-          <a:prstGeom prst="rect">
-            <a:avLst/>
-          </a:prstGeom>
-        </p:spPr>
-      </p:pic>
-    </p:spTree>
-    <p:extLst>
-      <p:ext uri="{BB962C8B-B14F-4D97-AF65-F5344CB8AC3E}">
-        <p14:creationId xmlns:p14="http://schemas.microsoft.com/office/powerpoint/2010/main" val="665428984"/>
-      </p:ext>
-    </p:extLst>
-  </p:cSld>
-  <p:clrMapOvr>
-    <a:masterClrMapping/>
-  </p:clrMapOvr>
-</p:sld>
-</file>
-
-<file path=ppt/slides/slide6.xml><?xml version="1.0" encoding="utf-8"?>
-<p:sld xmlns:a="http://schemas.openxmlformats.org/drawingml/2006/main" xmlns:r="http://schemas.openxmlformats.org/officeDocument/2006/relationships" xmlns:p="http://schemas.openxmlformats.org/presentationml/2006/main">
-  <p:cSld>
-    <p:spTree>
-      <p:nvGrpSpPr>
-        <p:cNvPr id="1" name=""/>
-        <p:cNvGrpSpPr/>
-        <p:nvPr/>
-      </p:nvGrpSpPr>
-      <p:grpSpPr>
-        <a:xfrm>
-          <a:off x="0" y="0"/>
-          <a:ext cx="0" cy="0"/>
-          <a:chOff x="0" y="0"/>
-          <a:chExt cx="0" cy="0"/>
-        </a:xfrm>
-      </p:grpSpPr>
-      <p:pic>
-        <p:nvPicPr>
-          <p:cNvPr id="3" name="그림 2">
-            <a:extLst>
-              <a:ext uri="{FF2B5EF4-FFF2-40B4-BE49-F238E27FC236}">
-                <a16:creationId xmlns:a16="http://schemas.microsoft.com/office/drawing/2014/main" id="{5972B39F-BBCE-E7AA-1BDA-319722BBEF71}"/>
-              </a:ext>
-            </a:extLst>
-          </p:cNvPr>
-          <p:cNvPicPr>
-            <a:picLocks noChangeAspect="1"/>
-          </p:cNvPicPr>
-          <p:nvPr/>
-        </p:nvPicPr>
-        <p:blipFill>
-          <a:blip r:embed="rId2"/>
-          <a:stretch>
-            <a:fillRect/>
-          </a:stretch>
-        </p:blipFill>
-        <p:spPr>
-          <a:xfrm>
-            <a:off x="360275" y="364547"/>
-            <a:ext cx="8130582" cy="3156176"/>
-          </a:xfrm>
-          <a:prstGeom prst="rect">
-            <a:avLst/>
-          </a:prstGeom>
-        </p:spPr>
-      </p:pic>
-      <p:pic>
-        <p:nvPicPr>
-          <p:cNvPr id="5" name="그림 4">
-            <a:extLst>
-              <a:ext uri="{FF2B5EF4-FFF2-40B4-BE49-F238E27FC236}">
-                <a16:creationId xmlns:a16="http://schemas.microsoft.com/office/drawing/2014/main" id="{7BEB91B7-CAEA-0589-1A3B-B99D408B86C7}"/>
-              </a:ext>
-            </a:extLst>
-          </p:cNvPr>
-          <p:cNvPicPr>
-            <a:picLocks noChangeAspect="1"/>
-          </p:cNvPicPr>
-          <p:nvPr/>
-        </p:nvPicPr>
-        <p:blipFill>
-          <a:blip r:embed="rId3"/>
-          <a:stretch>
-            <a:fillRect/>
-          </a:stretch>
-        </p:blipFill>
-        <p:spPr>
-          <a:xfrm>
-            <a:off x="360275" y="3520722"/>
-            <a:ext cx="8947011" cy="3082985"/>
-          </a:xfrm>
-          <a:prstGeom prst="rect">
-            <a:avLst/>
-          </a:prstGeom>
-        </p:spPr>
-      </p:pic>
-    </p:spTree>
-    <p:extLst>
-      <p:ext uri="{BB962C8B-B14F-4D97-AF65-F5344CB8AC3E}">
-        <p14:creationId xmlns:p14="http://schemas.microsoft.com/office/powerpoint/2010/main" val="2694245248"/>
-      </p:ext>
-    </p:extLst>
-  </p:cSld>
-  <p:clrMapOvr>
-    <a:masterClrMapping/>
-  </p:clrMapOvr>
-</p:sld>
-</file>
-
-<file path=ppt/slides/slide7.xml><?xml version="1.0" encoding="utf-8"?>
-<p:sld xmlns:a="http://schemas.openxmlformats.org/drawingml/2006/main" xmlns:r="http://schemas.openxmlformats.org/officeDocument/2006/relationships" xmlns:p="http://schemas.openxmlformats.org/presentationml/2006/main">
-  <p:cSld>
-    <p:spTree>
-      <p:nvGrpSpPr>
-        <p:cNvPr id="1" name=""/>
-        <p:cNvGrpSpPr/>
-        <p:nvPr/>
-      </p:nvGrpSpPr>
-      <p:grpSpPr>
-        <a:xfrm>
-          <a:off x="0" y="0"/>
-          <a:ext cx="0" cy="0"/>
-          <a:chOff x="0" y="0"/>
-          <a:chExt cx="0" cy="0"/>
-        </a:xfrm>
-      </p:grpSpPr>
-      <p:pic>
-        <p:nvPicPr>
-          <p:cNvPr id="3" name="그림 2">
-            <a:extLst>
-              <a:ext uri="{FF2B5EF4-FFF2-40B4-BE49-F238E27FC236}">
-                <a16:creationId xmlns:a16="http://schemas.microsoft.com/office/drawing/2014/main" id="{70D520A3-DF90-C888-C18B-3D23ED133CD4}"/>
-              </a:ext>
-            </a:extLst>
-          </p:cNvPr>
-          <p:cNvPicPr>
-            <a:picLocks noChangeAspect="1"/>
-          </p:cNvPicPr>
-          <p:nvPr/>
-        </p:nvPicPr>
-        <p:blipFill>
-          <a:blip r:embed="rId2"/>
-          <a:stretch>
-            <a:fillRect/>
-          </a:stretch>
-        </p:blipFill>
-        <p:spPr>
-          <a:xfrm>
-            <a:off x="321456" y="560491"/>
-            <a:ext cx="11549088" cy="6019923"/>
-          </a:xfrm>
-          <a:prstGeom prst="rect">
-            <a:avLst/>
-          </a:prstGeom>
-        </p:spPr>
-      </p:pic>
-    </p:spTree>
-    <p:extLst>
-      <p:ext uri="{BB962C8B-B14F-4D97-AF65-F5344CB8AC3E}">
-        <p14:creationId xmlns:p14="http://schemas.microsoft.com/office/powerpoint/2010/main" val="3459190387"/>
-      </p:ext>
-    </p:extLst>
-  </p:cSld>
-  <p:clrMapOvr>
-    <a:masterClrMapping/>
-  </p:clrMapOvr>
-</p:sld>
-</file>
-
-<file path=ppt/slides/slide8.xml><?xml version="1.0" encoding="utf-8"?>
-<p:sld xmlns:a="http://schemas.openxmlformats.org/drawingml/2006/main" xmlns:r="http://schemas.openxmlformats.org/officeDocument/2006/relationships" xmlns:p="http://schemas.openxmlformats.org/presentationml/2006/main">
-  <p:cSld>
-    <p:spTree>
-      <p:nvGrpSpPr>
-        <p:cNvPr id="1" name=""/>
-        <p:cNvGrpSpPr/>
-        <p:nvPr/>
-      </p:nvGrpSpPr>
-      <p:grpSpPr>
-        <a:xfrm>
-          <a:off x="0" y="0"/>
-          <a:ext cx="0" cy="0"/>
-          <a:chOff x="0" y="0"/>
-          <a:chExt cx="0" cy="0"/>
-        </a:xfrm>
-      </p:grpSpPr>
-      <p:pic>
-        <p:nvPicPr>
-          <p:cNvPr id="3" name="그림 2">
-            <a:extLst>
-              <a:ext uri="{FF2B5EF4-FFF2-40B4-BE49-F238E27FC236}">
-                <a16:creationId xmlns:a16="http://schemas.microsoft.com/office/drawing/2014/main" id="{DD263407-2AF4-4B59-86E2-6E4695D93A0C}"/>
-              </a:ext>
-            </a:extLst>
-          </p:cNvPr>
-          <p:cNvPicPr>
-            <a:picLocks noChangeAspect="1"/>
-          </p:cNvPicPr>
-          <p:nvPr/>
-        </p:nvPicPr>
-        <p:blipFill>
-          <a:blip r:embed="rId2"/>
-          <a:stretch>
-            <a:fillRect/>
-          </a:stretch>
-        </p:blipFill>
-        <p:spPr>
-          <a:xfrm>
-            <a:off x="381461" y="438019"/>
-            <a:ext cx="6637685" cy="3954367"/>
-          </a:xfrm>
-          <a:prstGeom prst="rect">
-            <a:avLst/>
-          </a:prstGeom>
-        </p:spPr>
-      </p:pic>
-      <p:pic>
-        <p:nvPicPr>
-          <p:cNvPr id="6" name="그림 5">
-            <a:extLst>
-              <a:ext uri="{FF2B5EF4-FFF2-40B4-BE49-F238E27FC236}">
-                <a16:creationId xmlns:a16="http://schemas.microsoft.com/office/drawing/2014/main" id="{BC1CF76C-7DEF-A3AE-44A3-B7116453EEA1}"/>
-              </a:ext>
-            </a:extLst>
-          </p:cNvPr>
-          <p:cNvPicPr>
-            <a:picLocks noChangeAspect="1"/>
-          </p:cNvPicPr>
-          <p:nvPr/>
-        </p:nvPicPr>
-        <p:blipFill>
-          <a:blip r:embed="rId3"/>
-          <a:stretch>
-            <a:fillRect/>
-          </a:stretch>
-        </p:blipFill>
-        <p:spPr>
-          <a:xfrm>
-            <a:off x="6096000" y="438019"/>
-            <a:ext cx="5835865" cy="3709438"/>
-          </a:xfrm>
-          <a:prstGeom prst="rect">
-            <a:avLst/>
-          </a:prstGeom>
-        </p:spPr>
-      </p:pic>
-    </p:spTree>
-    <p:extLst>
-      <p:ext uri="{BB962C8B-B14F-4D97-AF65-F5344CB8AC3E}">
-        <p14:creationId xmlns:p14="http://schemas.microsoft.com/office/powerpoint/2010/main" val="3661059627"/>
       </p:ext>
     </p:extLst>
   </p:cSld>
@@ -4226,70 +6952,75 @@
           <a:chExt cx="0" cy="0"/>
         </a:xfrm>
       </p:grpSpPr>
-      <p:pic>
-        <p:nvPicPr>
-          <p:cNvPr id="5" name="그림 4">
+      <p:sp>
+        <p:nvSpPr>
+          <p:cNvPr id="2" name="TextBox 1">
             <a:extLst>
               <a:ext uri="{FF2B5EF4-FFF2-40B4-BE49-F238E27FC236}">
-                <a16:creationId xmlns:a16="http://schemas.microsoft.com/office/drawing/2014/main" id="{0009B89D-D3E3-049D-0EDB-3650F7AA736B}"/>
+                <a16:creationId xmlns:a16="http://schemas.microsoft.com/office/drawing/2014/main" id="{6D5E47BA-144B-6E25-E282-8F211ABD5221}"/>
               </a:ext>
             </a:extLst>
           </p:cNvPr>
-          <p:cNvPicPr>
-            <a:picLocks noChangeAspect="1"/>
-          </p:cNvPicPr>
+          <p:cNvSpPr txBox="1"/>
           <p:nvPr/>
-        </p:nvPicPr>
-        <p:blipFill>
-          <a:blip r:embed="rId2"/>
-          <a:stretch>
-            <a:fillRect/>
-          </a:stretch>
-        </p:blipFill>
+        </p:nvSpPr>
         <p:spPr>
           <a:xfrm>
-            <a:off x="457985" y="479597"/>
-            <a:ext cx="11347343" cy="1626788"/>
+            <a:off x="1139371" y="2610838"/>
+            <a:ext cx="9913258" cy="830997"/>
           </a:xfrm>
           <a:prstGeom prst="rect">
             <a:avLst/>
           </a:prstGeom>
+          <a:noFill/>
         </p:spPr>
-      </p:pic>
-      <p:pic>
-        <p:nvPicPr>
-          <p:cNvPr id="7" name="그림 6">
-            <a:extLst>
-              <a:ext uri="{FF2B5EF4-FFF2-40B4-BE49-F238E27FC236}">
-                <a16:creationId xmlns:a16="http://schemas.microsoft.com/office/drawing/2014/main" id="{3A722964-8B83-9F43-B26F-012B25E446B3}"/>
-              </a:ext>
-            </a:extLst>
-          </p:cNvPr>
-          <p:cNvPicPr>
-            <a:picLocks noChangeAspect="1"/>
-          </p:cNvPicPr>
-          <p:nvPr/>
-        </p:nvPicPr>
-        <p:blipFill>
-          <a:blip r:embed="rId3"/>
-          <a:stretch>
-            <a:fillRect/>
-          </a:stretch>
-        </p:blipFill>
-        <p:spPr>
-          <a:xfrm>
-            <a:off x="433011" y="2430862"/>
-            <a:ext cx="11372317" cy="3804558"/>
-          </a:xfrm>
-          <a:prstGeom prst="rect">
-            <a:avLst/>
-          </a:prstGeom>
-        </p:spPr>
-      </p:pic>
+        <p:txBody>
+          <a:bodyPr wrap="square" rtlCol="0">
+            <a:spAutoFit/>
+          </a:bodyPr>
+          <a:lstStyle/>
+          <a:p>
+            <a:pPr algn="ctr"/>
+            <a:r>
+              <a:rPr lang="en-US" altLang="ko-KR" sz="4800" b="1" dirty="0">
+                <a:solidFill>
+                  <a:schemeClr val="accent1"/>
+                </a:solidFill>
+                <a:latin typeface="+mn-ea"/>
+              </a:rPr>
+              <a:t>&lt; </a:t>
+            </a:r>
+            <a:r>
+              <a:rPr lang="ko-KR" altLang="en-US" sz="4800" b="1" dirty="0">
+                <a:solidFill>
+                  <a:schemeClr val="accent1"/>
+                </a:solidFill>
+                <a:latin typeface="+mn-ea"/>
+              </a:rPr>
+              <a:t>문자형 </a:t>
+            </a:r>
+            <a:r>
+              <a:rPr lang="en-US" altLang="ko-KR" sz="4800" b="1" dirty="0">
+                <a:solidFill>
+                  <a:schemeClr val="accent1"/>
+                </a:solidFill>
+                <a:latin typeface="+mn-ea"/>
+              </a:rPr>
+              <a:t>&gt;</a:t>
+            </a:r>
+            <a:endParaRPr lang="ko-KR" altLang="en-US" sz="4800" b="1" dirty="0">
+              <a:solidFill>
+                <a:schemeClr val="accent1"/>
+              </a:solidFill>
+              <a:latin typeface="+mn-ea"/>
+            </a:endParaRPr>
+          </a:p>
+        </p:txBody>
+      </p:sp>
     </p:spTree>
     <p:extLst>
       <p:ext uri="{BB962C8B-B14F-4D97-AF65-F5344CB8AC3E}">
-        <p14:creationId xmlns:p14="http://schemas.microsoft.com/office/powerpoint/2010/main" val="3258045720"/>
+        <p14:creationId xmlns:p14="http://schemas.microsoft.com/office/powerpoint/2010/main" val="1340965278"/>
       </p:ext>
     </p:extLst>
   </p:cSld>

--- a/Python과제/Python_3강.pptx
+++ b/Python과제/Python_3강.pptx
@@ -1023,7 +1023,7 @@
           <a:p>
             <a:fld id="{96DFF08F-DC6B-4601-B491-B0F83F6DD2DA}" type="datetimeFigureOut">
               <a:rPr lang="en-US" smtClean="0"/>
-              <a:t>5/6/2023</a:t>
+              <a:t>5/7/2023</a:t>
             </a:fld>
             <a:endParaRPr lang="en-US" dirty="0"/>
           </a:p>
@@ -1244,7 +1244,7 @@
           <a:p>
             <a:fld id="{96DFF08F-DC6B-4601-B491-B0F83F6DD2DA}" type="datetimeFigureOut">
               <a:rPr lang="en-US" smtClean="0"/>
-              <a:t>5/6/2023</a:t>
+              <a:t>5/7/2023</a:t>
             </a:fld>
             <a:endParaRPr lang="en-US" dirty="0"/>
           </a:p>
@@ -1424,7 +1424,7 @@
           <a:p>
             <a:fld id="{96DFF08F-DC6B-4601-B491-B0F83F6DD2DA}" type="datetimeFigureOut">
               <a:rPr lang="en-US" smtClean="0"/>
-              <a:t>5/6/2023</a:t>
+              <a:t>5/7/2023</a:t>
             </a:fld>
             <a:endParaRPr lang="en-US" dirty="0"/>
           </a:p>
@@ -1594,7 +1594,7 @@
           <a:p>
             <a:fld id="{96DFF08F-DC6B-4601-B491-B0F83F6DD2DA}" type="datetimeFigureOut">
               <a:rPr lang="en-US" smtClean="0"/>
-              <a:t>5/6/2023</a:t>
+              <a:t>5/7/2023</a:t>
             </a:fld>
             <a:endParaRPr lang="en-US" dirty="0"/>
           </a:p>
@@ -1845,7 +1845,7 @@
           <a:p>
             <a:fld id="{96DFF08F-DC6B-4601-B491-B0F83F6DD2DA}" type="datetimeFigureOut">
               <a:rPr lang="en-US" smtClean="0"/>
-              <a:t>5/6/2023</a:t>
+              <a:t>5/7/2023</a:t>
             </a:fld>
             <a:endParaRPr lang="en-US" dirty="0"/>
           </a:p>
@@ -2168,7 +2168,7 @@
           <a:p>
             <a:fld id="{96DFF08F-DC6B-4601-B491-B0F83F6DD2DA}" type="datetimeFigureOut">
               <a:rPr lang="en-US" smtClean="0"/>
-              <a:t>5/6/2023</a:t>
+              <a:t>5/7/2023</a:t>
             </a:fld>
             <a:endParaRPr lang="en-US" dirty="0"/>
           </a:p>
@@ -2592,7 +2592,7 @@
           <a:p>
             <a:fld id="{96DFF08F-DC6B-4601-B491-B0F83F6DD2DA}" type="datetimeFigureOut">
               <a:rPr lang="en-US" smtClean="0"/>
-              <a:t>5/6/2023</a:t>
+              <a:t>5/7/2023</a:t>
             </a:fld>
             <a:endParaRPr lang="en-US" dirty="0"/>
           </a:p>
@@ -2710,7 +2710,7 @@
           <a:p>
             <a:fld id="{96DFF08F-DC6B-4601-B491-B0F83F6DD2DA}" type="datetimeFigureOut">
               <a:rPr lang="en-US" smtClean="0"/>
-              <a:t>5/6/2023</a:t>
+              <a:t>5/7/2023</a:t>
             </a:fld>
             <a:endParaRPr lang="en-US" dirty="0"/>
           </a:p>
@@ -2805,7 +2805,7 @@
           <a:p>
             <a:fld id="{96DFF08F-DC6B-4601-B491-B0F83F6DD2DA}" type="datetimeFigureOut">
               <a:rPr lang="en-US" smtClean="0"/>
-              <a:t>5/6/2023</a:t>
+              <a:t>5/7/2023</a:t>
             </a:fld>
             <a:endParaRPr lang="en-US" dirty="0"/>
           </a:p>
@@ -3095,7 +3095,7 @@
           <a:p>
             <a:fld id="{96DFF08F-DC6B-4601-B491-B0F83F6DD2DA}" type="datetimeFigureOut">
               <a:rPr lang="en-US" smtClean="0"/>
-              <a:t>5/6/2023</a:t>
+              <a:t>5/7/2023</a:t>
             </a:fld>
             <a:endParaRPr lang="en-US" dirty="0"/>
           </a:p>
@@ -3367,7 +3367,7 @@
           <a:p>
             <a:fld id="{96DFF08F-DC6B-4601-B491-B0F83F6DD2DA}" type="datetimeFigureOut">
               <a:rPr lang="en-US" smtClean="0"/>
-              <a:t>5/6/2023</a:t>
+              <a:t>5/7/2023</a:t>
             </a:fld>
             <a:endParaRPr lang="en-US" dirty="0"/>
           </a:p>
@@ -3622,7 +3622,7 @@
             <a:fld id="{96DFF08F-DC6B-4601-B491-B0F83F6DD2DA}" type="datetimeFigureOut">
               <a:rPr lang="en-US" smtClean="0"/>
               <a:pPr/>
-              <a:t>5/6/2023</a:t>
+              <a:t>5/7/2023</a:t>
             </a:fld>
             <a:endParaRPr lang="en-US" dirty="0"/>
           </a:p>
@@ -4272,8 +4272,8 @@
           </a:prstGeom>
         </p:spPr>
       </p:pic>
-      <mc:AlternateContent xmlns:mc="http://schemas.openxmlformats.org/markup-compatibility/2006">
-        <mc:Choice xmlns:p14="http://schemas.microsoft.com/office/powerpoint/2010/main" Requires="p14">
+      <mc:AlternateContent xmlns:mc="http://schemas.openxmlformats.org/markup-compatibility/2006" xmlns:p14="http://schemas.microsoft.com/office/powerpoint/2010/main">
+        <mc:Choice Requires="p14">
           <p:contentPart p14:bwMode="auto" r:id="rId3">
             <p14:nvContentPartPr>
               <p14:cNvPr id="6" name="잉크 5">
@@ -4292,7 +4292,7 @@
             </p14:xfrm>
           </p:contentPart>
         </mc:Choice>
-        <mc:Fallback>
+        <mc:Fallback xmlns="">
           <p:pic>
             <p:nvPicPr>
               <p:cNvPr id="6" name="잉크 5">
@@ -4323,8 +4323,8 @@
           </p:pic>
         </mc:Fallback>
       </mc:AlternateContent>
-      <mc:AlternateContent xmlns:mc="http://schemas.openxmlformats.org/markup-compatibility/2006">
-        <mc:Choice xmlns:p14="http://schemas.microsoft.com/office/powerpoint/2010/main" Requires="p14">
+      <mc:AlternateContent xmlns:mc="http://schemas.openxmlformats.org/markup-compatibility/2006" xmlns:p14="http://schemas.microsoft.com/office/powerpoint/2010/main">
+        <mc:Choice Requires="p14">
           <p:contentPart p14:bwMode="auto" r:id="rId5">
             <p14:nvContentPartPr>
               <p14:cNvPr id="7" name="잉크 6">
@@ -4343,7 +4343,7 @@
             </p14:xfrm>
           </p:contentPart>
         </mc:Choice>
-        <mc:Fallback>
+        <mc:Fallback xmlns="">
           <p:pic>
             <p:nvPicPr>
               <p:cNvPr id="7" name="잉크 6">
@@ -4374,8 +4374,8 @@
           </p:pic>
         </mc:Fallback>
       </mc:AlternateContent>
-      <mc:AlternateContent xmlns:mc="http://schemas.openxmlformats.org/markup-compatibility/2006">
-        <mc:Choice xmlns:p14="http://schemas.microsoft.com/office/powerpoint/2010/main" Requires="p14">
+      <mc:AlternateContent xmlns:mc="http://schemas.openxmlformats.org/markup-compatibility/2006" xmlns:p14="http://schemas.microsoft.com/office/powerpoint/2010/main">
+        <mc:Choice Requires="p14">
           <p:contentPart p14:bwMode="auto" r:id="rId7">
             <p14:nvContentPartPr>
               <p14:cNvPr id="8" name="잉크 7">
@@ -4394,7 +4394,7 @@
             </p14:xfrm>
           </p:contentPart>
         </mc:Choice>
-        <mc:Fallback>
+        <mc:Fallback xmlns="">
           <p:pic>
             <p:nvPicPr>
               <p:cNvPr id="8" name="잉크 7">
@@ -4485,8 +4485,8 @@
           </a:prstGeom>
         </p:spPr>
       </p:pic>
-      <mc:AlternateContent xmlns:mc="http://schemas.openxmlformats.org/markup-compatibility/2006">
-        <mc:Choice xmlns:p14="http://schemas.microsoft.com/office/powerpoint/2010/main" Requires="p14">
+      <mc:AlternateContent xmlns:mc="http://schemas.openxmlformats.org/markup-compatibility/2006" xmlns:p14="http://schemas.microsoft.com/office/powerpoint/2010/main">
+        <mc:Choice Requires="p14">
           <p:contentPart p14:bwMode="auto" r:id="rId3">
             <p14:nvContentPartPr>
               <p14:cNvPr id="2" name="잉크 1">
@@ -4505,7 +4505,7 @@
             </p14:xfrm>
           </p:contentPart>
         </mc:Choice>
-        <mc:Fallback>
+        <mc:Fallback xmlns="">
           <p:pic>
             <p:nvPicPr>
               <p:cNvPr id="2" name="잉크 1">
@@ -4626,8 +4626,8 @@
           </a:prstGeom>
         </p:spPr>
       </p:pic>
-      <mc:AlternateContent xmlns:mc="http://schemas.openxmlformats.org/markup-compatibility/2006">
-        <mc:Choice xmlns:p14="http://schemas.microsoft.com/office/powerpoint/2010/main" Requires="p14">
+      <mc:AlternateContent xmlns:mc="http://schemas.openxmlformats.org/markup-compatibility/2006" xmlns:p14="http://schemas.microsoft.com/office/powerpoint/2010/main">
+        <mc:Choice Requires="p14">
           <p:contentPart p14:bwMode="auto" r:id="rId4">
             <p14:nvContentPartPr>
               <p14:cNvPr id="6" name="잉크 5">
@@ -4646,7 +4646,7 @@
             </p14:xfrm>
           </p:contentPart>
         </mc:Choice>
-        <mc:Fallback>
+        <mc:Fallback xmlns="">
           <p:pic>
             <p:nvPicPr>
               <p:cNvPr id="6" name="잉크 5">
@@ -4677,8 +4677,8 @@
           </p:pic>
         </mc:Fallback>
       </mc:AlternateContent>
-      <mc:AlternateContent xmlns:mc="http://schemas.openxmlformats.org/markup-compatibility/2006">
-        <mc:Choice xmlns:p14="http://schemas.microsoft.com/office/powerpoint/2010/main" Requires="p14">
+      <mc:AlternateContent xmlns:mc="http://schemas.openxmlformats.org/markup-compatibility/2006" xmlns:p14="http://schemas.microsoft.com/office/powerpoint/2010/main">
+        <mc:Choice Requires="p14">
           <p:contentPart p14:bwMode="auto" r:id="rId6">
             <p14:nvContentPartPr>
               <p14:cNvPr id="7" name="잉크 6">
@@ -4697,7 +4697,7 @@
             </p14:xfrm>
           </p:contentPart>
         </mc:Choice>
-        <mc:Fallback>
+        <mc:Fallback xmlns="">
           <p:pic>
             <p:nvPicPr>
               <p:cNvPr id="7" name="잉크 6">
@@ -4788,8 +4788,8 @@
           </a:prstGeom>
         </p:spPr>
       </p:pic>
-      <mc:AlternateContent xmlns:mc="http://schemas.openxmlformats.org/markup-compatibility/2006">
-        <mc:Choice xmlns:p14="http://schemas.microsoft.com/office/powerpoint/2010/main" Requires="p14">
+      <mc:AlternateContent xmlns:mc="http://schemas.openxmlformats.org/markup-compatibility/2006" xmlns:p14="http://schemas.microsoft.com/office/powerpoint/2010/main">
+        <mc:Choice Requires="p14">
           <p:contentPart p14:bwMode="auto" r:id="rId3">
             <p14:nvContentPartPr>
               <p14:cNvPr id="2" name="잉크 1">
@@ -4808,7 +4808,7 @@
             </p14:xfrm>
           </p:contentPart>
         </mc:Choice>
-        <mc:Fallback>
+        <mc:Fallback xmlns="">
           <p:pic>
             <p:nvPicPr>
               <p:cNvPr id="2" name="잉크 1">
@@ -4839,8 +4839,8 @@
           </p:pic>
         </mc:Fallback>
       </mc:AlternateContent>
-      <mc:AlternateContent xmlns:mc="http://schemas.openxmlformats.org/markup-compatibility/2006">
-        <mc:Choice xmlns:p14="http://schemas.microsoft.com/office/powerpoint/2010/main" Requires="p14">
+      <mc:AlternateContent xmlns:mc="http://schemas.openxmlformats.org/markup-compatibility/2006" xmlns:p14="http://schemas.microsoft.com/office/powerpoint/2010/main">
+        <mc:Choice Requires="p14">
           <p:contentPart p14:bwMode="auto" r:id="rId5">
             <p14:nvContentPartPr>
               <p14:cNvPr id="5" name="잉크 4">
@@ -4859,7 +4859,7 @@
             </p14:xfrm>
           </p:contentPart>
         </mc:Choice>
-        <mc:Fallback>
+        <mc:Fallback xmlns="">
           <p:pic>
             <p:nvPicPr>
               <p:cNvPr id="5" name="잉크 4">
@@ -4890,8 +4890,8 @@
           </p:pic>
         </mc:Fallback>
       </mc:AlternateContent>
-      <mc:AlternateContent xmlns:mc="http://schemas.openxmlformats.org/markup-compatibility/2006">
-        <mc:Choice xmlns:p14="http://schemas.microsoft.com/office/powerpoint/2010/main" Requires="p14">
+      <mc:AlternateContent xmlns:mc="http://schemas.openxmlformats.org/markup-compatibility/2006" xmlns:p14="http://schemas.microsoft.com/office/powerpoint/2010/main">
+        <mc:Choice Requires="p14">
           <p:contentPart p14:bwMode="auto" r:id="rId7">
             <p14:nvContentPartPr>
               <p14:cNvPr id="6" name="잉크 5">
@@ -4910,7 +4910,7 @@
             </p14:xfrm>
           </p:contentPart>
         </mc:Choice>
-        <mc:Fallback>
+        <mc:Fallback xmlns="">
           <p:pic>
             <p:nvPicPr>
               <p:cNvPr id="6" name="잉크 5">
@@ -5096,8 +5096,8 @@
           </a:prstGeom>
         </p:spPr>
       </p:pic>
-      <mc:AlternateContent xmlns:mc="http://schemas.openxmlformats.org/markup-compatibility/2006">
-        <mc:Choice xmlns:p14="http://schemas.microsoft.com/office/powerpoint/2010/main" Requires="p14">
+      <mc:AlternateContent xmlns:mc="http://schemas.openxmlformats.org/markup-compatibility/2006" xmlns:p14="http://schemas.microsoft.com/office/powerpoint/2010/main">
+        <mc:Choice Requires="p14">
           <p:contentPart p14:bwMode="auto" r:id="rId3">
             <p14:nvContentPartPr>
               <p14:cNvPr id="4" name="잉크 3">
@@ -5116,7 +5116,7 @@
             </p14:xfrm>
           </p:contentPart>
         </mc:Choice>
-        <mc:Fallback>
+        <mc:Fallback xmlns="">
           <p:pic>
             <p:nvPicPr>
               <p:cNvPr id="4" name="잉크 3">
@@ -5147,8 +5147,8 @@
           </p:pic>
         </mc:Fallback>
       </mc:AlternateContent>
-      <mc:AlternateContent xmlns:mc="http://schemas.openxmlformats.org/markup-compatibility/2006">
-        <mc:Choice xmlns:p14="http://schemas.microsoft.com/office/powerpoint/2010/main" Requires="p14">
+      <mc:AlternateContent xmlns:mc="http://schemas.openxmlformats.org/markup-compatibility/2006" xmlns:p14="http://schemas.microsoft.com/office/powerpoint/2010/main">
+        <mc:Choice Requires="p14">
           <p:contentPart p14:bwMode="auto" r:id="rId5">
             <p14:nvContentPartPr>
               <p14:cNvPr id="5" name="잉크 4">
@@ -5167,7 +5167,7 @@
             </p14:xfrm>
           </p:contentPart>
         </mc:Choice>
-        <mc:Fallback>
+        <mc:Fallback xmlns="">
           <p:pic>
             <p:nvPicPr>
               <p:cNvPr id="5" name="잉크 4">
@@ -5288,8 +5288,8 @@
           </a:prstGeom>
         </p:spPr>
       </p:pic>
-      <mc:AlternateContent xmlns:mc="http://schemas.openxmlformats.org/markup-compatibility/2006">
-        <mc:Choice xmlns:p14="http://schemas.microsoft.com/office/powerpoint/2010/main" Requires="p14">
+      <mc:AlternateContent xmlns:mc="http://schemas.openxmlformats.org/markup-compatibility/2006" xmlns:p14="http://schemas.microsoft.com/office/powerpoint/2010/main">
+        <mc:Choice Requires="p14">
           <p:contentPart p14:bwMode="auto" r:id="rId4">
             <p14:nvContentPartPr>
               <p14:cNvPr id="4" name="잉크 3">
@@ -5308,7 +5308,7 @@
             </p14:xfrm>
           </p:contentPart>
         </mc:Choice>
-        <mc:Fallback>
+        <mc:Fallback xmlns="">
           <p:pic>
             <p:nvPicPr>
               <p:cNvPr id="4" name="잉크 3">
@@ -5339,8 +5339,8 @@
           </p:pic>
         </mc:Fallback>
       </mc:AlternateContent>
-      <mc:AlternateContent xmlns:mc="http://schemas.openxmlformats.org/markup-compatibility/2006">
-        <mc:Choice xmlns:p14="http://schemas.microsoft.com/office/powerpoint/2010/main" Requires="p14">
+      <mc:AlternateContent xmlns:mc="http://schemas.openxmlformats.org/markup-compatibility/2006" xmlns:p14="http://schemas.microsoft.com/office/powerpoint/2010/main">
+        <mc:Choice Requires="p14">
           <p:contentPart p14:bwMode="auto" r:id="rId6">
             <p14:nvContentPartPr>
               <p14:cNvPr id="5" name="잉크 4">
@@ -5359,7 +5359,7 @@
             </p14:xfrm>
           </p:contentPart>
         </mc:Choice>
-        <mc:Fallback>
+        <mc:Fallback xmlns="">
           <p:pic>
             <p:nvPicPr>
               <p:cNvPr id="5" name="잉크 4">
@@ -5390,6 +5390,51 @@
           </p:pic>
         </mc:Fallback>
       </mc:AlternateContent>
+      <p:sp>
+        <p:nvSpPr>
+          <p:cNvPr id="2" name="TextBox 1">
+            <a:extLst>
+              <a:ext uri="{FF2B5EF4-FFF2-40B4-BE49-F238E27FC236}">
+                <a16:creationId xmlns:a16="http://schemas.microsoft.com/office/drawing/2014/main" id="{C1415E34-943D-B9AA-22F1-40CEC2D38813}"/>
+              </a:ext>
+            </a:extLst>
+          </p:cNvPr>
+          <p:cNvSpPr txBox="1"/>
+          <p:nvPr/>
+        </p:nvSpPr>
+        <p:spPr>
+          <a:xfrm>
+            <a:off x="5986504" y="3159213"/>
+            <a:ext cx="2065283" cy="369332"/>
+          </a:xfrm>
+          <a:prstGeom prst="rect">
+            <a:avLst/>
+          </a:prstGeom>
+          <a:noFill/>
+        </p:spPr>
+        <p:txBody>
+          <a:bodyPr wrap="square" rtlCol="0">
+            <a:spAutoFit/>
+          </a:bodyPr>
+          <a:lstStyle/>
+          <a:p>
+            <a:pPr algn="ctr"/>
+            <a:r>
+              <a:rPr lang="en-US" altLang="ko-KR" b="1" dirty="0"/>
+              <a:t>&lt; print </a:t>
+            </a:r>
+            <a:r>
+              <a:rPr lang="ko-KR" altLang="en-US" b="1" dirty="0"/>
+              <a:t>결과 확인 </a:t>
+            </a:r>
+            <a:r>
+              <a:rPr lang="en-US" altLang="ko-KR" b="1" dirty="0"/>
+              <a:t>&gt;</a:t>
+            </a:r>
+            <a:endParaRPr lang="ko-KR" altLang="en-US" b="1" dirty="0"/>
+          </a:p>
+        </p:txBody>
+      </p:sp>
     </p:spTree>
     <p:extLst>
       <p:ext uri="{BB962C8B-B14F-4D97-AF65-F5344CB8AC3E}">
@@ -5480,8 +5525,8 @@
           </a:prstGeom>
         </p:spPr>
       </p:pic>
-      <mc:AlternateContent xmlns:mc="http://schemas.openxmlformats.org/markup-compatibility/2006">
-        <mc:Choice xmlns:p14="http://schemas.microsoft.com/office/powerpoint/2010/main" Requires="p14">
+      <mc:AlternateContent xmlns:mc="http://schemas.openxmlformats.org/markup-compatibility/2006" xmlns:p14="http://schemas.microsoft.com/office/powerpoint/2010/main">
+        <mc:Choice Requires="p14">
           <p:contentPart p14:bwMode="auto" r:id="rId4">
             <p14:nvContentPartPr>
               <p14:cNvPr id="2" name="잉크 1">
@@ -5500,7 +5545,7 @@
             </p14:xfrm>
           </p:contentPart>
         </mc:Choice>
-        <mc:Fallback>
+        <mc:Fallback xmlns="">
           <p:pic>
             <p:nvPicPr>
               <p:cNvPr id="2" name="잉크 1">
@@ -5531,6 +5576,51 @@
           </p:pic>
         </mc:Fallback>
       </mc:AlternateContent>
+      <p:sp>
+        <p:nvSpPr>
+          <p:cNvPr id="3" name="TextBox 2">
+            <a:extLst>
+              <a:ext uri="{FF2B5EF4-FFF2-40B4-BE49-F238E27FC236}">
+                <a16:creationId xmlns:a16="http://schemas.microsoft.com/office/drawing/2014/main" id="{4E2AB2EA-00E6-65EC-1440-126BF520E9A6}"/>
+              </a:ext>
+            </a:extLst>
+          </p:cNvPr>
+          <p:cNvSpPr txBox="1"/>
+          <p:nvPr/>
+        </p:nvSpPr>
+        <p:spPr>
+          <a:xfrm>
+            <a:off x="433011" y="3758304"/>
+            <a:ext cx="2065283" cy="369332"/>
+          </a:xfrm>
+          <a:prstGeom prst="rect">
+            <a:avLst/>
+          </a:prstGeom>
+          <a:noFill/>
+        </p:spPr>
+        <p:txBody>
+          <a:bodyPr wrap="square" rtlCol="0">
+            <a:spAutoFit/>
+          </a:bodyPr>
+          <a:lstStyle/>
+          <a:p>
+            <a:pPr algn="ctr"/>
+            <a:r>
+              <a:rPr lang="en-US" altLang="ko-KR" b="1" dirty="0"/>
+              <a:t>&lt; print </a:t>
+            </a:r>
+            <a:r>
+              <a:rPr lang="ko-KR" altLang="en-US" b="1" dirty="0"/>
+              <a:t>결과 확인 </a:t>
+            </a:r>
+            <a:r>
+              <a:rPr lang="en-US" altLang="ko-KR" b="1" dirty="0"/>
+              <a:t>&gt;</a:t>
+            </a:r>
+            <a:endParaRPr lang="ko-KR" altLang="en-US" b="1" dirty="0"/>
+          </a:p>
+        </p:txBody>
+      </p:sp>
     </p:spTree>
     <p:extLst>
       <p:ext uri="{BB962C8B-B14F-4D97-AF65-F5344CB8AC3E}">
@@ -5591,6 +5681,51 @@
           </a:prstGeom>
         </p:spPr>
       </p:pic>
+      <p:sp>
+        <p:nvSpPr>
+          <p:cNvPr id="2" name="TextBox 1">
+            <a:extLst>
+              <a:ext uri="{FF2B5EF4-FFF2-40B4-BE49-F238E27FC236}">
+                <a16:creationId xmlns:a16="http://schemas.microsoft.com/office/drawing/2014/main" id="{4070EAC2-3FA0-300D-24E1-BCC06B2C06C2}"/>
+              </a:ext>
+            </a:extLst>
+          </p:cNvPr>
+          <p:cNvSpPr txBox="1"/>
+          <p:nvPr/>
+        </p:nvSpPr>
+        <p:spPr>
+          <a:xfrm>
+            <a:off x="377908" y="1763966"/>
+            <a:ext cx="2065283" cy="369332"/>
+          </a:xfrm>
+          <a:prstGeom prst="rect">
+            <a:avLst/>
+          </a:prstGeom>
+          <a:noFill/>
+        </p:spPr>
+        <p:txBody>
+          <a:bodyPr wrap="square" rtlCol="0">
+            <a:spAutoFit/>
+          </a:bodyPr>
+          <a:lstStyle/>
+          <a:p>
+            <a:pPr algn="ctr"/>
+            <a:r>
+              <a:rPr lang="en-US" altLang="ko-KR" b="1" dirty="0"/>
+              <a:t>&lt; print </a:t>
+            </a:r>
+            <a:r>
+              <a:rPr lang="ko-KR" altLang="en-US" b="1" dirty="0"/>
+              <a:t>결과 확인 </a:t>
+            </a:r>
+            <a:r>
+              <a:rPr lang="en-US" altLang="ko-KR" b="1" dirty="0"/>
+              <a:t>&gt;</a:t>
+            </a:r>
+            <a:endParaRPr lang="ko-KR" altLang="en-US" b="1" dirty="0"/>
+          </a:p>
+        </p:txBody>
+      </p:sp>
     </p:spTree>
     <p:extLst>
       <p:ext uri="{BB962C8B-B14F-4D97-AF65-F5344CB8AC3E}">
@@ -5657,16 +5792,16 @@
                 </a:solidFill>
                 <a:latin typeface="+mn-ea"/>
               </a:rPr>
-              <a:t>&lt; </a:t>
-            </a:r>
-            <a:r>
-              <a:rPr lang="ko-KR" altLang="en-US" sz="4800" b="1" dirty="0">
+              <a:t>&lt; 3</a:t>
+            </a:r>
+            <a:r>
+              <a:rPr lang="ko-KR" altLang="en-US" sz="4800" b="1">
                 <a:solidFill>
                   <a:schemeClr val="accent1"/>
                 </a:solidFill>
                 <a:latin typeface="+mn-ea"/>
               </a:rPr>
-              <a:t>정리하기 </a:t>
+              <a:t>강 정리하기 </a:t>
             </a:r>
             <a:r>
               <a:rPr lang="en-US" altLang="ko-KR" sz="4800" b="1" dirty="0">
@@ -6022,8 +6157,8 @@
           </a:prstGeom>
         </p:spPr>
       </p:pic>
-      <mc:AlternateContent xmlns:mc="http://schemas.openxmlformats.org/markup-compatibility/2006">
-        <mc:Choice xmlns:p14="http://schemas.microsoft.com/office/powerpoint/2010/main" Requires="p14">
+      <mc:AlternateContent xmlns:mc="http://schemas.openxmlformats.org/markup-compatibility/2006" xmlns:p14="http://schemas.microsoft.com/office/powerpoint/2010/main">
+        <mc:Choice Requires="p14">
           <p:contentPart p14:bwMode="auto" r:id="rId3">
             <p14:nvContentPartPr>
               <p14:cNvPr id="4" name="잉크 3">
@@ -6042,7 +6177,7 @@
             </p14:xfrm>
           </p:contentPart>
         </mc:Choice>
-        <mc:Fallback>
+        <mc:Fallback xmlns="">
           <p:pic>
             <p:nvPicPr>
               <p:cNvPr id="4" name="잉크 3">
@@ -6193,8 +6328,8 @@
           </a:prstGeom>
         </p:spPr>
       </p:pic>
-      <mc:AlternateContent xmlns:mc="http://schemas.openxmlformats.org/markup-compatibility/2006">
-        <mc:Choice xmlns:p14="http://schemas.microsoft.com/office/powerpoint/2010/main" Requires="p14">
+      <mc:AlternateContent xmlns:mc="http://schemas.openxmlformats.org/markup-compatibility/2006" xmlns:p14="http://schemas.microsoft.com/office/powerpoint/2010/main">
+        <mc:Choice Requires="p14">
           <p:contentPart p14:bwMode="auto" r:id="rId5">
             <p14:nvContentPartPr>
               <p14:cNvPr id="4" name="잉크 3">
@@ -6213,7 +6348,7 @@
             </p14:xfrm>
           </p:contentPart>
         </mc:Choice>
-        <mc:Fallback>
+        <mc:Fallback xmlns="">
           <p:pic>
             <p:nvPicPr>
               <p:cNvPr id="4" name="잉크 3">
@@ -6334,8 +6469,8 @@
           </a:prstGeom>
         </p:spPr>
       </p:pic>
-      <mc:AlternateContent xmlns:mc="http://schemas.openxmlformats.org/markup-compatibility/2006">
-        <mc:Choice xmlns:p14="http://schemas.microsoft.com/office/powerpoint/2010/main" Requires="p14">
+      <mc:AlternateContent xmlns:mc="http://schemas.openxmlformats.org/markup-compatibility/2006" xmlns:p14="http://schemas.microsoft.com/office/powerpoint/2010/main">
+        <mc:Choice Requires="p14">
           <p:contentPart p14:bwMode="auto" r:id="rId4">
             <p14:nvContentPartPr>
               <p14:cNvPr id="4" name="잉크 3">
@@ -6354,7 +6489,7 @@
             </p14:xfrm>
           </p:contentPart>
         </mc:Choice>
-        <mc:Fallback>
+        <mc:Fallback xmlns="">
           <p:pic>
             <p:nvPicPr>
               <p:cNvPr id="4" name="잉크 3">
@@ -6385,8 +6520,8 @@
           </p:pic>
         </mc:Fallback>
       </mc:AlternateContent>
-      <mc:AlternateContent xmlns:mc="http://schemas.openxmlformats.org/markup-compatibility/2006">
-        <mc:Choice xmlns:p14="http://schemas.microsoft.com/office/powerpoint/2010/main" Requires="p14">
+      <mc:AlternateContent xmlns:mc="http://schemas.openxmlformats.org/markup-compatibility/2006" xmlns:p14="http://schemas.microsoft.com/office/powerpoint/2010/main">
+        <mc:Choice Requires="p14">
           <p:contentPart p14:bwMode="auto" r:id="rId6">
             <p14:nvContentPartPr>
               <p14:cNvPr id="6" name="잉크 5">
@@ -6405,7 +6540,7 @@
             </p14:xfrm>
           </p:contentPart>
         </mc:Choice>
-        <mc:Fallback>
+        <mc:Fallback xmlns="">
           <p:pic>
             <p:nvPicPr>
               <p:cNvPr id="6" name="잉크 5">
@@ -6496,8 +6631,8 @@
           </a:prstGeom>
         </p:spPr>
       </p:pic>
-      <mc:AlternateContent xmlns:mc="http://schemas.openxmlformats.org/markup-compatibility/2006">
-        <mc:Choice xmlns:p14="http://schemas.microsoft.com/office/powerpoint/2010/main" Requires="p14">
+      <mc:AlternateContent xmlns:mc="http://schemas.openxmlformats.org/markup-compatibility/2006" xmlns:p14="http://schemas.microsoft.com/office/powerpoint/2010/main">
+        <mc:Choice Requires="p14">
           <p:contentPart p14:bwMode="auto" r:id="rId3">
             <p14:nvContentPartPr>
               <p14:cNvPr id="4" name="잉크 3">
@@ -6516,7 +6651,7 @@
             </p14:xfrm>
           </p:contentPart>
         </mc:Choice>
-        <mc:Fallback>
+        <mc:Fallback xmlns="">
           <p:pic>
             <p:nvPicPr>
               <p:cNvPr id="4" name="잉크 3">
@@ -6547,8 +6682,8 @@
           </p:pic>
         </mc:Fallback>
       </mc:AlternateContent>
-      <mc:AlternateContent xmlns:mc="http://schemas.openxmlformats.org/markup-compatibility/2006">
-        <mc:Choice xmlns:p14="http://schemas.microsoft.com/office/powerpoint/2010/main" Requires="p14">
+      <mc:AlternateContent xmlns:mc="http://schemas.openxmlformats.org/markup-compatibility/2006" xmlns:p14="http://schemas.microsoft.com/office/powerpoint/2010/main">
+        <mc:Choice Requires="p14">
           <p:contentPart p14:bwMode="auto" r:id="rId5">
             <p14:nvContentPartPr>
               <p14:cNvPr id="5" name="잉크 4">
@@ -6567,7 +6702,7 @@
             </p14:xfrm>
           </p:contentPart>
         </mc:Choice>
-        <mc:Fallback>
+        <mc:Fallback xmlns="">
           <p:pic>
             <p:nvPicPr>
               <p:cNvPr id="5" name="잉크 4">
@@ -6598,8 +6733,8 @@
           </p:pic>
         </mc:Fallback>
       </mc:AlternateContent>
-      <mc:AlternateContent xmlns:mc="http://schemas.openxmlformats.org/markup-compatibility/2006">
-        <mc:Choice xmlns:p14="http://schemas.microsoft.com/office/powerpoint/2010/main" Requires="p14">
+      <mc:AlternateContent xmlns:mc="http://schemas.openxmlformats.org/markup-compatibility/2006" xmlns:p14="http://schemas.microsoft.com/office/powerpoint/2010/main">
+        <mc:Choice Requires="p14">
           <p:contentPart p14:bwMode="auto" r:id="rId7">
             <p14:nvContentPartPr>
               <p14:cNvPr id="6" name="잉크 5">
@@ -6618,7 +6753,7 @@
             </p14:xfrm>
           </p:contentPart>
         </mc:Choice>
-        <mc:Fallback>
+        <mc:Fallback xmlns="">
           <p:pic>
             <p:nvPicPr>
               <p:cNvPr id="6" name="잉크 5">
@@ -6769,8 +6904,8 @@
           </a:prstGeom>
         </p:spPr>
       </p:pic>
-      <mc:AlternateContent xmlns:mc="http://schemas.openxmlformats.org/markup-compatibility/2006">
-        <mc:Choice xmlns:p14="http://schemas.microsoft.com/office/powerpoint/2010/main" Requires="p14">
+      <mc:AlternateContent xmlns:mc="http://schemas.openxmlformats.org/markup-compatibility/2006" xmlns:p14="http://schemas.microsoft.com/office/powerpoint/2010/main">
+        <mc:Choice Requires="p14">
           <p:contentPart p14:bwMode="auto" r:id="rId5">
             <p14:nvContentPartPr>
               <p14:cNvPr id="2" name="잉크 1">
@@ -6789,7 +6924,7 @@
             </p14:xfrm>
           </p:contentPart>
         </mc:Choice>
-        <mc:Fallback>
+        <mc:Fallback xmlns="">
           <p:pic>
             <p:nvPicPr>
               <p:cNvPr id="2" name="잉크 1">
@@ -6820,8 +6955,8 @@
           </p:pic>
         </mc:Fallback>
       </mc:AlternateContent>
-      <mc:AlternateContent xmlns:mc="http://schemas.openxmlformats.org/markup-compatibility/2006">
-        <mc:Choice xmlns:p14="http://schemas.microsoft.com/office/powerpoint/2010/main" Requires="p14">
+      <mc:AlternateContent xmlns:mc="http://schemas.openxmlformats.org/markup-compatibility/2006" xmlns:p14="http://schemas.microsoft.com/office/powerpoint/2010/main">
+        <mc:Choice Requires="p14">
           <p:contentPart p14:bwMode="auto" r:id="rId7">
             <p14:nvContentPartPr>
               <p14:cNvPr id="4" name="잉크 3">
@@ -6840,7 +6975,7 @@
             </p14:xfrm>
           </p:contentPart>
         </mc:Choice>
-        <mc:Fallback>
+        <mc:Fallback xmlns="">
           <p:pic>
             <p:nvPicPr>
               <p:cNvPr id="4" name="잉크 3">
@@ -6871,8 +7006,8 @@
           </p:pic>
         </mc:Fallback>
       </mc:AlternateContent>
-      <mc:AlternateContent xmlns:mc="http://schemas.openxmlformats.org/markup-compatibility/2006">
-        <mc:Choice xmlns:p14="http://schemas.microsoft.com/office/powerpoint/2010/main" Requires="p14">
+      <mc:AlternateContent xmlns:mc="http://schemas.openxmlformats.org/markup-compatibility/2006" xmlns:p14="http://schemas.microsoft.com/office/powerpoint/2010/main">
+        <mc:Choice Requires="p14">
           <p:contentPart p14:bwMode="auto" r:id="rId9">
             <p14:nvContentPartPr>
               <p14:cNvPr id="5" name="잉크 4">
@@ -6891,7 +7026,7 @@
             </p14:xfrm>
           </p:contentPart>
         </mc:Choice>
-        <mc:Fallback>
+        <mc:Fallback xmlns="">
           <p:pic>
             <p:nvPicPr>
               <p:cNvPr id="5" name="잉크 4">
